--- a/Building a portfolio that beats the market.pptx
+++ b/Building a portfolio that beats the market.pptx
@@ -11,6 +11,13 @@
     <p:sldId id="259" r:id="rId5"/>
     <p:sldId id="260" r:id="rId6"/>
     <p:sldId id="261" r:id="rId7"/>
+    <p:sldId id="262" r:id="rId8"/>
+    <p:sldId id="265" r:id="rId9"/>
+    <p:sldId id="266" r:id="rId10"/>
+    <p:sldId id="264" r:id="rId11"/>
+    <p:sldId id="263" r:id="rId12"/>
+    <p:sldId id="267" r:id="rId13"/>
+    <p:sldId id="268" r:id="rId14"/>
   </p:sldIdLst>
   <p:sldSz cx="12192000" cy="6858000"/>
   <p:notesSz cx="6858000" cy="9144000"/>
@@ -266,7 +273,7 @@
           <a:p>
             <a:fld id="{0FDA0148-BA4F-4B72-A228-B3CEFBEC03BC}" type="datetimeFigureOut">
               <a:rPr lang="en-SG" smtClean="0"/>
-              <a:t>11/10/2022</a:t>
+              <a:t>13/10/2022</a:t>
             </a:fld>
             <a:endParaRPr lang="en-SG"/>
           </a:p>
@@ -466,7 +473,7 @@
           <a:p>
             <a:fld id="{0FDA0148-BA4F-4B72-A228-B3CEFBEC03BC}" type="datetimeFigureOut">
               <a:rPr lang="en-SG" smtClean="0"/>
-              <a:t>11/10/2022</a:t>
+              <a:t>13/10/2022</a:t>
             </a:fld>
             <a:endParaRPr lang="en-SG"/>
           </a:p>
@@ -676,7 +683,7 @@
           <a:p>
             <a:fld id="{0FDA0148-BA4F-4B72-A228-B3CEFBEC03BC}" type="datetimeFigureOut">
               <a:rPr lang="en-SG" smtClean="0"/>
-              <a:t>11/10/2022</a:t>
+              <a:t>13/10/2022</a:t>
             </a:fld>
             <a:endParaRPr lang="en-SG"/>
           </a:p>
@@ -876,7 +883,7 @@
           <a:p>
             <a:fld id="{0FDA0148-BA4F-4B72-A228-B3CEFBEC03BC}" type="datetimeFigureOut">
               <a:rPr lang="en-SG" smtClean="0"/>
-              <a:t>11/10/2022</a:t>
+              <a:t>13/10/2022</a:t>
             </a:fld>
             <a:endParaRPr lang="en-SG"/>
           </a:p>
@@ -1152,7 +1159,7 @@
           <a:p>
             <a:fld id="{0FDA0148-BA4F-4B72-A228-B3CEFBEC03BC}" type="datetimeFigureOut">
               <a:rPr lang="en-SG" smtClean="0"/>
-              <a:t>11/10/2022</a:t>
+              <a:t>13/10/2022</a:t>
             </a:fld>
             <a:endParaRPr lang="en-SG"/>
           </a:p>
@@ -1420,7 +1427,7 @@
           <a:p>
             <a:fld id="{0FDA0148-BA4F-4B72-A228-B3CEFBEC03BC}" type="datetimeFigureOut">
               <a:rPr lang="en-SG" smtClean="0"/>
-              <a:t>11/10/2022</a:t>
+              <a:t>13/10/2022</a:t>
             </a:fld>
             <a:endParaRPr lang="en-SG"/>
           </a:p>
@@ -1835,7 +1842,7 @@
           <a:p>
             <a:fld id="{0FDA0148-BA4F-4B72-A228-B3CEFBEC03BC}" type="datetimeFigureOut">
               <a:rPr lang="en-SG" smtClean="0"/>
-              <a:t>11/10/2022</a:t>
+              <a:t>13/10/2022</a:t>
             </a:fld>
             <a:endParaRPr lang="en-SG"/>
           </a:p>
@@ -1977,7 +1984,7 @@
           <a:p>
             <a:fld id="{0FDA0148-BA4F-4B72-A228-B3CEFBEC03BC}" type="datetimeFigureOut">
               <a:rPr lang="en-SG" smtClean="0"/>
-              <a:t>11/10/2022</a:t>
+              <a:t>13/10/2022</a:t>
             </a:fld>
             <a:endParaRPr lang="en-SG"/>
           </a:p>
@@ -2090,7 +2097,7 @@
           <a:p>
             <a:fld id="{0FDA0148-BA4F-4B72-A228-B3CEFBEC03BC}" type="datetimeFigureOut">
               <a:rPr lang="en-SG" smtClean="0"/>
-              <a:t>11/10/2022</a:t>
+              <a:t>13/10/2022</a:t>
             </a:fld>
             <a:endParaRPr lang="en-SG"/>
           </a:p>
@@ -2403,7 +2410,7 @@
           <a:p>
             <a:fld id="{0FDA0148-BA4F-4B72-A228-B3CEFBEC03BC}" type="datetimeFigureOut">
               <a:rPr lang="en-SG" smtClean="0"/>
-              <a:t>11/10/2022</a:t>
+              <a:t>13/10/2022</a:t>
             </a:fld>
             <a:endParaRPr lang="en-SG"/>
           </a:p>
@@ -2692,7 +2699,7 @@
           <a:p>
             <a:fld id="{0FDA0148-BA4F-4B72-A228-B3CEFBEC03BC}" type="datetimeFigureOut">
               <a:rPr lang="en-SG" smtClean="0"/>
-              <a:t>11/10/2022</a:t>
+              <a:t>13/10/2022</a:t>
             </a:fld>
             <a:endParaRPr lang="en-SG"/>
           </a:p>
@@ -2935,7 +2942,7 @@
           <a:p>
             <a:fld id="{0FDA0148-BA4F-4B72-A228-B3CEFBEC03BC}" type="datetimeFigureOut">
               <a:rPr lang="en-SG" smtClean="0"/>
-              <a:t>11/10/2022</a:t>
+              <a:t>13/10/2022</a:t>
             </a:fld>
             <a:endParaRPr lang="en-SG"/>
           </a:p>
@@ -3412,10 +3419,2032 @@
           </a:p>
         </p:txBody>
       </p:sp>
+      <p:sp>
+        <p:nvSpPr>
+          <p:cNvPr id="4" name="Rectangle 1">
+            <a:extLst>
+              <a:ext uri="{FF2B5EF4-FFF2-40B4-BE49-F238E27FC236}">
+                <a16:creationId xmlns:a16="http://schemas.microsoft.com/office/drawing/2014/main" id="{717DF8D0-CB26-9774-7E27-19193EB25BE3}"/>
+              </a:ext>
+            </a:extLst>
+          </p:cNvPr>
+          <p:cNvSpPr>
+            <a:spLocks noChangeArrowheads="1"/>
+          </p:cNvSpPr>
+          <p:nvPr/>
+        </p:nvSpPr>
+        <p:spPr bwMode="auto">
+          <a:xfrm>
+            <a:off x="0" y="0"/>
+            <a:ext cx="12192000" cy="457200"/>
+          </a:xfrm>
+          <a:prstGeom prst="rect">
+            <a:avLst/>
+          </a:prstGeom>
+          <a:solidFill>
+            <a:srgbClr val="181A1B"/>
+          </a:solidFill>
+          <a:ln>
+            <a:noFill/>
+          </a:ln>
+          <a:effectLst/>
+          <a:extLst>
+            <a:ext uri="{91240B29-F687-4F45-9708-019B960494DF}">
+              <a14:hiddenLine xmlns:a14="http://schemas.microsoft.com/office/drawing/2010/main" w="9525">
+                <a:solidFill>
+                  <a:schemeClr val="tx1"/>
+                </a:solidFill>
+                <a:miter lim="800000"/>
+                <a:headEnd/>
+                <a:tailEnd/>
+              </a14:hiddenLine>
+            </a:ext>
+            <a:ext uri="{AF507438-7753-43E0-B8FC-AC1667EBCBE1}">
+              <a14:hiddenEffects xmlns:a14="http://schemas.microsoft.com/office/drawing/2010/main">
+                <a:effectLst>
+                  <a:outerShdw dist="35921" dir="2700000" algn="ctr" rotWithShape="0">
+                    <a:schemeClr val="bg2"/>
+                  </a:outerShdw>
+                </a:effectLst>
+              </a14:hiddenEffects>
+            </a:ext>
+          </a:extLst>
+        </p:spPr>
+        <p:txBody>
+          <a:bodyPr vert="horz" wrap="none" lIns="0" tIns="0" rIns="0" bIns="0" numCol="1" anchor="ctr" anchorCtr="0" compatLnSpc="1">
+            <a:prstTxWarp prst="textNoShape">
+              <a:avLst/>
+            </a:prstTxWarp>
+            <a:spAutoFit/>
+          </a:bodyPr>
+          <a:lstStyle/>
+          <a:p>
+            <a:pPr marL="0" marR="0" lvl="0" indent="0" algn="l" defTabSz="914400" rtl="0" eaLnBrk="0" fontAlgn="base" latinLnBrk="0" hangingPunct="0">
+              <a:lnSpc>
+                <a:spcPct val="100000"/>
+              </a:lnSpc>
+              <a:spcBef>
+                <a:spcPct val="0"/>
+              </a:spcBef>
+              <a:spcAft>
+                <a:spcPct val="0"/>
+              </a:spcAft>
+              <a:buClrTx/>
+              <a:buSzTx/>
+              <a:buFontTx/>
+              <a:buNone/>
+              <a:tabLst/>
+            </a:pPr>
+            <a:r>
+              <a:rPr kumimoji="0" lang="en-US" altLang="en-US" sz="1000" b="0" i="0" u="none" strike="noStrike" cap="none" normalizeH="0" baseline="0">
+                <a:ln>
+                  <a:noFill/>
+                </a:ln>
+                <a:solidFill>
+                  <a:srgbClr val="E8E6E3"/>
+                </a:solidFill>
+                <a:effectLst/>
+                <a:latin typeface="Arial Unicode MS"/>
+                <a:ea typeface="Courier New" panose="02070309020205020404" pitchFamily="49" charset="0"/>
+              </a:rPr>
+              <a:t>0.23172422345963195</a:t>
+            </a:r>
+            <a:r>
+              <a:rPr kumimoji="0" lang="en-US" altLang="en-US" sz="700" b="0" i="0" u="none" strike="noStrike" cap="none" normalizeH="0" baseline="0">
+                <a:ln>
+                  <a:noFill/>
+                </a:ln>
+                <a:solidFill>
+                  <a:schemeClr val="tx1"/>
+                </a:solidFill>
+                <a:effectLst/>
+              </a:rPr>
+              <a:t> </a:t>
+            </a:r>
+            <a:endParaRPr kumimoji="0" lang="en-US" altLang="en-US" sz="1800" b="0" i="0" u="none" strike="noStrike" cap="none" normalizeH="0" baseline="0">
+              <a:ln>
+                <a:noFill/>
+              </a:ln>
+              <a:solidFill>
+                <a:schemeClr val="tx1"/>
+              </a:solidFill>
+              <a:effectLst/>
+              <a:latin typeface="Arial" panose="020B0604020202020204" pitchFamily="34" charset="0"/>
+            </a:endParaRPr>
+          </a:p>
+        </p:txBody>
+      </p:sp>
     </p:spTree>
     <p:extLst>
       <p:ext uri="{BB962C8B-B14F-4D97-AF65-F5344CB8AC3E}">
         <p14:creationId xmlns:p14="http://schemas.microsoft.com/office/powerpoint/2010/main" val="1454939734"/>
+      </p:ext>
+    </p:extLst>
+  </p:cSld>
+  <p:clrMapOvr>
+    <a:masterClrMapping/>
+  </p:clrMapOvr>
+</p:sld>
+</file>
+
+<file path=ppt/slides/slide10.xml><?xml version="1.0" encoding="utf-8"?>
+<p:sld xmlns:a="http://schemas.openxmlformats.org/drawingml/2006/main" xmlns:r="http://schemas.openxmlformats.org/officeDocument/2006/relationships" xmlns:p="http://schemas.openxmlformats.org/presentationml/2006/main">
+  <p:cSld>
+    <p:spTree>
+      <p:nvGrpSpPr>
+        <p:cNvPr id="1" name=""/>
+        <p:cNvGrpSpPr/>
+        <p:nvPr/>
+      </p:nvGrpSpPr>
+      <p:grpSpPr>
+        <a:xfrm>
+          <a:off x="0" y="0"/>
+          <a:ext cx="0" cy="0"/>
+          <a:chOff x="0" y="0"/>
+          <a:chExt cx="0" cy="0"/>
+        </a:xfrm>
+      </p:grpSpPr>
+      <p:sp>
+        <p:nvSpPr>
+          <p:cNvPr id="2" name="Title 1">
+            <a:extLst>
+              <a:ext uri="{FF2B5EF4-FFF2-40B4-BE49-F238E27FC236}">
+                <a16:creationId xmlns:a16="http://schemas.microsoft.com/office/drawing/2014/main" id="{86C17E2C-74FA-FA93-8FA0-16CF4143C1CC}"/>
+              </a:ext>
+            </a:extLst>
+          </p:cNvPr>
+          <p:cNvSpPr>
+            <a:spLocks noGrp="1"/>
+          </p:cNvSpPr>
+          <p:nvPr>
+            <p:ph type="title"/>
+          </p:nvPr>
+        </p:nvSpPr>
+        <p:spPr/>
+        <p:txBody>
+          <a:bodyPr/>
+          <a:lstStyle/>
+          <a:p>
+            <a:r>
+              <a:rPr lang="en-SG" dirty="0"/>
+              <a:t>X Dataset – A set of financial ratios</a:t>
+            </a:r>
+          </a:p>
+        </p:txBody>
+      </p:sp>
+      <p:graphicFrame>
+        <p:nvGraphicFramePr>
+          <p:cNvPr id="4" name="Table 4">
+            <a:extLst>
+              <a:ext uri="{FF2B5EF4-FFF2-40B4-BE49-F238E27FC236}">
+                <a16:creationId xmlns:a16="http://schemas.microsoft.com/office/drawing/2014/main" id="{D904B7C3-9D77-723F-082B-CB0F61D8792F}"/>
+              </a:ext>
+            </a:extLst>
+          </p:cNvPr>
+          <p:cNvGraphicFramePr>
+            <a:graphicFrameLocks noGrp="1"/>
+          </p:cNvGraphicFramePr>
+          <p:nvPr/>
+        </p:nvGraphicFramePr>
+        <p:xfrm>
+          <a:off x="551610" y="1496044"/>
+          <a:ext cx="11088780" cy="4544459"/>
+        </p:xfrm>
+        <a:graphic>
+          <a:graphicData uri="http://schemas.openxmlformats.org/drawingml/2006/table">
+            <a:tbl>
+              <a:tblPr firstRow="1" bandRow="1">
+                <a:tableStyleId>{5C22544A-7EE6-4342-B048-85BDC9FD1C3A}</a:tableStyleId>
+              </a:tblPr>
+              <a:tblGrid>
+                <a:gridCol w="1108878">
+                  <a:extLst>
+                    <a:ext uri="{9D8B030D-6E8A-4147-A177-3AD203B41FA5}">
+                      <a16:colId xmlns:a16="http://schemas.microsoft.com/office/drawing/2014/main" val="3814351907"/>
+                    </a:ext>
+                  </a:extLst>
+                </a:gridCol>
+                <a:gridCol w="1108878">
+                  <a:extLst>
+                    <a:ext uri="{9D8B030D-6E8A-4147-A177-3AD203B41FA5}">
+                      <a16:colId xmlns:a16="http://schemas.microsoft.com/office/drawing/2014/main" val="884477158"/>
+                    </a:ext>
+                  </a:extLst>
+                </a:gridCol>
+                <a:gridCol w="1108878">
+                  <a:extLst>
+                    <a:ext uri="{9D8B030D-6E8A-4147-A177-3AD203B41FA5}">
+                      <a16:colId xmlns:a16="http://schemas.microsoft.com/office/drawing/2014/main" val="2419652167"/>
+                    </a:ext>
+                  </a:extLst>
+                </a:gridCol>
+                <a:gridCol w="1108878">
+                  <a:extLst>
+                    <a:ext uri="{9D8B030D-6E8A-4147-A177-3AD203B41FA5}">
+                      <a16:colId xmlns:a16="http://schemas.microsoft.com/office/drawing/2014/main" val="450201316"/>
+                    </a:ext>
+                  </a:extLst>
+                </a:gridCol>
+                <a:gridCol w="1108878">
+                  <a:extLst>
+                    <a:ext uri="{9D8B030D-6E8A-4147-A177-3AD203B41FA5}">
+                      <a16:colId xmlns:a16="http://schemas.microsoft.com/office/drawing/2014/main" val="1655988978"/>
+                    </a:ext>
+                  </a:extLst>
+                </a:gridCol>
+                <a:gridCol w="1108878">
+                  <a:extLst>
+                    <a:ext uri="{9D8B030D-6E8A-4147-A177-3AD203B41FA5}">
+                      <a16:colId xmlns:a16="http://schemas.microsoft.com/office/drawing/2014/main" val="4128006171"/>
+                    </a:ext>
+                  </a:extLst>
+                </a:gridCol>
+                <a:gridCol w="1108878">
+                  <a:extLst>
+                    <a:ext uri="{9D8B030D-6E8A-4147-A177-3AD203B41FA5}">
+                      <a16:colId xmlns:a16="http://schemas.microsoft.com/office/drawing/2014/main" val="2729079198"/>
+                    </a:ext>
+                  </a:extLst>
+                </a:gridCol>
+                <a:gridCol w="1108878">
+                  <a:extLst>
+                    <a:ext uri="{9D8B030D-6E8A-4147-A177-3AD203B41FA5}">
+                      <a16:colId xmlns:a16="http://schemas.microsoft.com/office/drawing/2014/main" val="4006218949"/>
+                    </a:ext>
+                  </a:extLst>
+                </a:gridCol>
+                <a:gridCol w="1108878">
+                  <a:extLst>
+                    <a:ext uri="{9D8B030D-6E8A-4147-A177-3AD203B41FA5}">
+                      <a16:colId xmlns:a16="http://schemas.microsoft.com/office/drawing/2014/main" val="3416443151"/>
+                    </a:ext>
+                  </a:extLst>
+                </a:gridCol>
+                <a:gridCol w="1108878">
+                  <a:extLst>
+                    <a:ext uri="{9D8B030D-6E8A-4147-A177-3AD203B41FA5}">
+                      <a16:colId xmlns:a16="http://schemas.microsoft.com/office/drawing/2014/main" val="2989775023"/>
+                    </a:ext>
+                  </a:extLst>
+                </a:gridCol>
+              </a:tblGrid>
+              <a:tr h="962484">
+                <a:tc>
+                  <a:txBody>
+                    <a:bodyPr/>
+                    <a:lstStyle/>
+                    <a:p>
+                      <a:r>
+                        <a:rPr lang="en-SG" dirty="0"/>
+                        <a:t>EV/EBIT</a:t>
+                      </a:r>
+                    </a:p>
+                  </a:txBody>
+                  <a:tcPr/>
+                </a:tc>
+                <a:tc>
+                  <a:txBody>
+                    <a:bodyPr/>
+                    <a:lstStyle/>
+                    <a:p>
+                      <a:r>
+                        <a:rPr lang="en-SG" dirty="0"/>
+                        <a:t>Op Income/ NWC + FA</a:t>
+                      </a:r>
+                    </a:p>
+                  </a:txBody>
+                  <a:tcPr/>
+                </a:tc>
+                <a:tc>
+                  <a:txBody>
+                    <a:bodyPr/>
+                    <a:lstStyle/>
+                    <a:p>
+                      <a:r>
+                        <a:rPr lang="en-SG" dirty="0"/>
+                        <a:t>P/E</a:t>
+                      </a:r>
+                    </a:p>
+                  </a:txBody>
+                  <a:tcPr/>
+                </a:tc>
+                <a:tc>
+                  <a:txBody>
+                    <a:bodyPr/>
+                    <a:lstStyle/>
+                    <a:p>
+                      <a:r>
+                        <a:rPr lang="en-SG" dirty="0"/>
+                        <a:t>P/B</a:t>
+                      </a:r>
+                    </a:p>
+                  </a:txBody>
+                  <a:tcPr/>
+                </a:tc>
+                <a:tc>
+                  <a:txBody>
+                    <a:bodyPr/>
+                    <a:lstStyle/>
+                    <a:p>
+                      <a:r>
+                        <a:rPr lang="en-SG" dirty="0"/>
+                        <a:t>P/S</a:t>
+                      </a:r>
+                    </a:p>
+                  </a:txBody>
+                  <a:tcPr/>
+                </a:tc>
+                <a:tc>
+                  <a:txBody>
+                    <a:bodyPr/>
+                    <a:lstStyle/>
+                    <a:p>
+                      <a:r>
+                        <a:rPr lang="en-SG" dirty="0"/>
+                        <a:t>Working Capital Ratio</a:t>
+                      </a:r>
+                    </a:p>
+                  </a:txBody>
+                  <a:tcPr/>
+                </a:tc>
+                <a:tc>
+                  <a:txBody>
+                    <a:bodyPr/>
+                    <a:lstStyle/>
+                    <a:p>
+                      <a:r>
+                        <a:rPr lang="en-SG" dirty="0"/>
+                        <a:t>ROE</a:t>
+                      </a:r>
+                    </a:p>
+                  </a:txBody>
+                  <a:tcPr/>
+                </a:tc>
+                <a:tc>
+                  <a:txBody>
+                    <a:bodyPr/>
+                    <a:lstStyle/>
+                    <a:p>
+                      <a:r>
+                        <a:rPr lang="en-SG" dirty="0"/>
+                        <a:t>ROCE</a:t>
+                      </a:r>
+                    </a:p>
+                  </a:txBody>
+                  <a:tcPr/>
+                </a:tc>
+                <a:tc>
+                  <a:txBody>
+                    <a:bodyPr/>
+                    <a:lstStyle/>
+                    <a:p>
+                      <a:r>
+                        <a:rPr lang="en-SG" dirty="0"/>
+                        <a:t>Debt-to-Equity</a:t>
+                      </a:r>
+                    </a:p>
+                  </a:txBody>
+                  <a:tcPr/>
+                </a:tc>
+                <a:tc>
+                  <a:txBody>
+                    <a:bodyPr/>
+                    <a:lstStyle/>
+                    <a:p>
+                      <a:r>
+                        <a:rPr lang="en-SG" dirty="0"/>
+                        <a:t>Asset Turnover</a:t>
+                      </a:r>
+                    </a:p>
+                  </a:txBody>
+                  <a:tcPr/>
+                </a:tc>
+                <a:extLst>
+                  <a:ext uri="{0D108BD9-81ED-4DB2-BD59-A6C34878D82A}">
+                    <a16:rowId xmlns:a16="http://schemas.microsoft.com/office/drawing/2014/main" val="3840214945"/>
+                  </a:ext>
+                </a:extLst>
+              </a:tr>
+              <a:tr h="716395">
+                <a:tc>
+                  <a:txBody>
+                    <a:bodyPr/>
+                    <a:lstStyle/>
+                    <a:p>
+                      <a:endParaRPr lang="en-SG" dirty="0"/>
+                    </a:p>
+                  </a:txBody>
+                  <a:tcPr/>
+                </a:tc>
+                <a:tc>
+                  <a:txBody>
+                    <a:bodyPr/>
+                    <a:lstStyle/>
+                    <a:p>
+                      <a:endParaRPr lang="en-SG" dirty="0"/>
+                    </a:p>
+                  </a:txBody>
+                  <a:tcPr/>
+                </a:tc>
+                <a:tc>
+                  <a:txBody>
+                    <a:bodyPr/>
+                    <a:lstStyle/>
+                    <a:p>
+                      <a:endParaRPr lang="en-SG"/>
+                    </a:p>
+                  </a:txBody>
+                  <a:tcPr/>
+                </a:tc>
+                <a:tc>
+                  <a:txBody>
+                    <a:bodyPr/>
+                    <a:lstStyle/>
+                    <a:p>
+                      <a:endParaRPr lang="en-SG"/>
+                    </a:p>
+                  </a:txBody>
+                  <a:tcPr/>
+                </a:tc>
+                <a:tc>
+                  <a:txBody>
+                    <a:bodyPr/>
+                    <a:lstStyle/>
+                    <a:p>
+                      <a:endParaRPr lang="en-SG" dirty="0"/>
+                    </a:p>
+                  </a:txBody>
+                  <a:tcPr/>
+                </a:tc>
+                <a:tc>
+                  <a:txBody>
+                    <a:bodyPr/>
+                    <a:lstStyle/>
+                    <a:p>
+                      <a:endParaRPr lang="en-SG" dirty="0"/>
+                    </a:p>
+                  </a:txBody>
+                  <a:tcPr/>
+                </a:tc>
+                <a:tc>
+                  <a:txBody>
+                    <a:bodyPr/>
+                    <a:lstStyle/>
+                    <a:p>
+                      <a:endParaRPr lang="en-SG" dirty="0"/>
+                    </a:p>
+                  </a:txBody>
+                  <a:tcPr/>
+                </a:tc>
+                <a:tc>
+                  <a:txBody>
+                    <a:bodyPr/>
+                    <a:lstStyle/>
+                    <a:p>
+                      <a:endParaRPr lang="en-SG"/>
+                    </a:p>
+                  </a:txBody>
+                  <a:tcPr/>
+                </a:tc>
+                <a:tc>
+                  <a:txBody>
+                    <a:bodyPr/>
+                    <a:lstStyle/>
+                    <a:p>
+                      <a:endParaRPr lang="en-SG"/>
+                    </a:p>
+                  </a:txBody>
+                  <a:tcPr/>
+                </a:tc>
+                <a:tc>
+                  <a:txBody>
+                    <a:bodyPr/>
+                    <a:lstStyle/>
+                    <a:p>
+                      <a:endParaRPr lang="en-SG"/>
+                    </a:p>
+                  </a:txBody>
+                  <a:tcPr/>
+                </a:tc>
+                <a:extLst>
+                  <a:ext uri="{0D108BD9-81ED-4DB2-BD59-A6C34878D82A}">
+                    <a16:rowId xmlns:a16="http://schemas.microsoft.com/office/drawing/2014/main" val="1244702841"/>
+                  </a:ext>
+                </a:extLst>
+              </a:tr>
+              <a:tr h="716395">
+                <a:tc>
+                  <a:txBody>
+                    <a:bodyPr/>
+                    <a:lstStyle/>
+                    <a:p>
+                      <a:endParaRPr lang="en-SG"/>
+                    </a:p>
+                  </a:txBody>
+                  <a:tcPr/>
+                </a:tc>
+                <a:tc>
+                  <a:txBody>
+                    <a:bodyPr/>
+                    <a:lstStyle/>
+                    <a:p>
+                      <a:endParaRPr lang="en-SG"/>
+                    </a:p>
+                  </a:txBody>
+                  <a:tcPr/>
+                </a:tc>
+                <a:tc>
+                  <a:txBody>
+                    <a:bodyPr/>
+                    <a:lstStyle/>
+                    <a:p>
+                      <a:endParaRPr lang="en-SG"/>
+                    </a:p>
+                  </a:txBody>
+                  <a:tcPr/>
+                </a:tc>
+                <a:tc>
+                  <a:txBody>
+                    <a:bodyPr/>
+                    <a:lstStyle/>
+                    <a:p>
+                      <a:endParaRPr lang="en-SG"/>
+                    </a:p>
+                  </a:txBody>
+                  <a:tcPr/>
+                </a:tc>
+                <a:tc>
+                  <a:txBody>
+                    <a:bodyPr/>
+                    <a:lstStyle/>
+                    <a:p>
+                      <a:endParaRPr lang="en-SG"/>
+                    </a:p>
+                  </a:txBody>
+                  <a:tcPr/>
+                </a:tc>
+                <a:tc>
+                  <a:txBody>
+                    <a:bodyPr/>
+                    <a:lstStyle/>
+                    <a:p>
+                      <a:endParaRPr lang="en-SG"/>
+                    </a:p>
+                  </a:txBody>
+                  <a:tcPr/>
+                </a:tc>
+                <a:tc>
+                  <a:txBody>
+                    <a:bodyPr/>
+                    <a:lstStyle/>
+                    <a:p>
+                      <a:endParaRPr lang="en-SG" dirty="0"/>
+                    </a:p>
+                  </a:txBody>
+                  <a:tcPr/>
+                </a:tc>
+                <a:tc>
+                  <a:txBody>
+                    <a:bodyPr/>
+                    <a:lstStyle/>
+                    <a:p>
+                      <a:endParaRPr lang="en-SG" dirty="0"/>
+                    </a:p>
+                  </a:txBody>
+                  <a:tcPr/>
+                </a:tc>
+                <a:tc>
+                  <a:txBody>
+                    <a:bodyPr/>
+                    <a:lstStyle/>
+                    <a:p>
+                      <a:endParaRPr lang="en-SG"/>
+                    </a:p>
+                  </a:txBody>
+                  <a:tcPr/>
+                </a:tc>
+                <a:tc>
+                  <a:txBody>
+                    <a:bodyPr/>
+                    <a:lstStyle/>
+                    <a:p>
+                      <a:endParaRPr lang="en-SG"/>
+                    </a:p>
+                  </a:txBody>
+                  <a:tcPr/>
+                </a:tc>
+                <a:extLst>
+                  <a:ext uri="{0D108BD9-81ED-4DB2-BD59-A6C34878D82A}">
+                    <a16:rowId xmlns:a16="http://schemas.microsoft.com/office/drawing/2014/main" val="2608334889"/>
+                  </a:ext>
+                </a:extLst>
+              </a:tr>
+              <a:tr h="716395">
+                <a:tc>
+                  <a:txBody>
+                    <a:bodyPr/>
+                    <a:lstStyle/>
+                    <a:p>
+                      <a:endParaRPr lang="en-SG"/>
+                    </a:p>
+                  </a:txBody>
+                  <a:tcPr/>
+                </a:tc>
+                <a:tc>
+                  <a:txBody>
+                    <a:bodyPr/>
+                    <a:lstStyle/>
+                    <a:p>
+                      <a:endParaRPr lang="en-SG"/>
+                    </a:p>
+                  </a:txBody>
+                  <a:tcPr/>
+                </a:tc>
+                <a:tc>
+                  <a:txBody>
+                    <a:bodyPr/>
+                    <a:lstStyle/>
+                    <a:p>
+                      <a:endParaRPr lang="en-SG"/>
+                    </a:p>
+                  </a:txBody>
+                  <a:tcPr/>
+                </a:tc>
+                <a:tc>
+                  <a:txBody>
+                    <a:bodyPr/>
+                    <a:lstStyle/>
+                    <a:p>
+                      <a:endParaRPr lang="en-SG"/>
+                    </a:p>
+                  </a:txBody>
+                  <a:tcPr/>
+                </a:tc>
+                <a:tc>
+                  <a:txBody>
+                    <a:bodyPr/>
+                    <a:lstStyle/>
+                    <a:p>
+                      <a:endParaRPr lang="en-SG"/>
+                    </a:p>
+                  </a:txBody>
+                  <a:tcPr/>
+                </a:tc>
+                <a:tc>
+                  <a:txBody>
+                    <a:bodyPr/>
+                    <a:lstStyle/>
+                    <a:p>
+                      <a:endParaRPr lang="en-SG"/>
+                    </a:p>
+                  </a:txBody>
+                  <a:tcPr/>
+                </a:tc>
+                <a:tc>
+                  <a:txBody>
+                    <a:bodyPr/>
+                    <a:lstStyle/>
+                    <a:p>
+                      <a:endParaRPr lang="en-SG"/>
+                    </a:p>
+                  </a:txBody>
+                  <a:tcPr/>
+                </a:tc>
+                <a:tc>
+                  <a:txBody>
+                    <a:bodyPr/>
+                    <a:lstStyle/>
+                    <a:p>
+                      <a:endParaRPr lang="en-SG"/>
+                    </a:p>
+                  </a:txBody>
+                  <a:tcPr/>
+                </a:tc>
+                <a:tc>
+                  <a:txBody>
+                    <a:bodyPr/>
+                    <a:lstStyle/>
+                    <a:p>
+                      <a:endParaRPr lang="en-SG" dirty="0"/>
+                    </a:p>
+                  </a:txBody>
+                  <a:tcPr/>
+                </a:tc>
+                <a:tc>
+                  <a:txBody>
+                    <a:bodyPr/>
+                    <a:lstStyle/>
+                    <a:p>
+                      <a:endParaRPr lang="en-SG"/>
+                    </a:p>
+                  </a:txBody>
+                  <a:tcPr/>
+                </a:tc>
+                <a:extLst>
+                  <a:ext uri="{0D108BD9-81ED-4DB2-BD59-A6C34878D82A}">
+                    <a16:rowId xmlns:a16="http://schemas.microsoft.com/office/drawing/2014/main" val="1109806333"/>
+                  </a:ext>
+                </a:extLst>
+              </a:tr>
+              <a:tr h="716395">
+                <a:tc>
+                  <a:txBody>
+                    <a:bodyPr/>
+                    <a:lstStyle/>
+                    <a:p>
+                      <a:endParaRPr lang="en-SG"/>
+                    </a:p>
+                  </a:txBody>
+                  <a:tcPr/>
+                </a:tc>
+                <a:tc>
+                  <a:txBody>
+                    <a:bodyPr/>
+                    <a:lstStyle/>
+                    <a:p>
+                      <a:endParaRPr lang="en-SG"/>
+                    </a:p>
+                  </a:txBody>
+                  <a:tcPr/>
+                </a:tc>
+                <a:tc>
+                  <a:txBody>
+                    <a:bodyPr/>
+                    <a:lstStyle/>
+                    <a:p>
+                      <a:endParaRPr lang="en-SG"/>
+                    </a:p>
+                  </a:txBody>
+                  <a:tcPr/>
+                </a:tc>
+                <a:tc>
+                  <a:txBody>
+                    <a:bodyPr/>
+                    <a:lstStyle/>
+                    <a:p>
+                      <a:endParaRPr lang="en-SG"/>
+                    </a:p>
+                  </a:txBody>
+                  <a:tcPr/>
+                </a:tc>
+                <a:tc>
+                  <a:txBody>
+                    <a:bodyPr/>
+                    <a:lstStyle/>
+                    <a:p>
+                      <a:endParaRPr lang="en-SG"/>
+                    </a:p>
+                  </a:txBody>
+                  <a:tcPr/>
+                </a:tc>
+                <a:tc>
+                  <a:txBody>
+                    <a:bodyPr/>
+                    <a:lstStyle/>
+                    <a:p>
+                      <a:endParaRPr lang="en-SG"/>
+                    </a:p>
+                  </a:txBody>
+                  <a:tcPr/>
+                </a:tc>
+                <a:tc>
+                  <a:txBody>
+                    <a:bodyPr/>
+                    <a:lstStyle/>
+                    <a:p>
+                      <a:endParaRPr lang="en-SG"/>
+                    </a:p>
+                  </a:txBody>
+                  <a:tcPr/>
+                </a:tc>
+                <a:tc>
+                  <a:txBody>
+                    <a:bodyPr/>
+                    <a:lstStyle/>
+                    <a:p>
+                      <a:endParaRPr lang="en-SG"/>
+                    </a:p>
+                  </a:txBody>
+                  <a:tcPr/>
+                </a:tc>
+                <a:tc>
+                  <a:txBody>
+                    <a:bodyPr/>
+                    <a:lstStyle/>
+                    <a:p>
+                      <a:endParaRPr lang="en-SG" dirty="0"/>
+                    </a:p>
+                  </a:txBody>
+                  <a:tcPr/>
+                </a:tc>
+                <a:tc>
+                  <a:txBody>
+                    <a:bodyPr/>
+                    <a:lstStyle/>
+                    <a:p>
+                      <a:endParaRPr lang="en-SG" dirty="0"/>
+                    </a:p>
+                  </a:txBody>
+                  <a:tcPr/>
+                </a:tc>
+                <a:extLst>
+                  <a:ext uri="{0D108BD9-81ED-4DB2-BD59-A6C34878D82A}">
+                    <a16:rowId xmlns:a16="http://schemas.microsoft.com/office/drawing/2014/main" val="168027370"/>
+                  </a:ext>
+                </a:extLst>
+              </a:tr>
+              <a:tr h="716395">
+                <a:tc>
+                  <a:txBody>
+                    <a:bodyPr/>
+                    <a:lstStyle/>
+                    <a:p>
+                      <a:endParaRPr lang="en-SG"/>
+                    </a:p>
+                  </a:txBody>
+                  <a:tcPr/>
+                </a:tc>
+                <a:tc>
+                  <a:txBody>
+                    <a:bodyPr/>
+                    <a:lstStyle/>
+                    <a:p>
+                      <a:endParaRPr lang="en-SG"/>
+                    </a:p>
+                  </a:txBody>
+                  <a:tcPr/>
+                </a:tc>
+                <a:tc>
+                  <a:txBody>
+                    <a:bodyPr/>
+                    <a:lstStyle/>
+                    <a:p>
+                      <a:endParaRPr lang="en-SG"/>
+                    </a:p>
+                  </a:txBody>
+                  <a:tcPr/>
+                </a:tc>
+                <a:tc>
+                  <a:txBody>
+                    <a:bodyPr/>
+                    <a:lstStyle/>
+                    <a:p>
+                      <a:endParaRPr lang="en-SG"/>
+                    </a:p>
+                  </a:txBody>
+                  <a:tcPr/>
+                </a:tc>
+                <a:tc>
+                  <a:txBody>
+                    <a:bodyPr/>
+                    <a:lstStyle/>
+                    <a:p>
+                      <a:endParaRPr lang="en-SG"/>
+                    </a:p>
+                  </a:txBody>
+                  <a:tcPr/>
+                </a:tc>
+                <a:tc>
+                  <a:txBody>
+                    <a:bodyPr/>
+                    <a:lstStyle/>
+                    <a:p>
+                      <a:endParaRPr lang="en-SG"/>
+                    </a:p>
+                  </a:txBody>
+                  <a:tcPr/>
+                </a:tc>
+                <a:tc>
+                  <a:txBody>
+                    <a:bodyPr/>
+                    <a:lstStyle/>
+                    <a:p>
+                      <a:endParaRPr lang="en-SG"/>
+                    </a:p>
+                  </a:txBody>
+                  <a:tcPr/>
+                </a:tc>
+                <a:tc>
+                  <a:txBody>
+                    <a:bodyPr/>
+                    <a:lstStyle/>
+                    <a:p>
+                      <a:endParaRPr lang="en-SG"/>
+                    </a:p>
+                  </a:txBody>
+                  <a:tcPr/>
+                </a:tc>
+                <a:tc>
+                  <a:txBody>
+                    <a:bodyPr/>
+                    <a:lstStyle/>
+                    <a:p>
+                      <a:endParaRPr lang="en-SG"/>
+                    </a:p>
+                  </a:txBody>
+                  <a:tcPr/>
+                </a:tc>
+                <a:tc>
+                  <a:txBody>
+                    <a:bodyPr/>
+                    <a:lstStyle/>
+                    <a:p>
+                      <a:endParaRPr lang="en-SG" dirty="0"/>
+                    </a:p>
+                  </a:txBody>
+                  <a:tcPr/>
+                </a:tc>
+                <a:extLst>
+                  <a:ext uri="{0D108BD9-81ED-4DB2-BD59-A6C34878D82A}">
+                    <a16:rowId xmlns:a16="http://schemas.microsoft.com/office/drawing/2014/main" val="3689786999"/>
+                  </a:ext>
+                </a:extLst>
+              </a:tr>
+            </a:tbl>
+          </a:graphicData>
+        </a:graphic>
+      </p:graphicFrame>
+    </p:spTree>
+    <p:extLst>
+      <p:ext uri="{BB962C8B-B14F-4D97-AF65-F5344CB8AC3E}">
+        <p14:creationId xmlns:p14="http://schemas.microsoft.com/office/powerpoint/2010/main" val="2246829089"/>
+      </p:ext>
+    </p:extLst>
+  </p:cSld>
+  <p:clrMapOvr>
+    <a:masterClrMapping/>
+  </p:clrMapOvr>
+</p:sld>
+</file>
+
+<file path=ppt/slides/slide11.xml><?xml version="1.0" encoding="utf-8"?>
+<p:sld xmlns:a="http://schemas.openxmlformats.org/drawingml/2006/main" xmlns:r="http://schemas.openxmlformats.org/officeDocument/2006/relationships" xmlns:p="http://schemas.openxmlformats.org/presentationml/2006/main">
+  <p:cSld>
+    <p:spTree>
+      <p:nvGrpSpPr>
+        <p:cNvPr id="1" name=""/>
+        <p:cNvGrpSpPr/>
+        <p:nvPr/>
+      </p:nvGrpSpPr>
+      <p:grpSpPr>
+        <a:xfrm>
+          <a:off x="0" y="0"/>
+          <a:ext cx="0" cy="0"/>
+          <a:chOff x="0" y="0"/>
+          <a:chExt cx="0" cy="0"/>
+        </a:xfrm>
+      </p:grpSpPr>
+      <p:sp>
+        <p:nvSpPr>
+          <p:cNvPr id="2" name="Title 1">
+            <a:extLst>
+              <a:ext uri="{FF2B5EF4-FFF2-40B4-BE49-F238E27FC236}">
+                <a16:creationId xmlns:a16="http://schemas.microsoft.com/office/drawing/2014/main" id="{86C17E2C-74FA-FA93-8FA0-16CF4143C1CC}"/>
+              </a:ext>
+            </a:extLst>
+          </p:cNvPr>
+          <p:cNvSpPr>
+            <a:spLocks noGrp="1"/>
+          </p:cNvSpPr>
+          <p:nvPr>
+            <p:ph type="title"/>
+          </p:nvPr>
+        </p:nvSpPr>
+        <p:spPr/>
+        <p:txBody>
+          <a:bodyPr/>
+          <a:lstStyle/>
+          <a:p>
+            <a:r>
+              <a:rPr lang="en-SG" dirty="0"/>
+              <a:t>From price data, create a new dataset</a:t>
+            </a:r>
+          </a:p>
+        </p:txBody>
+      </p:sp>
+      <p:graphicFrame>
+        <p:nvGraphicFramePr>
+          <p:cNvPr id="4" name="Table 4">
+            <a:extLst>
+              <a:ext uri="{FF2B5EF4-FFF2-40B4-BE49-F238E27FC236}">
+                <a16:creationId xmlns:a16="http://schemas.microsoft.com/office/drawing/2014/main" id="{D904B7C3-9D77-723F-082B-CB0F61D8792F}"/>
+              </a:ext>
+            </a:extLst>
+          </p:cNvPr>
+          <p:cNvGraphicFramePr>
+            <a:graphicFrameLocks noGrp="1"/>
+          </p:cNvGraphicFramePr>
+          <p:nvPr>
+            <p:extLst>
+              <p:ext uri="{D42A27DB-BD31-4B8C-83A1-F6EECF244321}">
+                <p14:modId xmlns:p14="http://schemas.microsoft.com/office/powerpoint/2010/main" val="3575618093"/>
+              </p:ext>
+            </p:extLst>
+          </p:nvPr>
+        </p:nvGraphicFramePr>
+        <p:xfrm>
+          <a:off x="551610" y="1496044"/>
+          <a:ext cx="11088780" cy="4544459"/>
+        </p:xfrm>
+        <a:graphic>
+          <a:graphicData uri="http://schemas.openxmlformats.org/drawingml/2006/table">
+            <a:tbl>
+              <a:tblPr firstRow="1" bandRow="1">
+                <a:tableStyleId>{5C22544A-7EE6-4342-B048-85BDC9FD1C3A}</a:tableStyleId>
+              </a:tblPr>
+              <a:tblGrid>
+                <a:gridCol w="1108878">
+                  <a:extLst>
+                    <a:ext uri="{9D8B030D-6E8A-4147-A177-3AD203B41FA5}">
+                      <a16:colId xmlns:a16="http://schemas.microsoft.com/office/drawing/2014/main" val="3814351907"/>
+                    </a:ext>
+                  </a:extLst>
+                </a:gridCol>
+                <a:gridCol w="1108878">
+                  <a:extLst>
+                    <a:ext uri="{9D8B030D-6E8A-4147-A177-3AD203B41FA5}">
+                      <a16:colId xmlns:a16="http://schemas.microsoft.com/office/drawing/2014/main" val="884477158"/>
+                    </a:ext>
+                  </a:extLst>
+                </a:gridCol>
+                <a:gridCol w="1108878">
+                  <a:extLst>
+                    <a:ext uri="{9D8B030D-6E8A-4147-A177-3AD203B41FA5}">
+                      <a16:colId xmlns:a16="http://schemas.microsoft.com/office/drawing/2014/main" val="2419652167"/>
+                    </a:ext>
+                  </a:extLst>
+                </a:gridCol>
+                <a:gridCol w="1108878">
+                  <a:extLst>
+                    <a:ext uri="{9D8B030D-6E8A-4147-A177-3AD203B41FA5}">
+                      <a16:colId xmlns:a16="http://schemas.microsoft.com/office/drawing/2014/main" val="450201316"/>
+                    </a:ext>
+                  </a:extLst>
+                </a:gridCol>
+                <a:gridCol w="1108878">
+                  <a:extLst>
+                    <a:ext uri="{9D8B030D-6E8A-4147-A177-3AD203B41FA5}">
+                      <a16:colId xmlns:a16="http://schemas.microsoft.com/office/drawing/2014/main" val="1655988978"/>
+                    </a:ext>
+                  </a:extLst>
+                </a:gridCol>
+                <a:gridCol w="1108878">
+                  <a:extLst>
+                    <a:ext uri="{9D8B030D-6E8A-4147-A177-3AD203B41FA5}">
+                      <a16:colId xmlns:a16="http://schemas.microsoft.com/office/drawing/2014/main" val="4128006171"/>
+                    </a:ext>
+                  </a:extLst>
+                </a:gridCol>
+                <a:gridCol w="1108878">
+                  <a:extLst>
+                    <a:ext uri="{9D8B030D-6E8A-4147-A177-3AD203B41FA5}">
+                      <a16:colId xmlns:a16="http://schemas.microsoft.com/office/drawing/2014/main" val="2729079198"/>
+                    </a:ext>
+                  </a:extLst>
+                </a:gridCol>
+                <a:gridCol w="1108878">
+                  <a:extLst>
+                    <a:ext uri="{9D8B030D-6E8A-4147-A177-3AD203B41FA5}">
+                      <a16:colId xmlns:a16="http://schemas.microsoft.com/office/drawing/2014/main" val="4006218949"/>
+                    </a:ext>
+                  </a:extLst>
+                </a:gridCol>
+                <a:gridCol w="1108878">
+                  <a:extLst>
+                    <a:ext uri="{9D8B030D-6E8A-4147-A177-3AD203B41FA5}">
+                      <a16:colId xmlns:a16="http://schemas.microsoft.com/office/drawing/2014/main" val="3416443151"/>
+                    </a:ext>
+                  </a:extLst>
+                </a:gridCol>
+                <a:gridCol w="1108878">
+                  <a:extLst>
+                    <a:ext uri="{9D8B030D-6E8A-4147-A177-3AD203B41FA5}">
+                      <a16:colId xmlns:a16="http://schemas.microsoft.com/office/drawing/2014/main" val="2989775023"/>
+                    </a:ext>
+                  </a:extLst>
+                </a:gridCol>
+              </a:tblGrid>
+              <a:tr h="962484">
+                <a:tc>
+                  <a:txBody>
+                    <a:bodyPr/>
+                    <a:lstStyle/>
+                    <a:p>
+                      <a:r>
+                        <a:rPr lang="en-SG" dirty="0"/>
+                        <a:t>Ticker</a:t>
+                      </a:r>
+                    </a:p>
+                  </a:txBody>
+                  <a:tcPr/>
+                </a:tc>
+                <a:tc>
+                  <a:txBody>
+                    <a:bodyPr/>
+                    <a:lstStyle/>
+                    <a:p>
+                      <a:endParaRPr lang="en-SG" dirty="0"/>
+                    </a:p>
+                  </a:txBody>
+                  <a:tcPr/>
+                </a:tc>
+                <a:tc>
+                  <a:txBody>
+                    <a:bodyPr/>
+                    <a:lstStyle/>
+                    <a:p>
+                      <a:endParaRPr lang="en-SG" dirty="0"/>
+                    </a:p>
+                  </a:txBody>
+                  <a:tcPr/>
+                </a:tc>
+                <a:tc>
+                  <a:txBody>
+                    <a:bodyPr/>
+                    <a:lstStyle/>
+                    <a:p>
+                      <a:endParaRPr lang="en-SG" dirty="0"/>
+                    </a:p>
+                  </a:txBody>
+                  <a:tcPr/>
+                </a:tc>
+                <a:tc>
+                  <a:txBody>
+                    <a:bodyPr/>
+                    <a:lstStyle/>
+                    <a:p>
+                      <a:endParaRPr lang="en-SG" dirty="0"/>
+                    </a:p>
+                  </a:txBody>
+                  <a:tcPr/>
+                </a:tc>
+                <a:tc>
+                  <a:txBody>
+                    <a:bodyPr/>
+                    <a:lstStyle/>
+                    <a:p>
+                      <a:endParaRPr lang="en-SG" dirty="0"/>
+                    </a:p>
+                  </a:txBody>
+                  <a:tcPr/>
+                </a:tc>
+                <a:tc>
+                  <a:txBody>
+                    <a:bodyPr/>
+                    <a:lstStyle/>
+                    <a:p>
+                      <a:endParaRPr lang="en-SG" dirty="0"/>
+                    </a:p>
+                  </a:txBody>
+                  <a:tcPr/>
+                </a:tc>
+                <a:tc>
+                  <a:txBody>
+                    <a:bodyPr/>
+                    <a:lstStyle/>
+                    <a:p>
+                      <a:endParaRPr lang="en-SG" dirty="0"/>
+                    </a:p>
+                  </a:txBody>
+                  <a:tcPr/>
+                </a:tc>
+                <a:tc>
+                  <a:txBody>
+                    <a:bodyPr/>
+                    <a:lstStyle/>
+                    <a:p>
+                      <a:endParaRPr lang="en-SG" dirty="0"/>
+                    </a:p>
+                  </a:txBody>
+                  <a:tcPr/>
+                </a:tc>
+                <a:tc>
+                  <a:txBody>
+                    <a:bodyPr/>
+                    <a:lstStyle/>
+                    <a:p>
+                      <a:endParaRPr lang="en-SG" dirty="0"/>
+                    </a:p>
+                  </a:txBody>
+                  <a:tcPr/>
+                </a:tc>
+                <a:extLst>
+                  <a:ext uri="{0D108BD9-81ED-4DB2-BD59-A6C34878D82A}">
+                    <a16:rowId xmlns:a16="http://schemas.microsoft.com/office/drawing/2014/main" val="3840214945"/>
+                  </a:ext>
+                </a:extLst>
+              </a:tr>
+              <a:tr h="716395">
+                <a:tc>
+                  <a:txBody>
+                    <a:bodyPr/>
+                    <a:lstStyle/>
+                    <a:p>
+                      <a:endParaRPr lang="en-SG" dirty="0"/>
+                    </a:p>
+                  </a:txBody>
+                  <a:tcPr/>
+                </a:tc>
+                <a:tc>
+                  <a:txBody>
+                    <a:bodyPr/>
+                    <a:lstStyle/>
+                    <a:p>
+                      <a:endParaRPr lang="en-SG" dirty="0"/>
+                    </a:p>
+                  </a:txBody>
+                  <a:tcPr/>
+                </a:tc>
+                <a:tc>
+                  <a:txBody>
+                    <a:bodyPr/>
+                    <a:lstStyle/>
+                    <a:p>
+                      <a:endParaRPr lang="en-SG"/>
+                    </a:p>
+                  </a:txBody>
+                  <a:tcPr/>
+                </a:tc>
+                <a:tc>
+                  <a:txBody>
+                    <a:bodyPr/>
+                    <a:lstStyle/>
+                    <a:p>
+                      <a:endParaRPr lang="en-SG"/>
+                    </a:p>
+                  </a:txBody>
+                  <a:tcPr/>
+                </a:tc>
+                <a:tc>
+                  <a:txBody>
+                    <a:bodyPr/>
+                    <a:lstStyle/>
+                    <a:p>
+                      <a:endParaRPr lang="en-SG" dirty="0"/>
+                    </a:p>
+                  </a:txBody>
+                  <a:tcPr/>
+                </a:tc>
+                <a:tc>
+                  <a:txBody>
+                    <a:bodyPr/>
+                    <a:lstStyle/>
+                    <a:p>
+                      <a:endParaRPr lang="en-SG" dirty="0"/>
+                    </a:p>
+                  </a:txBody>
+                  <a:tcPr/>
+                </a:tc>
+                <a:tc>
+                  <a:txBody>
+                    <a:bodyPr/>
+                    <a:lstStyle/>
+                    <a:p>
+                      <a:endParaRPr lang="en-SG" dirty="0"/>
+                    </a:p>
+                  </a:txBody>
+                  <a:tcPr/>
+                </a:tc>
+                <a:tc>
+                  <a:txBody>
+                    <a:bodyPr/>
+                    <a:lstStyle/>
+                    <a:p>
+                      <a:endParaRPr lang="en-SG" dirty="0"/>
+                    </a:p>
+                  </a:txBody>
+                  <a:tcPr/>
+                </a:tc>
+                <a:tc>
+                  <a:txBody>
+                    <a:bodyPr/>
+                    <a:lstStyle/>
+                    <a:p>
+                      <a:endParaRPr lang="en-SG" dirty="0"/>
+                    </a:p>
+                  </a:txBody>
+                  <a:tcPr/>
+                </a:tc>
+                <a:tc>
+                  <a:txBody>
+                    <a:bodyPr/>
+                    <a:lstStyle/>
+                    <a:p>
+                      <a:endParaRPr lang="en-SG" dirty="0"/>
+                    </a:p>
+                  </a:txBody>
+                  <a:tcPr/>
+                </a:tc>
+                <a:extLst>
+                  <a:ext uri="{0D108BD9-81ED-4DB2-BD59-A6C34878D82A}">
+                    <a16:rowId xmlns:a16="http://schemas.microsoft.com/office/drawing/2014/main" val="1244702841"/>
+                  </a:ext>
+                </a:extLst>
+              </a:tr>
+              <a:tr h="716395">
+                <a:tc>
+                  <a:txBody>
+                    <a:bodyPr/>
+                    <a:lstStyle/>
+                    <a:p>
+                      <a:endParaRPr lang="en-SG"/>
+                    </a:p>
+                  </a:txBody>
+                  <a:tcPr/>
+                </a:tc>
+                <a:tc>
+                  <a:txBody>
+                    <a:bodyPr/>
+                    <a:lstStyle/>
+                    <a:p>
+                      <a:endParaRPr lang="en-SG"/>
+                    </a:p>
+                  </a:txBody>
+                  <a:tcPr/>
+                </a:tc>
+                <a:tc>
+                  <a:txBody>
+                    <a:bodyPr/>
+                    <a:lstStyle/>
+                    <a:p>
+                      <a:endParaRPr lang="en-SG"/>
+                    </a:p>
+                  </a:txBody>
+                  <a:tcPr/>
+                </a:tc>
+                <a:tc>
+                  <a:txBody>
+                    <a:bodyPr/>
+                    <a:lstStyle/>
+                    <a:p>
+                      <a:endParaRPr lang="en-SG"/>
+                    </a:p>
+                  </a:txBody>
+                  <a:tcPr/>
+                </a:tc>
+                <a:tc>
+                  <a:txBody>
+                    <a:bodyPr/>
+                    <a:lstStyle/>
+                    <a:p>
+                      <a:endParaRPr lang="en-SG"/>
+                    </a:p>
+                  </a:txBody>
+                  <a:tcPr/>
+                </a:tc>
+                <a:tc>
+                  <a:txBody>
+                    <a:bodyPr/>
+                    <a:lstStyle/>
+                    <a:p>
+                      <a:endParaRPr lang="en-SG" dirty="0"/>
+                    </a:p>
+                  </a:txBody>
+                  <a:tcPr/>
+                </a:tc>
+                <a:tc>
+                  <a:txBody>
+                    <a:bodyPr/>
+                    <a:lstStyle/>
+                    <a:p>
+                      <a:endParaRPr lang="en-SG" dirty="0"/>
+                    </a:p>
+                  </a:txBody>
+                  <a:tcPr/>
+                </a:tc>
+                <a:tc>
+                  <a:txBody>
+                    <a:bodyPr/>
+                    <a:lstStyle/>
+                    <a:p>
+                      <a:endParaRPr lang="en-SG" dirty="0"/>
+                    </a:p>
+                  </a:txBody>
+                  <a:tcPr/>
+                </a:tc>
+                <a:tc>
+                  <a:txBody>
+                    <a:bodyPr/>
+                    <a:lstStyle/>
+                    <a:p>
+                      <a:endParaRPr lang="en-SG"/>
+                    </a:p>
+                  </a:txBody>
+                  <a:tcPr/>
+                </a:tc>
+                <a:tc>
+                  <a:txBody>
+                    <a:bodyPr/>
+                    <a:lstStyle/>
+                    <a:p>
+                      <a:endParaRPr lang="en-SG"/>
+                    </a:p>
+                  </a:txBody>
+                  <a:tcPr/>
+                </a:tc>
+                <a:extLst>
+                  <a:ext uri="{0D108BD9-81ED-4DB2-BD59-A6C34878D82A}">
+                    <a16:rowId xmlns:a16="http://schemas.microsoft.com/office/drawing/2014/main" val="2608334889"/>
+                  </a:ext>
+                </a:extLst>
+              </a:tr>
+              <a:tr h="716395">
+                <a:tc>
+                  <a:txBody>
+                    <a:bodyPr/>
+                    <a:lstStyle/>
+                    <a:p>
+                      <a:endParaRPr lang="en-SG"/>
+                    </a:p>
+                  </a:txBody>
+                  <a:tcPr/>
+                </a:tc>
+                <a:tc>
+                  <a:txBody>
+                    <a:bodyPr/>
+                    <a:lstStyle/>
+                    <a:p>
+                      <a:endParaRPr lang="en-SG"/>
+                    </a:p>
+                  </a:txBody>
+                  <a:tcPr/>
+                </a:tc>
+                <a:tc>
+                  <a:txBody>
+                    <a:bodyPr/>
+                    <a:lstStyle/>
+                    <a:p>
+                      <a:endParaRPr lang="en-SG"/>
+                    </a:p>
+                  </a:txBody>
+                  <a:tcPr/>
+                </a:tc>
+                <a:tc>
+                  <a:txBody>
+                    <a:bodyPr/>
+                    <a:lstStyle/>
+                    <a:p>
+                      <a:endParaRPr lang="en-SG"/>
+                    </a:p>
+                  </a:txBody>
+                  <a:tcPr/>
+                </a:tc>
+                <a:tc>
+                  <a:txBody>
+                    <a:bodyPr/>
+                    <a:lstStyle/>
+                    <a:p>
+                      <a:endParaRPr lang="en-SG"/>
+                    </a:p>
+                  </a:txBody>
+                  <a:tcPr/>
+                </a:tc>
+                <a:tc>
+                  <a:txBody>
+                    <a:bodyPr/>
+                    <a:lstStyle/>
+                    <a:p>
+                      <a:endParaRPr lang="en-SG"/>
+                    </a:p>
+                  </a:txBody>
+                  <a:tcPr/>
+                </a:tc>
+                <a:tc>
+                  <a:txBody>
+                    <a:bodyPr/>
+                    <a:lstStyle/>
+                    <a:p>
+                      <a:endParaRPr lang="en-SG"/>
+                    </a:p>
+                  </a:txBody>
+                  <a:tcPr/>
+                </a:tc>
+                <a:tc>
+                  <a:txBody>
+                    <a:bodyPr/>
+                    <a:lstStyle/>
+                    <a:p>
+                      <a:endParaRPr lang="en-SG"/>
+                    </a:p>
+                  </a:txBody>
+                  <a:tcPr/>
+                </a:tc>
+                <a:tc>
+                  <a:txBody>
+                    <a:bodyPr/>
+                    <a:lstStyle/>
+                    <a:p>
+                      <a:endParaRPr lang="en-SG" dirty="0"/>
+                    </a:p>
+                  </a:txBody>
+                  <a:tcPr/>
+                </a:tc>
+                <a:tc>
+                  <a:txBody>
+                    <a:bodyPr/>
+                    <a:lstStyle/>
+                    <a:p>
+                      <a:endParaRPr lang="en-SG"/>
+                    </a:p>
+                  </a:txBody>
+                  <a:tcPr/>
+                </a:tc>
+                <a:extLst>
+                  <a:ext uri="{0D108BD9-81ED-4DB2-BD59-A6C34878D82A}">
+                    <a16:rowId xmlns:a16="http://schemas.microsoft.com/office/drawing/2014/main" val="1109806333"/>
+                  </a:ext>
+                </a:extLst>
+              </a:tr>
+              <a:tr h="716395">
+                <a:tc>
+                  <a:txBody>
+                    <a:bodyPr/>
+                    <a:lstStyle/>
+                    <a:p>
+                      <a:endParaRPr lang="en-SG"/>
+                    </a:p>
+                  </a:txBody>
+                  <a:tcPr/>
+                </a:tc>
+                <a:tc>
+                  <a:txBody>
+                    <a:bodyPr/>
+                    <a:lstStyle/>
+                    <a:p>
+                      <a:endParaRPr lang="en-SG"/>
+                    </a:p>
+                  </a:txBody>
+                  <a:tcPr/>
+                </a:tc>
+                <a:tc>
+                  <a:txBody>
+                    <a:bodyPr/>
+                    <a:lstStyle/>
+                    <a:p>
+                      <a:endParaRPr lang="en-SG"/>
+                    </a:p>
+                  </a:txBody>
+                  <a:tcPr/>
+                </a:tc>
+                <a:tc>
+                  <a:txBody>
+                    <a:bodyPr/>
+                    <a:lstStyle/>
+                    <a:p>
+                      <a:endParaRPr lang="en-SG"/>
+                    </a:p>
+                  </a:txBody>
+                  <a:tcPr/>
+                </a:tc>
+                <a:tc>
+                  <a:txBody>
+                    <a:bodyPr/>
+                    <a:lstStyle/>
+                    <a:p>
+                      <a:endParaRPr lang="en-SG"/>
+                    </a:p>
+                  </a:txBody>
+                  <a:tcPr/>
+                </a:tc>
+                <a:tc>
+                  <a:txBody>
+                    <a:bodyPr/>
+                    <a:lstStyle/>
+                    <a:p>
+                      <a:endParaRPr lang="en-SG"/>
+                    </a:p>
+                  </a:txBody>
+                  <a:tcPr/>
+                </a:tc>
+                <a:tc>
+                  <a:txBody>
+                    <a:bodyPr/>
+                    <a:lstStyle/>
+                    <a:p>
+                      <a:endParaRPr lang="en-SG"/>
+                    </a:p>
+                  </a:txBody>
+                  <a:tcPr/>
+                </a:tc>
+                <a:tc>
+                  <a:txBody>
+                    <a:bodyPr/>
+                    <a:lstStyle/>
+                    <a:p>
+                      <a:endParaRPr lang="en-SG"/>
+                    </a:p>
+                  </a:txBody>
+                  <a:tcPr/>
+                </a:tc>
+                <a:tc>
+                  <a:txBody>
+                    <a:bodyPr/>
+                    <a:lstStyle/>
+                    <a:p>
+                      <a:endParaRPr lang="en-SG" dirty="0"/>
+                    </a:p>
+                  </a:txBody>
+                  <a:tcPr/>
+                </a:tc>
+                <a:tc>
+                  <a:txBody>
+                    <a:bodyPr/>
+                    <a:lstStyle/>
+                    <a:p>
+                      <a:endParaRPr lang="en-SG" dirty="0"/>
+                    </a:p>
+                  </a:txBody>
+                  <a:tcPr/>
+                </a:tc>
+                <a:extLst>
+                  <a:ext uri="{0D108BD9-81ED-4DB2-BD59-A6C34878D82A}">
+                    <a16:rowId xmlns:a16="http://schemas.microsoft.com/office/drawing/2014/main" val="168027370"/>
+                  </a:ext>
+                </a:extLst>
+              </a:tr>
+              <a:tr h="716395">
+                <a:tc>
+                  <a:txBody>
+                    <a:bodyPr/>
+                    <a:lstStyle/>
+                    <a:p>
+                      <a:endParaRPr lang="en-SG"/>
+                    </a:p>
+                  </a:txBody>
+                  <a:tcPr/>
+                </a:tc>
+                <a:tc>
+                  <a:txBody>
+                    <a:bodyPr/>
+                    <a:lstStyle/>
+                    <a:p>
+                      <a:endParaRPr lang="en-SG"/>
+                    </a:p>
+                  </a:txBody>
+                  <a:tcPr/>
+                </a:tc>
+                <a:tc>
+                  <a:txBody>
+                    <a:bodyPr/>
+                    <a:lstStyle/>
+                    <a:p>
+                      <a:endParaRPr lang="en-SG"/>
+                    </a:p>
+                  </a:txBody>
+                  <a:tcPr/>
+                </a:tc>
+                <a:tc>
+                  <a:txBody>
+                    <a:bodyPr/>
+                    <a:lstStyle/>
+                    <a:p>
+                      <a:endParaRPr lang="en-SG"/>
+                    </a:p>
+                  </a:txBody>
+                  <a:tcPr/>
+                </a:tc>
+                <a:tc>
+                  <a:txBody>
+                    <a:bodyPr/>
+                    <a:lstStyle/>
+                    <a:p>
+                      <a:endParaRPr lang="en-SG"/>
+                    </a:p>
+                  </a:txBody>
+                  <a:tcPr/>
+                </a:tc>
+                <a:tc>
+                  <a:txBody>
+                    <a:bodyPr/>
+                    <a:lstStyle/>
+                    <a:p>
+                      <a:endParaRPr lang="en-SG"/>
+                    </a:p>
+                  </a:txBody>
+                  <a:tcPr/>
+                </a:tc>
+                <a:tc>
+                  <a:txBody>
+                    <a:bodyPr/>
+                    <a:lstStyle/>
+                    <a:p>
+                      <a:endParaRPr lang="en-SG"/>
+                    </a:p>
+                  </a:txBody>
+                  <a:tcPr/>
+                </a:tc>
+                <a:tc>
+                  <a:txBody>
+                    <a:bodyPr/>
+                    <a:lstStyle/>
+                    <a:p>
+                      <a:endParaRPr lang="en-SG"/>
+                    </a:p>
+                  </a:txBody>
+                  <a:tcPr/>
+                </a:tc>
+                <a:tc>
+                  <a:txBody>
+                    <a:bodyPr/>
+                    <a:lstStyle/>
+                    <a:p>
+                      <a:endParaRPr lang="en-SG"/>
+                    </a:p>
+                  </a:txBody>
+                  <a:tcPr/>
+                </a:tc>
+                <a:tc>
+                  <a:txBody>
+                    <a:bodyPr/>
+                    <a:lstStyle/>
+                    <a:p>
+                      <a:endParaRPr lang="en-SG" dirty="0"/>
+                    </a:p>
+                  </a:txBody>
+                  <a:tcPr/>
+                </a:tc>
+                <a:extLst>
+                  <a:ext uri="{0D108BD9-81ED-4DB2-BD59-A6C34878D82A}">
+                    <a16:rowId xmlns:a16="http://schemas.microsoft.com/office/drawing/2014/main" val="3689786999"/>
+                  </a:ext>
+                </a:extLst>
+              </a:tr>
+            </a:tbl>
+          </a:graphicData>
+        </a:graphic>
+      </p:graphicFrame>
+    </p:spTree>
+    <p:extLst>
+      <p:ext uri="{BB962C8B-B14F-4D97-AF65-F5344CB8AC3E}">
+        <p14:creationId xmlns:p14="http://schemas.microsoft.com/office/powerpoint/2010/main" val="2742177002"/>
+      </p:ext>
+    </p:extLst>
+  </p:cSld>
+  <p:clrMapOvr>
+    <a:masterClrMapping/>
+  </p:clrMapOvr>
+</p:sld>
+</file>
+
+<file path=ppt/slides/slide12.xml><?xml version="1.0" encoding="utf-8"?>
+<p:sld xmlns:a="http://schemas.openxmlformats.org/drawingml/2006/main" xmlns:r="http://schemas.openxmlformats.org/officeDocument/2006/relationships" xmlns:p="http://schemas.openxmlformats.org/presentationml/2006/main">
+  <p:cSld>
+    <p:spTree>
+      <p:nvGrpSpPr>
+        <p:cNvPr id="1" name=""/>
+        <p:cNvGrpSpPr/>
+        <p:nvPr/>
+      </p:nvGrpSpPr>
+      <p:grpSpPr>
+        <a:xfrm>
+          <a:off x="0" y="0"/>
+          <a:ext cx="0" cy="0"/>
+          <a:chOff x="0" y="0"/>
+          <a:chExt cx="0" cy="0"/>
+        </a:xfrm>
+      </p:grpSpPr>
+      <p:sp>
+        <p:nvSpPr>
+          <p:cNvPr id="2" name="Title 1">
+            <a:extLst>
+              <a:ext uri="{FF2B5EF4-FFF2-40B4-BE49-F238E27FC236}">
+                <a16:creationId xmlns:a16="http://schemas.microsoft.com/office/drawing/2014/main" id="{4509FB6B-240D-015D-925D-391B079456F8}"/>
+              </a:ext>
+            </a:extLst>
+          </p:cNvPr>
+          <p:cNvSpPr>
+            <a:spLocks noGrp="1"/>
+          </p:cNvSpPr>
+          <p:nvPr>
+            <p:ph type="title"/>
+          </p:nvPr>
+        </p:nvSpPr>
+        <p:spPr/>
+        <p:txBody>
+          <a:bodyPr/>
+          <a:lstStyle/>
+          <a:p>
+            <a:r>
+              <a:rPr lang="en-SG" dirty="0"/>
+              <a:t>Slide sequence</a:t>
+            </a:r>
+          </a:p>
+        </p:txBody>
+      </p:sp>
+      <p:sp>
+        <p:nvSpPr>
+          <p:cNvPr id="3" name="Content Placeholder 2">
+            <a:extLst>
+              <a:ext uri="{FF2B5EF4-FFF2-40B4-BE49-F238E27FC236}">
+                <a16:creationId xmlns:a16="http://schemas.microsoft.com/office/drawing/2014/main" id="{D83C47C2-9B8A-E0DE-B87A-153D354D7517}"/>
+              </a:ext>
+            </a:extLst>
+          </p:cNvPr>
+          <p:cNvSpPr>
+            <a:spLocks noGrp="1"/>
+          </p:cNvSpPr>
+          <p:nvPr>
+            <p:ph idx="1"/>
+          </p:nvPr>
+        </p:nvSpPr>
+        <p:spPr/>
+        <p:txBody>
+          <a:bodyPr>
+            <a:normAutofit fontScale="77500" lnSpcReduction="20000"/>
+          </a:bodyPr>
+          <a:lstStyle/>
+          <a:p>
+            <a:r>
+              <a:rPr lang="en-SG" dirty="0"/>
+              <a:t>Introduction</a:t>
+            </a:r>
+          </a:p>
+          <a:p>
+            <a:r>
+              <a:rPr lang="en-SG" dirty="0"/>
+              <a:t>Problem statement: take action on report date</a:t>
+            </a:r>
+          </a:p>
+          <a:p>
+            <a:r>
+              <a:rPr lang="en-SG" dirty="0"/>
+              <a:t>Datasets</a:t>
+            </a:r>
+          </a:p>
+          <a:p>
+            <a:r>
+              <a:rPr lang="en-SG" dirty="0"/>
+              <a:t>How to combine datasets</a:t>
+            </a:r>
+          </a:p>
+          <a:p>
+            <a:r>
+              <a:rPr lang="en-SG" dirty="0"/>
+              <a:t>Feature engineering to get ratios</a:t>
+            </a:r>
+          </a:p>
+          <a:p>
+            <a:r>
+              <a:rPr lang="en-SG" dirty="0"/>
+              <a:t>Find stock price closest to report date</a:t>
+            </a:r>
+          </a:p>
+          <a:p>
+            <a:r>
+              <a:rPr lang="en-SG" dirty="0"/>
+              <a:t>Find price one year later and find returns</a:t>
+            </a:r>
+          </a:p>
+          <a:p>
+            <a:r>
+              <a:rPr lang="en-SG" dirty="0"/>
+              <a:t>Randomise dataset, perform train test split</a:t>
+            </a:r>
+          </a:p>
+          <a:p>
+            <a:r>
+              <a:rPr lang="en-SG" dirty="0"/>
+              <a:t>Fit model from 2017 to 2020 using train, predict on test</a:t>
+            </a:r>
+          </a:p>
+          <a:p>
+            <a:r>
+              <a:rPr lang="en-SG" dirty="0"/>
+              <a:t>Feature importance to see important ratios</a:t>
+            </a:r>
+          </a:p>
+          <a:p>
+            <a:r>
+              <a:rPr lang="en-SG" dirty="0" err="1"/>
+              <a:t>Backtest</a:t>
+            </a:r>
+            <a:r>
+              <a:rPr lang="en-SG" dirty="0"/>
+              <a:t> to see how actual performance lines up with </a:t>
+            </a:r>
+            <a:r>
+              <a:rPr lang="en-SG" dirty="0" err="1"/>
+              <a:t>s&amp;p</a:t>
+            </a:r>
+            <a:r>
+              <a:rPr lang="en-SG" dirty="0"/>
+              <a:t> index</a:t>
+            </a:r>
+          </a:p>
+          <a:p>
+            <a:r>
+              <a:rPr lang="en-SG" dirty="0"/>
+              <a:t>Forward test on 2021 data. We know the stocks and price, can </a:t>
+            </a:r>
+            <a:r>
+              <a:rPr lang="en-SG"/>
+              <a:t>find returns</a:t>
+            </a:r>
+          </a:p>
+          <a:p>
+            <a:endParaRPr lang="en-SG" dirty="0"/>
+          </a:p>
+          <a:p>
+            <a:endParaRPr lang="en-SG" dirty="0"/>
+          </a:p>
+          <a:p>
+            <a:endParaRPr lang="en-SG" dirty="0"/>
+          </a:p>
+        </p:txBody>
+      </p:sp>
+    </p:spTree>
+    <p:extLst>
+      <p:ext uri="{BB962C8B-B14F-4D97-AF65-F5344CB8AC3E}">
+        <p14:creationId xmlns:p14="http://schemas.microsoft.com/office/powerpoint/2010/main" val="1197259480"/>
+      </p:ext>
+    </p:extLst>
+  </p:cSld>
+  <p:clrMapOvr>
+    <a:masterClrMapping/>
+  </p:clrMapOvr>
+</p:sld>
+</file>
+
+<file path=ppt/slides/slide13.xml><?xml version="1.0" encoding="utf-8"?>
+<p:sld xmlns:a="http://schemas.openxmlformats.org/drawingml/2006/main" xmlns:r="http://schemas.openxmlformats.org/officeDocument/2006/relationships" xmlns:p="http://schemas.openxmlformats.org/presentationml/2006/main">
+  <p:cSld>
+    <p:spTree>
+      <p:nvGrpSpPr>
+        <p:cNvPr id="1" name=""/>
+        <p:cNvGrpSpPr/>
+        <p:nvPr/>
+      </p:nvGrpSpPr>
+      <p:grpSpPr>
+        <a:xfrm>
+          <a:off x="0" y="0"/>
+          <a:ext cx="0" cy="0"/>
+          <a:chOff x="0" y="0"/>
+          <a:chExt cx="0" cy="0"/>
+        </a:xfrm>
+      </p:grpSpPr>
+      <p:sp>
+        <p:nvSpPr>
+          <p:cNvPr id="2" name="Title 1">
+            <a:extLst>
+              <a:ext uri="{FF2B5EF4-FFF2-40B4-BE49-F238E27FC236}">
+                <a16:creationId xmlns:a16="http://schemas.microsoft.com/office/drawing/2014/main" id="{937F7FA6-A114-A037-F699-3E2F0627C9D7}"/>
+              </a:ext>
+            </a:extLst>
+          </p:cNvPr>
+          <p:cNvSpPr>
+            <a:spLocks noGrp="1"/>
+          </p:cNvSpPr>
+          <p:nvPr>
+            <p:ph type="title"/>
+          </p:nvPr>
+        </p:nvSpPr>
+        <p:spPr/>
+        <p:txBody>
+          <a:bodyPr/>
+          <a:lstStyle/>
+          <a:p>
+            <a:r>
+              <a:rPr lang="en-SG" dirty="0"/>
+              <a:t>What to deploy</a:t>
+            </a:r>
+          </a:p>
+        </p:txBody>
+      </p:sp>
+      <p:sp>
+        <p:nvSpPr>
+          <p:cNvPr id="3" name="Content Placeholder 2">
+            <a:extLst>
+              <a:ext uri="{FF2B5EF4-FFF2-40B4-BE49-F238E27FC236}">
+                <a16:creationId xmlns:a16="http://schemas.microsoft.com/office/drawing/2014/main" id="{6F13D510-04CE-9A42-8CF9-3DDF460C3530}"/>
+              </a:ext>
+            </a:extLst>
+          </p:cNvPr>
+          <p:cNvSpPr>
+            <a:spLocks noGrp="1"/>
+          </p:cNvSpPr>
+          <p:nvPr>
+            <p:ph idx="1"/>
+          </p:nvPr>
+        </p:nvSpPr>
+        <p:spPr/>
+        <p:txBody>
+          <a:bodyPr/>
+          <a:lstStyle/>
+          <a:p>
+            <a:r>
+              <a:rPr lang="en-SG" dirty="0"/>
+              <a:t>Given a date input, look for companies who is reporting results within 30 days window, buy at date input price</a:t>
+            </a:r>
+          </a:p>
+          <a:p>
+            <a:endParaRPr lang="en-SG"/>
+          </a:p>
+        </p:txBody>
+      </p:sp>
+    </p:spTree>
+    <p:extLst>
+      <p:ext uri="{BB962C8B-B14F-4D97-AF65-F5344CB8AC3E}">
+        <p14:creationId xmlns:p14="http://schemas.microsoft.com/office/powerpoint/2010/main" val="138239053"/>
       </p:ext>
     </p:extLst>
   </p:cSld>
@@ -3579,7 +5608,7 @@
           <a:p>
             <a:r>
               <a:rPr lang="en-SG" dirty="0"/>
-              <a:t>Stock prices from Sep 2016 to Sep 2021 (5 years)</a:t>
+              <a:t>Stock prices from Oct 2016 to Oct 2021 (5 years)</a:t>
             </a:r>
           </a:p>
           <a:p>
@@ -3619,7 +5648,7 @@
             </a:pPr>
             <a:r>
               <a:rPr lang="en-SG" dirty="0"/>
-              <a:t>Using these info, we want to build a portfolio of 10 equally weighted stock that can beat the S&amp;P</a:t>
+              <a:t>Using these info, we want to build a portfolio of 10 equally weighted stocks that can beat the S&amp;P</a:t>
             </a:r>
           </a:p>
         </p:txBody>
@@ -3893,6 +5922,3532 @@
     <p:extLst>
       <p:ext uri="{BB962C8B-B14F-4D97-AF65-F5344CB8AC3E}">
         <p14:creationId xmlns:p14="http://schemas.microsoft.com/office/powerpoint/2010/main" val="1466795751"/>
+      </p:ext>
+    </p:extLst>
+  </p:cSld>
+  <p:clrMapOvr>
+    <a:masterClrMapping/>
+  </p:clrMapOvr>
+</p:sld>
+</file>
+
+<file path=ppt/slides/slide7.xml><?xml version="1.0" encoding="utf-8"?>
+<p:sld xmlns:a="http://schemas.openxmlformats.org/drawingml/2006/main" xmlns:r="http://schemas.openxmlformats.org/officeDocument/2006/relationships" xmlns:p="http://schemas.openxmlformats.org/presentationml/2006/main">
+  <p:cSld>
+    <p:spTree>
+      <p:nvGrpSpPr>
+        <p:cNvPr id="1" name=""/>
+        <p:cNvGrpSpPr/>
+        <p:nvPr/>
+      </p:nvGrpSpPr>
+      <p:grpSpPr>
+        <a:xfrm>
+          <a:off x="0" y="0"/>
+          <a:ext cx="0" cy="0"/>
+          <a:chOff x="0" y="0"/>
+          <a:chExt cx="0" cy="0"/>
+        </a:xfrm>
+      </p:grpSpPr>
+      <p:sp>
+        <p:nvSpPr>
+          <p:cNvPr id="2" name="Title 1">
+            <a:extLst>
+              <a:ext uri="{FF2B5EF4-FFF2-40B4-BE49-F238E27FC236}">
+                <a16:creationId xmlns:a16="http://schemas.microsoft.com/office/drawing/2014/main" id="{86C17E2C-74FA-FA93-8FA0-16CF4143C1CC}"/>
+              </a:ext>
+            </a:extLst>
+          </p:cNvPr>
+          <p:cNvSpPr>
+            <a:spLocks noGrp="1"/>
+          </p:cNvSpPr>
+          <p:nvPr>
+            <p:ph type="title"/>
+          </p:nvPr>
+        </p:nvSpPr>
+        <p:spPr/>
+        <p:txBody>
+          <a:bodyPr/>
+          <a:lstStyle/>
+          <a:p>
+            <a:r>
+              <a:rPr lang="en-SG" dirty="0"/>
+              <a:t>Combination of 3 financial statements</a:t>
+            </a:r>
+          </a:p>
+        </p:txBody>
+      </p:sp>
+      <p:graphicFrame>
+        <p:nvGraphicFramePr>
+          <p:cNvPr id="4" name="Table 4">
+            <a:extLst>
+              <a:ext uri="{FF2B5EF4-FFF2-40B4-BE49-F238E27FC236}">
+                <a16:creationId xmlns:a16="http://schemas.microsoft.com/office/drawing/2014/main" id="{D904B7C3-9D77-723F-082B-CB0F61D8792F}"/>
+              </a:ext>
+            </a:extLst>
+          </p:cNvPr>
+          <p:cNvGraphicFramePr>
+            <a:graphicFrameLocks noGrp="1"/>
+          </p:cNvGraphicFramePr>
+          <p:nvPr>
+            <p:extLst>
+              <p:ext uri="{D42A27DB-BD31-4B8C-83A1-F6EECF244321}">
+                <p14:modId xmlns:p14="http://schemas.microsoft.com/office/powerpoint/2010/main" val="593353558"/>
+              </p:ext>
+            </p:extLst>
+          </p:nvPr>
+        </p:nvGraphicFramePr>
+        <p:xfrm>
+          <a:off x="370455" y="1409780"/>
+          <a:ext cx="7762146" cy="2271933"/>
+        </p:xfrm>
+        <a:graphic>
+          <a:graphicData uri="http://schemas.openxmlformats.org/drawingml/2006/table">
+            <a:tbl>
+              <a:tblPr firstRow="1" bandRow="1">
+                <a:tableStyleId>{5C22544A-7EE6-4342-B048-85BDC9FD1C3A}</a:tableStyleId>
+              </a:tblPr>
+              <a:tblGrid>
+                <a:gridCol w="1108878">
+                  <a:extLst>
+                    <a:ext uri="{9D8B030D-6E8A-4147-A177-3AD203B41FA5}">
+                      <a16:colId xmlns:a16="http://schemas.microsoft.com/office/drawing/2014/main" val="3814351907"/>
+                    </a:ext>
+                  </a:extLst>
+                </a:gridCol>
+                <a:gridCol w="1108878">
+                  <a:extLst>
+                    <a:ext uri="{9D8B030D-6E8A-4147-A177-3AD203B41FA5}">
+                      <a16:colId xmlns:a16="http://schemas.microsoft.com/office/drawing/2014/main" val="884477158"/>
+                    </a:ext>
+                  </a:extLst>
+                </a:gridCol>
+                <a:gridCol w="1108878">
+                  <a:extLst>
+                    <a:ext uri="{9D8B030D-6E8A-4147-A177-3AD203B41FA5}">
+                      <a16:colId xmlns:a16="http://schemas.microsoft.com/office/drawing/2014/main" val="2419652167"/>
+                    </a:ext>
+                  </a:extLst>
+                </a:gridCol>
+                <a:gridCol w="1108878">
+                  <a:extLst>
+                    <a:ext uri="{9D8B030D-6E8A-4147-A177-3AD203B41FA5}">
+                      <a16:colId xmlns:a16="http://schemas.microsoft.com/office/drawing/2014/main" val="450201316"/>
+                    </a:ext>
+                  </a:extLst>
+                </a:gridCol>
+                <a:gridCol w="1108878">
+                  <a:extLst>
+                    <a:ext uri="{9D8B030D-6E8A-4147-A177-3AD203B41FA5}">
+                      <a16:colId xmlns:a16="http://schemas.microsoft.com/office/drawing/2014/main" val="1655988978"/>
+                    </a:ext>
+                  </a:extLst>
+                </a:gridCol>
+                <a:gridCol w="1108878">
+                  <a:extLst>
+                    <a:ext uri="{9D8B030D-6E8A-4147-A177-3AD203B41FA5}">
+                      <a16:colId xmlns:a16="http://schemas.microsoft.com/office/drawing/2014/main" val="4128006171"/>
+                    </a:ext>
+                  </a:extLst>
+                </a:gridCol>
+                <a:gridCol w="1108878">
+                  <a:extLst>
+                    <a:ext uri="{9D8B030D-6E8A-4147-A177-3AD203B41FA5}">
+                      <a16:colId xmlns:a16="http://schemas.microsoft.com/office/drawing/2014/main" val="2729079198"/>
+                    </a:ext>
+                  </a:extLst>
+                </a:gridCol>
+              </a:tblGrid>
+              <a:tr h="651933">
+                <a:tc>
+                  <a:txBody>
+                    <a:bodyPr/>
+                    <a:lstStyle/>
+                    <a:p>
+                      <a:r>
+                        <a:rPr lang="en-SG" sz="1200" dirty="0"/>
+                        <a:t>Ticker</a:t>
+                      </a:r>
+                    </a:p>
+                  </a:txBody>
+                  <a:tcPr/>
+                </a:tc>
+                <a:tc>
+                  <a:txBody>
+                    <a:bodyPr/>
+                    <a:lstStyle/>
+                    <a:p>
+                      <a:r>
+                        <a:rPr lang="en-SG" sz="1200" dirty="0"/>
+                        <a:t>Report Date</a:t>
+                      </a:r>
+                    </a:p>
+                  </a:txBody>
+                  <a:tcPr/>
+                </a:tc>
+                <a:tc>
+                  <a:txBody>
+                    <a:bodyPr/>
+                    <a:lstStyle/>
+                    <a:p>
+                      <a:r>
+                        <a:rPr lang="en-SG" sz="1200" dirty="0"/>
+                        <a:t>No of Shares</a:t>
+                      </a:r>
+                    </a:p>
+                  </a:txBody>
+                  <a:tcPr/>
+                </a:tc>
+                <a:tc>
+                  <a:txBody>
+                    <a:bodyPr/>
+                    <a:lstStyle/>
+                    <a:p>
+                      <a:r>
+                        <a:rPr lang="en-SG" sz="1200" dirty="0"/>
+                        <a:t>Revenue</a:t>
+                      </a:r>
+                    </a:p>
+                  </a:txBody>
+                  <a:tcPr/>
+                </a:tc>
+                <a:tc>
+                  <a:txBody>
+                    <a:bodyPr/>
+                    <a:lstStyle/>
+                    <a:p>
+                      <a:r>
+                        <a:rPr lang="en-SG" sz="1200" dirty="0"/>
+                        <a:t>Cost</a:t>
+                      </a:r>
+                    </a:p>
+                  </a:txBody>
+                  <a:tcPr/>
+                </a:tc>
+                <a:tc>
+                  <a:txBody>
+                    <a:bodyPr/>
+                    <a:lstStyle/>
+                    <a:p>
+                      <a:r>
+                        <a:rPr lang="en-SG" sz="1200" dirty="0"/>
+                        <a:t>Non-Operating Income</a:t>
+                      </a:r>
+                    </a:p>
+                  </a:txBody>
+                  <a:tcPr/>
+                </a:tc>
+                <a:tc>
+                  <a:txBody>
+                    <a:bodyPr/>
+                    <a:lstStyle/>
+                    <a:p>
+                      <a:r>
+                        <a:rPr lang="en-SG" sz="1200" dirty="0"/>
+                        <a:t>Interest Expense</a:t>
+                      </a:r>
+                    </a:p>
+                  </a:txBody>
+                  <a:tcPr/>
+                </a:tc>
+                <a:extLst>
+                  <a:ext uri="{0D108BD9-81ED-4DB2-BD59-A6C34878D82A}">
+                    <a16:rowId xmlns:a16="http://schemas.microsoft.com/office/drawing/2014/main" val="3840214945"/>
+                  </a:ext>
+                </a:extLst>
+              </a:tr>
+              <a:tr h="324000">
+                <a:tc>
+                  <a:txBody>
+                    <a:bodyPr/>
+                    <a:lstStyle/>
+                    <a:p>
+                      <a:r>
+                        <a:rPr lang="en-SG" sz="1200" dirty="0"/>
+                        <a:t>A</a:t>
+                      </a:r>
+                    </a:p>
+                  </a:txBody>
+                  <a:tcPr/>
+                </a:tc>
+                <a:tc>
+                  <a:txBody>
+                    <a:bodyPr/>
+                    <a:lstStyle/>
+                    <a:p>
+                      <a:r>
+                        <a:rPr lang="en-SG" sz="1200" dirty="0"/>
+                        <a:t>2016-10-31</a:t>
+                      </a:r>
+                    </a:p>
+                  </a:txBody>
+                  <a:tcPr/>
+                </a:tc>
+                <a:tc>
+                  <a:txBody>
+                    <a:bodyPr/>
+                    <a:lstStyle/>
+                    <a:p>
+                      <a:endParaRPr lang="en-SG" sz="1200" dirty="0"/>
+                    </a:p>
+                  </a:txBody>
+                  <a:tcPr/>
+                </a:tc>
+                <a:tc>
+                  <a:txBody>
+                    <a:bodyPr/>
+                    <a:lstStyle/>
+                    <a:p>
+                      <a:endParaRPr lang="en-SG" sz="1200" dirty="0"/>
+                    </a:p>
+                  </a:txBody>
+                  <a:tcPr/>
+                </a:tc>
+                <a:tc>
+                  <a:txBody>
+                    <a:bodyPr/>
+                    <a:lstStyle/>
+                    <a:p>
+                      <a:endParaRPr lang="en-SG" sz="1200" dirty="0"/>
+                    </a:p>
+                  </a:txBody>
+                  <a:tcPr/>
+                </a:tc>
+                <a:tc>
+                  <a:txBody>
+                    <a:bodyPr/>
+                    <a:lstStyle/>
+                    <a:p>
+                      <a:endParaRPr lang="en-SG" sz="1200" dirty="0"/>
+                    </a:p>
+                  </a:txBody>
+                  <a:tcPr/>
+                </a:tc>
+                <a:tc>
+                  <a:txBody>
+                    <a:bodyPr/>
+                    <a:lstStyle/>
+                    <a:p>
+                      <a:endParaRPr lang="en-SG" sz="1200" dirty="0"/>
+                    </a:p>
+                  </a:txBody>
+                  <a:tcPr/>
+                </a:tc>
+                <a:extLst>
+                  <a:ext uri="{0D108BD9-81ED-4DB2-BD59-A6C34878D82A}">
+                    <a16:rowId xmlns:a16="http://schemas.microsoft.com/office/drawing/2014/main" val="1244702841"/>
+                  </a:ext>
+                </a:extLst>
+              </a:tr>
+              <a:tr h="324000">
+                <a:tc>
+                  <a:txBody>
+                    <a:bodyPr/>
+                    <a:lstStyle/>
+                    <a:p>
+                      <a:r>
+                        <a:rPr lang="en-SG" sz="1200" dirty="0"/>
+                        <a:t>A</a:t>
+                      </a:r>
+                    </a:p>
+                  </a:txBody>
+                  <a:tcPr/>
+                </a:tc>
+                <a:tc>
+                  <a:txBody>
+                    <a:bodyPr/>
+                    <a:lstStyle/>
+                    <a:p>
+                      <a:r>
+                        <a:rPr lang="en-SG" sz="1200" dirty="0"/>
+                        <a:t>2017-01-31</a:t>
+                      </a:r>
+                    </a:p>
+                  </a:txBody>
+                  <a:tcPr/>
+                </a:tc>
+                <a:tc>
+                  <a:txBody>
+                    <a:bodyPr/>
+                    <a:lstStyle/>
+                    <a:p>
+                      <a:endParaRPr lang="en-SG" sz="1200"/>
+                    </a:p>
+                  </a:txBody>
+                  <a:tcPr/>
+                </a:tc>
+                <a:tc>
+                  <a:txBody>
+                    <a:bodyPr/>
+                    <a:lstStyle/>
+                    <a:p>
+                      <a:endParaRPr lang="en-SG" sz="1200"/>
+                    </a:p>
+                  </a:txBody>
+                  <a:tcPr/>
+                </a:tc>
+                <a:tc>
+                  <a:txBody>
+                    <a:bodyPr/>
+                    <a:lstStyle/>
+                    <a:p>
+                      <a:endParaRPr lang="en-SG" sz="1200" dirty="0"/>
+                    </a:p>
+                  </a:txBody>
+                  <a:tcPr/>
+                </a:tc>
+                <a:tc>
+                  <a:txBody>
+                    <a:bodyPr/>
+                    <a:lstStyle/>
+                    <a:p>
+                      <a:endParaRPr lang="en-SG" sz="1200"/>
+                    </a:p>
+                  </a:txBody>
+                  <a:tcPr/>
+                </a:tc>
+                <a:tc>
+                  <a:txBody>
+                    <a:bodyPr/>
+                    <a:lstStyle/>
+                    <a:p>
+                      <a:endParaRPr lang="en-SG" sz="1200" dirty="0"/>
+                    </a:p>
+                  </a:txBody>
+                  <a:tcPr/>
+                </a:tc>
+                <a:extLst>
+                  <a:ext uri="{0D108BD9-81ED-4DB2-BD59-A6C34878D82A}">
+                    <a16:rowId xmlns:a16="http://schemas.microsoft.com/office/drawing/2014/main" val="2608334889"/>
+                  </a:ext>
+                </a:extLst>
+              </a:tr>
+              <a:tr h="324000">
+                <a:tc>
+                  <a:txBody>
+                    <a:bodyPr/>
+                    <a:lstStyle/>
+                    <a:p>
+                      <a:r>
+                        <a:rPr lang="en-SG" sz="1200" dirty="0"/>
+                        <a:t>B</a:t>
+                      </a:r>
+                    </a:p>
+                  </a:txBody>
+                  <a:tcPr/>
+                </a:tc>
+                <a:tc>
+                  <a:txBody>
+                    <a:bodyPr/>
+                    <a:lstStyle/>
+                    <a:p>
+                      <a:r>
+                        <a:rPr lang="en-SG" sz="1200" dirty="0"/>
+                        <a:t>2016-10-31</a:t>
+                      </a:r>
+                    </a:p>
+                  </a:txBody>
+                  <a:tcPr/>
+                </a:tc>
+                <a:tc>
+                  <a:txBody>
+                    <a:bodyPr/>
+                    <a:lstStyle/>
+                    <a:p>
+                      <a:endParaRPr lang="en-SG" sz="1200"/>
+                    </a:p>
+                  </a:txBody>
+                  <a:tcPr/>
+                </a:tc>
+                <a:tc>
+                  <a:txBody>
+                    <a:bodyPr/>
+                    <a:lstStyle/>
+                    <a:p>
+                      <a:endParaRPr lang="en-SG" sz="1200"/>
+                    </a:p>
+                  </a:txBody>
+                  <a:tcPr/>
+                </a:tc>
+                <a:tc>
+                  <a:txBody>
+                    <a:bodyPr/>
+                    <a:lstStyle/>
+                    <a:p>
+                      <a:endParaRPr lang="en-SG" sz="1200"/>
+                    </a:p>
+                  </a:txBody>
+                  <a:tcPr/>
+                </a:tc>
+                <a:tc>
+                  <a:txBody>
+                    <a:bodyPr/>
+                    <a:lstStyle/>
+                    <a:p>
+                      <a:endParaRPr lang="en-SG" sz="1200" dirty="0"/>
+                    </a:p>
+                  </a:txBody>
+                  <a:tcPr/>
+                </a:tc>
+                <a:tc>
+                  <a:txBody>
+                    <a:bodyPr/>
+                    <a:lstStyle/>
+                    <a:p>
+                      <a:endParaRPr lang="en-SG" sz="1200" dirty="0"/>
+                    </a:p>
+                  </a:txBody>
+                  <a:tcPr/>
+                </a:tc>
+                <a:extLst>
+                  <a:ext uri="{0D108BD9-81ED-4DB2-BD59-A6C34878D82A}">
+                    <a16:rowId xmlns:a16="http://schemas.microsoft.com/office/drawing/2014/main" val="1109806333"/>
+                  </a:ext>
+                </a:extLst>
+              </a:tr>
+              <a:tr h="324000">
+                <a:tc>
+                  <a:txBody>
+                    <a:bodyPr/>
+                    <a:lstStyle/>
+                    <a:p>
+                      <a:r>
+                        <a:rPr lang="en-SG" sz="1200" dirty="0"/>
+                        <a:t>B</a:t>
+                      </a:r>
+                    </a:p>
+                  </a:txBody>
+                  <a:tcPr/>
+                </a:tc>
+                <a:tc>
+                  <a:txBody>
+                    <a:bodyPr/>
+                    <a:lstStyle/>
+                    <a:p>
+                      <a:r>
+                        <a:rPr lang="en-SG" sz="1200" dirty="0"/>
+                        <a:t>2017-01-31</a:t>
+                      </a:r>
+                    </a:p>
+                  </a:txBody>
+                  <a:tcPr/>
+                </a:tc>
+                <a:tc>
+                  <a:txBody>
+                    <a:bodyPr/>
+                    <a:lstStyle/>
+                    <a:p>
+                      <a:endParaRPr lang="en-SG" sz="1200"/>
+                    </a:p>
+                  </a:txBody>
+                  <a:tcPr/>
+                </a:tc>
+                <a:tc>
+                  <a:txBody>
+                    <a:bodyPr/>
+                    <a:lstStyle/>
+                    <a:p>
+                      <a:endParaRPr lang="en-SG" sz="1200"/>
+                    </a:p>
+                  </a:txBody>
+                  <a:tcPr/>
+                </a:tc>
+                <a:tc>
+                  <a:txBody>
+                    <a:bodyPr/>
+                    <a:lstStyle/>
+                    <a:p>
+                      <a:endParaRPr lang="en-SG" sz="1200"/>
+                    </a:p>
+                  </a:txBody>
+                  <a:tcPr/>
+                </a:tc>
+                <a:tc>
+                  <a:txBody>
+                    <a:bodyPr/>
+                    <a:lstStyle/>
+                    <a:p>
+                      <a:endParaRPr lang="en-SG" sz="1200" dirty="0"/>
+                    </a:p>
+                  </a:txBody>
+                  <a:tcPr/>
+                </a:tc>
+                <a:tc>
+                  <a:txBody>
+                    <a:bodyPr/>
+                    <a:lstStyle/>
+                    <a:p>
+                      <a:endParaRPr lang="en-SG" sz="1200" dirty="0"/>
+                    </a:p>
+                  </a:txBody>
+                  <a:tcPr/>
+                </a:tc>
+                <a:extLst>
+                  <a:ext uri="{0D108BD9-81ED-4DB2-BD59-A6C34878D82A}">
+                    <a16:rowId xmlns:a16="http://schemas.microsoft.com/office/drawing/2014/main" val="168027370"/>
+                  </a:ext>
+                </a:extLst>
+              </a:tr>
+              <a:tr h="324000">
+                <a:tc>
+                  <a:txBody>
+                    <a:bodyPr/>
+                    <a:lstStyle/>
+                    <a:p>
+                      <a:r>
+                        <a:rPr lang="en-SG" sz="1200" dirty="0"/>
+                        <a:t>C</a:t>
+                      </a:r>
+                    </a:p>
+                  </a:txBody>
+                  <a:tcPr/>
+                </a:tc>
+                <a:tc>
+                  <a:txBody>
+                    <a:bodyPr/>
+                    <a:lstStyle/>
+                    <a:p>
+                      <a:r>
+                        <a:rPr lang="en-SG" sz="1200" dirty="0"/>
+                        <a:t>2016-10-31</a:t>
+                      </a:r>
+                    </a:p>
+                  </a:txBody>
+                  <a:tcPr/>
+                </a:tc>
+                <a:tc>
+                  <a:txBody>
+                    <a:bodyPr/>
+                    <a:lstStyle/>
+                    <a:p>
+                      <a:endParaRPr lang="en-SG" sz="1200"/>
+                    </a:p>
+                  </a:txBody>
+                  <a:tcPr/>
+                </a:tc>
+                <a:tc>
+                  <a:txBody>
+                    <a:bodyPr/>
+                    <a:lstStyle/>
+                    <a:p>
+                      <a:endParaRPr lang="en-SG" sz="1200"/>
+                    </a:p>
+                  </a:txBody>
+                  <a:tcPr/>
+                </a:tc>
+                <a:tc>
+                  <a:txBody>
+                    <a:bodyPr/>
+                    <a:lstStyle/>
+                    <a:p>
+                      <a:endParaRPr lang="en-SG" sz="1200"/>
+                    </a:p>
+                  </a:txBody>
+                  <a:tcPr/>
+                </a:tc>
+                <a:tc>
+                  <a:txBody>
+                    <a:bodyPr/>
+                    <a:lstStyle/>
+                    <a:p>
+                      <a:endParaRPr lang="en-SG" sz="1200" dirty="0"/>
+                    </a:p>
+                  </a:txBody>
+                  <a:tcPr/>
+                </a:tc>
+                <a:tc>
+                  <a:txBody>
+                    <a:bodyPr/>
+                    <a:lstStyle/>
+                    <a:p>
+                      <a:endParaRPr lang="en-SG" sz="1200" dirty="0"/>
+                    </a:p>
+                  </a:txBody>
+                  <a:tcPr/>
+                </a:tc>
+                <a:extLst>
+                  <a:ext uri="{0D108BD9-81ED-4DB2-BD59-A6C34878D82A}">
+                    <a16:rowId xmlns:a16="http://schemas.microsoft.com/office/drawing/2014/main" val="3689786999"/>
+                  </a:ext>
+                </a:extLst>
+              </a:tr>
+            </a:tbl>
+          </a:graphicData>
+        </a:graphic>
+      </p:graphicFrame>
+      <p:graphicFrame>
+        <p:nvGraphicFramePr>
+          <p:cNvPr id="5" name="Table 4">
+            <a:extLst>
+              <a:ext uri="{FF2B5EF4-FFF2-40B4-BE49-F238E27FC236}">
+                <a16:creationId xmlns:a16="http://schemas.microsoft.com/office/drawing/2014/main" id="{02DE8596-21EB-A8B2-50F0-A999FD398DD1}"/>
+              </a:ext>
+            </a:extLst>
+          </p:cNvPr>
+          <p:cNvGraphicFramePr>
+            <a:graphicFrameLocks noGrp="1"/>
+          </p:cNvGraphicFramePr>
+          <p:nvPr>
+            <p:extLst>
+              <p:ext uri="{D42A27DB-BD31-4B8C-83A1-F6EECF244321}">
+                <p14:modId xmlns:p14="http://schemas.microsoft.com/office/powerpoint/2010/main" val="785162132"/>
+              </p:ext>
+            </p:extLst>
+          </p:nvPr>
+        </p:nvGraphicFramePr>
+        <p:xfrm>
+          <a:off x="2400155" y="2293033"/>
+          <a:ext cx="7762146" cy="2260080"/>
+        </p:xfrm>
+        <a:graphic>
+          <a:graphicData uri="http://schemas.openxmlformats.org/drawingml/2006/table">
+            <a:tbl>
+              <a:tblPr firstRow="1" bandRow="1">
+                <a:tableStyleId>{21E4AEA4-8DFA-4A89-87EB-49C32662AFE0}</a:tableStyleId>
+              </a:tblPr>
+              <a:tblGrid>
+                <a:gridCol w="1108878">
+                  <a:extLst>
+                    <a:ext uri="{9D8B030D-6E8A-4147-A177-3AD203B41FA5}">
+                      <a16:colId xmlns:a16="http://schemas.microsoft.com/office/drawing/2014/main" val="3814351907"/>
+                    </a:ext>
+                  </a:extLst>
+                </a:gridCol>
+                <a:gridCol w="1108878">
+                  <a:extLst>
+                    <a:ext uri="{9D8B030D-6E8A-4147-A177-3AD203B41FA5}">
+                      <a16:colId xmlns:a16="http://schemas.microsoft.com/office/drawing/2014/main" val="884477158"/>
+                    </a:ext>
+                  </a:extLst>
+                </a:gridCol>
+                <a:gridCol w="1108878">
+                  <a:extLst>
+                    <a:ext uri="{9D8B030D-6E8A-4147-A177-3AD203B41FA5}">
+                      <a16:colId xmlns:a16="http://schemas.microsoft.com/office/drawing/2014/main" val="2419652167"/>
+                    </a:ext>
+                  </a:extLst>
+                </a:gridCol>
+                <a:gridCol w="1108878">
+                  <a:extLst>
+                    <a:ext uri="{9D8B030D-6E8A-4147-A177-3AD203B41FA5}">
+                      <a16:colId xmlns:a16="http://schemas.microsoft.com/office/drawing/2014/main" val="450201316"/>
+                    </a:ext>
+                  </a:extLst>
+                </a:gridCol>
+                <a:gridCol w="1108878">
+                  <a:extLst>
+                    <a:ext uri="{9D8B030D-6E8A-4147-A177-3AD203B41FA5}">
+                      <a16:colId xmlns:a16="http://schemas.microsoft.com/office/drawing/2014/main" val="1655988978"/>
+                    </a:ext>
+                  </a:extLst>
+                </a:gridCol>
+                <a:gridCol w="1108878">
+                  <a:extLst>
+                    <a:ext uri="{9D8B030D-6E8A-4147-A177-3AD203B41FA5}">
+                      <a16:colId xmlns:a16="http://schemas.microsoft.com/office/drawing/2014/main" val="4128006171"/>
+                    </a:ext>
+                  </a:extLst>
+                </a:gridCol>
+                <a:gridCol w="1108878">
+                  <a:extLst>
+                    <a:ext uri="{9D8B030D-6E8A-4147-A177-3AD203B41FA5}">
+                      <a16:colId xmlns:a16="http://schemas.microsoft.com/office/drawing/2014/main" val="2729079198"/>
+                    </a:ext>
+                  </a:extLst>
+                </a:gridCol>
+              </a:tblGrid>
+              <a:tr h="631322">
+                <a:tc>
+                  <a:txBody>
+                    <a:bodyPr/>
+                    <a:lstStyle/>
+                    <a:p>
+                      <a:r>
+                        <a:rPr lang="en-SG" sz="1200" dirty="0"/>
+                        <a:t>Ticker</a:t>
+                      </a:r>
+                    </a:p>
+                  </a:txBody>
+                  <a:tcPr/>
+                </a:tc>
+                <a:tc>
+                  <a:txBody>
+                    <a:bodyPr/>
+                    <a:lstStyle/>
+                    <a:p>
+                      <a:r>
+                        <a:rPr lang="en-SG" sz="1200" dirty="0"/>
+                        <a:t>Report Date</a:t>
+                      </a:r>
+                    </a:p>
+                  </a:txBody>
+                  <a:tcPr/>
+                </a:tc>
+                <a:tc>
+                  <a:txBody>
+                    <a:bodyPr/>
+                    <a:lstStyle/>
+                    <a:p>
+                      <a:r>
+                        <a:rPr lang="en-SG" sz="1200" dirty="0"/>
+                        <a:t>Cash, cash equivalent</a:t>
+                      </a:r>
+                    </a:p>
+                  </a:txBody>
+                  <a:tcPr/>
+                </a:tc>
+                <a:tc>
+                  <a:txBody>
+                    <a:bodyPr/>
+                    <a:lstStyle/>
+                    <a:p>
+                      <a:r>
+                        <a:rPr lang="en-SG" sz="1200" dirty="0"/>
+                        <a:t>Accounts &amp; Notes Receivables</a:t>
+                      </a:r>
+                    </a:p>
+                  </a:txBody>
+                  <a:tcPr/>
+                </a:tc>
+                <a:tc>
+                  <a:txBody>
+                    <a:bodyPr/>
+                    <a:lstStyle/>
+                    <a:p>
+                      <a:r>
+                        <a:rPr lang="en-SG" sz="1200" dirty="0"/>
+                        <a:t>Short Term Debt</a:t>
+                      </a:r>
+                    </a:p>
+                  </a:txBody>
+                  <a:tcPr/>
+                </a:tc>
+                <a:tc>
+                  <a:txBody>
+                    <a:bodyPr/>
+                    <a:lstStyle/>
+                    <a:p>
+                      <a:r>
+                        <a:rPr lang="en-SG" sz="1200" dirty="0"/>
+                        <a:t>Current Liabilities</a:t>
+                      </a:r>
+                    </a:p>
+                  </a:txBody>
+                  <a:tcPr/>
+                </a:tc>
+                <a:tc>
+                  <a:txBody>
+                    <a:bodyPr/>
+                    <a:lstStyle/>
+                    <a:p>
+                      <a:r>
+                        <a:rPr lang="en-SG" sz="1200" dirty="0"/>
+                        <a:t>Share Capital</a:t>
+                      </a:r>
+                    </a:p>
+                  </a:txBody>
+                  <a:tcPr/>
+                </a:tc>
+                <a:extLst>
+                  <a:ext uri="{0D108BD9-81ED-4DB2-BD59-A6C34878D82A}">
+                    <a16:rowId xmlns:a16="http://schemas.microsoft.com/office/drawing/2014/main" val="3840214945"/>
+                  </a:ext>
+                </a:extLst>
+              </a:tr>
+              <a:tr h="324000">
+                <a:tc>
+                  <a:txBody>
+                    <a:bodyPr/>
+                    <a:lstStyle/>
+                    <a:p>
+                      <a:r>
+                        <a:rPr lang="en-SG" sz="1200" dirty="0"/>
+                        <a:t>A</a:t>
+                      </a:r>
+                    </a:p>
+                  </a:txBody>
+                  <a:tcPr/>
+                </a:tc>
+                <a:tc>
+                  <a:txBody>
+                    <a:bodyPr/>
+                    <a:lstStyle/>
+                    <a:p>
+                      <a:r>
+                        <a:rPr lang="en-SG" sz="1200" dirty="0"/>
+                        <a:t>2016-10-31</a:t>
+                      </a:r>
+                    </a:p>
+                  </a:txBody>
+                  <a:tcPr/>
+                </a:tc>
+                <a:tc>
+                  <a:txBody>
+                    <a:bodyPr/>
+                    <a:lstStyle/>
+                    <a:p>
+                      <a:endParaRPr lang="en-SG" sz="1200" dirty="0"/>
+                    </a:p>
+                  </a:txBody>
+                  <a:tcPr/>
+                </a:tc>
+                <a:tc>
+                  <a:txBody>
+                    <a:bodyPr/>
+                    <a:lstStyle/>
+                    <a:p>
+                      <a:endParaRPr lang="en-SG" sz="1200" dirty="0"/>
+                    </a:p>
+                  </a:txBody>
+                  <a:tcPr/>
+                </a:tc>
+                <a:tc>
+                  <a:txBody>
+                    <a:bodyPr/>
+                    <a:lstStyle/>
+                    <a:p>
+                      <a:endParaRPr lang="en-SG" sz="1200" dirty="0"/>
+                    </a:p>
+                  </a:txBody>
+                  <a:tcPr/>
+                </a:tc>
+                <a:tc>
+                  <a:txBody>
+                    <a:bodyPr/>
+                    <a:lstStyle/>
+                    <a:p>
+                      <a:endParaRPr lang="en-SG" sz="1200" dirty="0"/>
+                    </a:p>
+                  </a:txBody>
+                  <a:tcPr/>
+                </a:tc>
+                <a:tc>
+                  <a:txBody>
+                    <a:bodyPr/>
+                    <a:lstStyle/>
+                    <a:p>
+                      <a:endParaRPr lang="en-SG" sz="1200" dirty="0"/>
+                    </a:p>
+                  </a:txBody>
+                  <a:tcPr/>
+                </a:tc>
+                <a:extLst>
+                  <a:ext uri="{0D108BD9-81ED-4DB2-BD59-A6C34878D82A}">
+                    <a16:rowId xmlns:a16="http://schemas.microsoft.com/office/drawing/2014/main" val="1244702841"/>
+                  </a:ext>
+                </a:extLst>
+              </a:tr>
+              <a:tr h="324000">
+                <a:tc>
+                  <a:txBody>
+                    <a:bodyPr/>
+                    <a:lstStyle/>
+                    <a:p>
+                      <a:r>
+                        <a:rPr lang="en-SG" sz="1200" dirty="0"/>
+                        <a:t>A</a:t>
+                      </a:r>
+                    </a:p>
+                  </a:txBody>
+                  <a:tcPr/>
+                </a:tc>
+                <a:tc>
+                  <a:txBody>
+                    <a:bodyPr/>
+                    <a:lstStyle/>
+                    <a:p>
+                      <a:r>
+                        <a:rPr lang="en-SG" sz="1200" dirty="0"/>
+                        <a:t>2017-01-31</a:t>
+                      </a:r>
+                    </a:p>
+                  </a:txBody>
+                  <a:tcPr/>
+                </a:tc>
+                <a:tc>
+                  <a:txBody>
+                    <a:bodyPr/>
+                    <a:lstStyle/>
+                    <a:p>
+                      <a:endParaRPr lang="en-SG" sz="1200"/>
+                    </a:p>
+                  </a:txBody>
+                  <a:tcPr/>
+                </a:tc>
+                <a:tc>
+                  <a:txBody>
+                    <a:bodyPr/>
+                    <a:lstStyle/>
+                    <a:p>
+                      <a:endParaRPr lang="en-SG" sz="1200" dirty="0"/>
+                    </a:p>
+                  </a:txBody>
+                  <a:tcPr/>
+                </a:tc>
+                <a:tc>
+                  <a:txBody>
+                    <a:bodyPr/>
+                    <a:lstStyle/>
+                    <a:p>
+                      <a:endParaRPr lang="en-SG" sz="1200" dirty="0"/>
+                    </a:p>
+                  </a:txBody>
+                  <a:tcPr/>
+                </a:tc>
+                <a:tc>
+                  <a:txBody>
+                    <a:bodyPr/>
+                    <a:lstStyle/>
+                    <a:p>
+                      <a:endParaRPr lang="en-SG" sz="1200"/>
+                    </a:p>
+                  </a:txBody>
+                  <a:tcPr/>
+                </a:tc>
+                <a:tc>
+                  <a:txBody>
+                    <a:bodyPr/>
+                    <a:lstStyle/>
+                    <a:p>
+                      <a:endParaRPr lang="en-SG" sz="1200" dirty="0"/>
+                    </a:p>
+                  </a:txBody>
+                  <a:tcPr/>
+                </a:tc>
+                <a:extLst>
+                  <a:ext uri="{0D108BD9-81ED-4DB2-BD59-A6C34878D82A}">
+                    <a16:rowId xmlns:a16="http://schemas.microsoft.com/office/drawing/2014/main" val="2608334889"/>
+                  </a:ext>
+                </a:extLst>
+              </a:tr>
+              <a:tr h="324000">
+                <a:tc>
+                  <a:txBody>
+                    <a:bodyPr/>
+                    <a:lstStyle/>
+                    <a:p>
+                      <a:r>
+                        <a:rPr lang="en-SG" sz="1200" dirty="0"/>
+                        <a:t>B</a:t>
+                      </a:r>
+                    </a:p>
+                  </a:txBody>
+                  <a:tcPr/>
+                </a:tc>
+                <a:tc>
+                  <a:txBody>
+                    <a:bodyPr/>
+                    <a:lstStyle/>
+                    <a:p>
+                      <a:r>
+                        <a:rPr lang="en-SG" sz="1200" dirty="0"/>
+                        <a:t>2016-10-31</a:t>
+                      </a:r>
+                    </a:p>
+                  </a:txBody>
+                  <a:tcPr/>
+                </a:tc>
+                <a:tc>
+                  <a:txBody>
+                    <a:bodyPr/>
+                    <a:lstStyle/>
+                    <a:p>
+                      <a:endParaRPr lang="en-SG" sz="1200"/>
+                    </a:p>
+                  </a:txBody>
+                  <a:tcPr/>
+                </a:tc>
+                <a:tc>
+                  <a:txBody>
+                    <a:bodyPr/>
+                    <a:lstStyle/>
+                    <a:p>
+                      <a:endParaRPr lang="en-SG" sz="1200"/>
+                    </a:p>
+                  </a:txBody>
+                  <a:tcPr/>
+                </a:tc>
+                <a:tc>
+                  <a:txBody>
+                    <a:bodyPr/>
+                    <a:lstStyle/>
+                    <a:p>
+                      <a:endParaRPr lang="en-SG" sz="1200"/>
+                    </a:p>
+                  </a:txBody>
+                  <a:tcPr/>
+                </a:tc>
+                <a:tc>
+                  <a:txBody>
+                    <a:bodyPr/>
+                    <a:lstStyle/>
+                    <a:p>
+                      <a:endParaRPr lang="en-SG" sz="1200" dirty="0"/>
+                    </a:p>
+                  </a:txBody>
+                  <a:tcPr/>
+                </a:tc>
+                <a:tc>
+                  <a:txBody>
+                    <a:bodyPr/>
+                    <a:lstStyle/>
+                    <a:p>
+                      <a:endParaRPr lang="en-SG" sz="1200" dirty="0"/>
+                    </a:p>
+                  </a:txBody>
+                  <a:tcPr/>
+                </a:tc>
+                <a:extLst>
+                  <a:ext uri="{0D108BD9-81ED-4DB2-BD59-A6C34878D82A}">
+                    <a16:rowId xmlns:a16="http://schemas.microsoft.com/office/drawing/2014/main" val="1109806333"/>
+                  </a:ext>
+                </a:extLst>
+              </a:tr>
+              <a:tr h="324000">
+                <a:tc>
+                  <a:txBody>
+                    <a:bodyPr/>
+                    <a:lstStyle/>
+                    <a:p>
+                      <a:r>
+                        <a:rPr lang="en-SG" sz="1200" dirty="0"/>
+                        <a:t>B</a:t>
+                      </a:r>
+                    </a:p>
+                  </a:txBody>
+                  <a:tcPr/>
+                </a:tc>
+                <a:tc>
+                  <a:txBody>
+                    <a:bodyPr/>
+                    <a:lstStyle/>
+                    <a:p>
+                      <a:r>
+                        <a:rPr lang="en-SG" sz="1200" dirty="0"/>
+                        <a:t>2017-01-31</a:t>
+                      </a:r>
+                    </a:p>
+                  </a:txBody>
+                  <a:tcPr/>
+                </a:tc>
+                <a:tc>
+                  <a:txBody>
+                    <a:bodyPr/>
+                    <a:lstStyle/>
+                    <a:p>
+                      <a:endParaRPr lang="en-SG" sz="1200"/>
+                    </a:p>
+                  </a:txBody>
+                  <a:tcPr/>
+                </a:tc>
+                <a:tc>
+                  <a:txBody>
+                    <a:bodyPr/>
+                    <a:lstStyle/>
+                    <a:p>
+                      <a:endParaRPr lang="en-SG" sz="1200"/>
+                    </a:p>
+                  </a:txBody>
+                  <a:tcPr/>
+                </a:tc>
+                <a:tc>
+                  <a:txBody>
+                    <a:bodyPr/>
+                    <a:lstStyle/>
+                    <a:p>
+                      <a:endParaRPr lang="en-SG" sz="1200"/>
+                    </a:p>
+                  </a:txBody>
+                  <a:tcPr/>
+                </a:tc>
+                <a:tc>
+                  <a:txBody>
+                    <a:bodyPr/>
+                    <a:lstStyle/>
+                    <a:p>
+                      <a:endParaRPr lang="en-SG" sz="1200" dirty="0"/>
+                    </a:p>
+                  </a:txBody>
+                  <a:tcPr/>
+                </a:tc>
+                <a:tc>
+                  <a:txBody>
+                    <a:bodyPr/>
+                    <a:lstStyle/>
+                    <a:p>
+                      <a:endParaRPr lang="en-SG" sz="1200" dirty="0"/>
+                    </a:p>
+                  </a:txBody>
+                  <a:tcPr/>
+                </a:tc>
+                <a:extLst>
+                  <a:ext uri="{0D108BD9-81ED-4DB2-BD59-A6C34878D82A}">
+                    <a16:rowId xmlns:a16="http://schemas.microsoft.com/office/drawing/2014/main" val="168027370"/>
+                  </a:ext>
+                </a:extLst>
+              </a:tr>
+              <a:tr h="324000">
+                <a:tc>
+                  <a:txBody>
+                    <a:bodyPr/>
+                    <a:lstStyle/>
+                    <a:p>
+                      <a:r>
+                        <a:rPr lang="en-SG" sz="1200" dirty="0"/>
+                        <a:t>C</a:t>
+                      </a:r>
+                    </a:p>
+                  </a:txBody>
+                  <a:tcPr/>
+                </a:tc>
+                <a:tc>
+                  <a:txBody>
+                    <a:bodyPr/>
+                    <a:lstStyle/>
+                    <a:p>
+                      <a:r>
+                        <a:rPr lang="en-SG" sz="1200" dirty="0"/>
+                        <a:t>2016-10-31</a:t>
+                      </a:r>
+                    </a:p>
+                  </a:txBody>
+                  <a:tcPr/>
+                </a:tc>
+                <a:tc>
+                  <a:txBody>
+                    <a:bodyPr/>
+                    <a:lstStyle/>
+                    <a:p>
+                      <a:endParaRPr lang="en-SG" sz="1200"/>
+                    </a:p>
+                  </a:txBody>
+                  <a:tcPr/>
+                </a:tc>
+                <a:tc>
+                  <a:txBody>
+                    <a:bodyPr/>
+                    <a:lstStyle/>
+                    <a:p>
+                      <a:endParaRPr lang="en-SG" sz="1200" dirty="0"/>
+                    </a:p>
+                  </a:txBody>
+                  <a:tcPr/>
+                </a:tc>
+                <a:tc>
+                  <a:txBody>
+                    <a:bodyPr/>
+                    <a:lstStyle/>
+                    <a:p>
+                      <a:endParaRPr lang="en-SG" sz="1200"/>
+                    </a:p>
+                  </a:txBody>
+                  <a:tcPr/>
+                </a:tc>
+                <a:tc>
+                  <a:txBody>
+                    <a:bodyPr/>
+                    <a:lstStyle/>
+                    <a:p>
+                      <a:endParaRPr lang="en-SG" sz="1200" dirty="0"/>
+                    </a:p>
+                  </a:txBody>
+                  <a:tcPr/>
+                </a:tc>
+                <a:tc>
+                  <a:txBody>
+                    <a:bodyPr/>
+                    <a:lstStyle/>
+                    <a:p>
+                      <a:endParaRPr lang="en-SG" sz="1200" dirty="0"/>
+                    </a:p>
+                  </a:txBody>
+                  <a:tcPr/>
+                </a:tc>
+                <a:extLst>
+                  <a:ext uri="{0D108BD9-81ED-4DB2-BD59-A6C34878D82A}">
+                    <a16:rowId xmlns:a16="http://schemas.microsoft.com/office/drawing/2014/main" val="3689786999"/>
+                  </a:ext>
+                </a:extLst>
+              </a:tr>
+            </a:tbl>
+          </a:graphicData>
+        </a:graphic>
+      </p:graphicFrame>
+      <p:graphicFrame>
+        <p:nvGraphicFramePr>
+          <p:cNvPr id="6" name="Table 5">
+            <a:extLst>
+              <a:ext uri="{FF2B5EF4-FFF2-40B4-BE49-F238E27FC236}">
+                <a16:creationId xmlns:a16="http://schemas.microsoft.com/office/drawing/2014/main" id="{BDA742A4-75BF-1F06-E02B-0C9A53ABC81B}"/>
+              </a:ext>
+            </a:extLst>
+          </p:cNvPr>
+          <p:cNvGraphicFramePr>
+            <a:graphicFrameLocks noGrp="1"/>
+          </p:cNvGraphicFramePr>
+          <p:nvPr>
+            <p:extLst>
+              <p:ext uri="{D42A27DB-BD31-4B8C-83A1-F6EECF244321}">
+                <p14:modId xmlns:p14="http://schemas.microsoft.com/office/powerpoint/2010/main" val="767356526"/>
+              </p:ext>
+            </p:extLst>
+          </p:nvPr>
+        </p:nvGraphicFramePr>
+        <p:xfrm>
+          <a:off x="4369469" y="3681713"/>
+          <a:ext cx="7762146" cy="2271933"/>
+        </p:xfrm>
+        <a:graphic>
+          <a:graphicData uri="http://schemas.openxmlformats.org/drawingml/2006/table">
+            <a:tbl>
+              <a:tblPr firstRow="1" bandRow="1">
+                <a:tableStyleId>{F5AB1C69-6EDB-4FF4-983F-18BD219EF322}</a:tableStyleId>
+              </a:tblPr>
+              <a:tblGrid>
+                <a:gridCol w="1108878">
+                  <a:extLst>
+                    <a:ext uri="{9D8B030D-6E8A-4147-A177-3AD203B41FA5}">
+                      <a16:colId xmlns:a16="http://schemas.microsoft.com/office/drawing/2014/main" val="3814351907"/>
+                    </a:ext>
+                  </a:extLst>
+                </a:gridCol>
+                <a:gridCol w="1108878">
+                  <a:extLst>
+                    <a:ext uri="{9D8B030D-6E8A-4147-A177-3AD203B41FA5}">
+                      <a16:colId xmlns:a16="http://schemas.microsoft.com/office/drawing/2014/main" val="884477158"/>
+                    </a:ext>
+                  </a:extLst>
+                </a:gridCol>
+                <a:gridCol w="1108878">
+                  <a:extLst>
+                    <a:ext uri="{9D8B030D-6E8A-4147-A177-3AD203B41FA5}">
+                      <a16:colId xmlns:a16="http://schemas.microsoft.com/office/drawing/2014/main" val="2419652167"/>
+                    </a:ext>
+                  </a:extLst>
+                </a:gridCol>
+                <a:gridCol w="1108878">
+                  <a:extLst>
+                    <a:ext uri="{9D8B030D-6E8A-4147-A177-3AD203B41FA5}">
+                      <a16:colId xmlns:a16="http://schemas.microsoft.com/office/drawing/2014/main" val="450201316"/>
+                    </a:ext>
+                  </a:extLst>
+                </a:gridCol>
+                <a:gridCol w="1108878">
+                  <a:extLst>
+                    <a:ext uri="{9D8B030D-6E8A-4147-A177-3AD203B41FA5}">
+                      <a16:colId xmlns:a16="http://schemas.microsoft.com/office/drawing/2014/main" val="1655988978"/>
+                    </a:ext>
+                  </a:extLst>
+                </a:gridCol>
+                <a:gridCol w="1108878">
+                  <a:extLst>
+                    <a:ext uri="{9D8B030D-6E8A-4147-A177-3AD203B41FA5}">
+                      <a16:colId xmlns:a16="http://schemas.microsoft.com/office/drawing/2014/main" val="4128006171"/>
+                    </a:ext>
+                  </a:extLst>
+                </a:gridCol>
+                <a:gridCol w="1108878">
+                  <a:extLst>
+                    <a:ext uri="{9D8B030D-6E8A-4147-A177-3AD203B41FA5}">
+                      <a16:colId xmlns:a16="http://schemas.microsoft.com/office/drawing/2014/main" val="2729079198"/>
+                    </a:ext>
+                  </a:extLst>
+                </a:gridCol>
+              </a:tblGrid>
+              <a:tr h="651933">
+                <a:tc>
+                  <a:txBody>
+                    <a:bodyPr/>
+                    <a:lstStyle/>
+                    <a:p>
+                      <a:r>
+                        <a:rPr lang="en-SG" sz="1200" dirty="0"/>
+                        <a:t>Ticker</a:t>
+                      </a:r>
+                    </a:p>
+                  </a:txBody>
+                  <a:tcPr/>
+                </a:tc>
+                <a:tc>
+                  <a:txBody>
+                    <a:bodyPr/>
+                    <a:lstStyle/>
+                    <a:p>
+                      <a:r>
+                        <a:rPr lang="en-SG" sz="1200" dirty="0"/>
+                        <a:t>Report Date</a:t>
+                      </a:r>
+                    </a:p>
+                  </a:txBody>
+                  <a:tcPr/>
+                </a:tc>
+                <a:tc>
+                  <a:txBody>
+                    <a:bodyPr/>
+                    <a:lstStyle/>
+                    <a:p>
+                      <a:r>
+                        <a:rPr lang="en-SG" sz="1200" dirty="0"/>
+                        <a:t>Net Income</a:t>
+                      </a:r>
+                    </a:p>
+                  </a:txBody>
+                  <a:tcPr/>
+                </a:tc>
+                <a:tc>
+                  <a:txBody>
+                    <a:bodyPr/>
+                    <a:lstStyle/>
+                    <a:p>
+                      <a:r>
+                        <a:rPr lang="en-SG" sz="1200" dirty="0"/>
+                        <a:t>Depreciation &amp; Amortization</a:t>
+                      </a:r>
+                    </a:p>
+                  </a:txBody>
+                  <a:tcPr/>
+                </a:tc>
+                <a:tc>
+                  <a:txBody>
+                    <a:bodyPr/>
+                    <a:lstStyle/>
+                    <a:p>
+                      <a:r>
+                        <a:rPr lang="en-SG" sz="1200" dirty="0"/>
+                        <a:t>Net Cash from Operation</a:t>
+                      </a:r>
+                    </a:p>
+                  </a:txBody>
+                  <a:tcPr/>
+                </a:tc>
+                <a:tc>
+                  <a:txBody>
+                    <a:bodyPr/>
+                    <a:lstStyle/>
+                    <a:p>
+                      <a:r>
+                        <a:rPr lang="en-SG" sz="1200" dirty="0"/>
+                        <a:t>Change in Fixed Assets</a:t>
+                      </a:r>
+                    </a:p>
+                  </a:txBody>
+                  <a:tcPr/>
+                </a:tc>
+                <a:tc>
+                  <a:txBody>
+                    <a:bodyPr/>
+                    <a:lstStyle/>
+                    <a:p>
+                      <a:r>
+                        <a:rPr lang="en-SG" sz="1200" dirty="0"/>
+                        <a:t>Net change in LT investments</a:t>
+                      </a:r>
+                    </a:p>
+                  </a:txBody>
+                  <a:tcPr/>
+                </a:tc>
+                <a:extLst>
+                  <a:ext uri="{0D108BD9-81ED-4DB2-BD59-A6C34878D82A}">
+                    <a16:rowId xmlns:a16="http://schemas.microsoft.com/office/drawing/2014/main" val="3840214945"/>
+                  </a:ext>
+                </a:extLst>
+              </a:tr>
+              <a:tr h="324000">
+                <a:tc>
+                  <a:txBody>
+                    <a:bodyPr/>
+                    <a:lstStyle/>
+                    <a:p>
+                      <a:r>
+                        <a:rPr lang="en-SG" sz="1200" dirty="0"/>
+                        <a:t>A</a:t>
+                      </a:r>
+                    </a:p>
+                  </a:txBody>
+                  <a:tcPr/>
+                </a:tc>
+                <a:tc>
+                  <a:txBody>
+                    <a:bodyPr/>
+                    <a:lstStyle/>
+                    <a:p>
+                      <a:r>
+                        <a:rPr lang="en-SG" sz="1200" dirty="0"/>
+                        <a:t>2016-10-31</a:t>
+                      </a:r>
+                    </a:p>
+                  </a:txBody>
+                  <a:tcPr/>
+                </a:tc>
+                <a:tc>
+                  <a:txBody>
+                    <a:bodyPr/>
+                    <a:lstStyle/>
+                    <a:p>
+                      <a:endParaRPr lang="en-SG" sz="1200" dirty="0"/>
+                    </a:p>
+                  </a:txBody>
+                  <a:tcPr/>
+                </a:tc>
+                <a:tc>
+                  <a:txBody>
+                    <a:bodyPr/>
+                    <a:lstStyle/>
+                    <a:p>
+                      <a:endParaRPr lang="en-SG" sz="1200" dirty="0"/>
+                    </a:p>
+                  </a:txBody>
+                  <a:tcPr/>
+                </a:tc>
+                <a:tc>
+                  <a:txBody>
+                    <a:bodyPr/>
+                    <a:lstStyle/>
+                    <a:p>
+                      <a:endParaRPr lang="en-SG" sz="1200" dirty="0"/>
+                    </a:p>
+                  </a:txBody>
+                  <a:tcPr/>
+                </a:tc>
+                <a:tc>
+                  <a:txBody>
+                    <a:bodyPr/>
+                    <a:lstStyle/>
+                    <a:p>
+                      <a:endParaRPr lang="en-SG" sz="1200" dirty="0"/>
+                    </a:p>
+                  </a:txBody>
+                  <a:tcPr/>
+                </a:tc>
+                <a:tc>
+                  <a:txBody>
+                    <a:bodyPr/>
+                    <a:lstStyle/>
+                    <a:p>
+                      <a:endParaRPr lang="en-SG" sz="1200" dirty="0"/>
+                    </a:p>
+                  </a:txBody>
+                  <a:tcPr/>
+                </a:tc>
+                <a:extLst>
+                  <a:ext uri="{0D108BD9-81ED-4DB2-BD59-A6C34878D82A}">
+                    <a16:rowId xmlns:a16="http://schemas.microsoft.com/office/drawing/2014/main" val="1244702841"/>
+                  </a:ext>
+                </a:extLst>
+              </a:tr>
+              <a:tr h="324000">
+                <a:tc>
+                  <a:txBody>
+                    <a:bodyPr/>
+                    <a:lstStyle/>
+                    <a:p>
+                      <a:r>
+                        <a:rPr lang="en-SG" sz="1200" dirty="0"/>
+                        <a:t>A</a:t>
+                      </a:r>
+                    </a:p>
+                  </a:txBody>
+                  <a:tcPr/>
+                </a:tc>
+                <a:tc>
+                  <a:txBody>
+                    <a:bodyPr/>
+                    <a:lstStyle/>
+                    <a:p>
+                      <a:r>
+                        <a:rPr lang="en-SG" sz="1200" dirty="0"/>
+                        <a:t>2017-01-31</a:t>
+                      </a:r>
+                    </a:p>
+                  </a:txBody>
+                  <a:tcPr/>
+                </a:tc>
+                <a:tc>
+                  <a:txBody>
+                    <a:bodyPr/>
+                    <a:lstStyle/>
+                    <a:p>
+                      <a:endParaRPr lang="en-SG" sz="1200"/>
+                    </a:p>
+                  </a:txBody>
+                  <a:tcPr/>
+                </a:tc>
+                <a:tc>
+                  <a:txBody>
+                    <a:bodyPr/>
+                    <a:lstStyle/>
+                    <a:p>
+                      <a:endParaRPr lang="en-SG" sz="1200" dirty="0"/>
+                    </a:p>
+                  </a:txBody>
+                  <a:tcPr/>
+                </a:tc>
+                <a:tc>
+                  <a:txBody>
+                    <a:bodyPr/>
+                    <a:lstStyle/>
+                    <a:p>
+                      <a:endParaRPr lang="en-SG" sz="1200" dirty="0"/>
+                    </a:p>
+                  </a:txBody>
+                  <a:tcPr/>
+                </a:tc>
+                <a:tc>
+                  <a:txBody>
+                    <a:bodyPr/>
+                    <a:lstStyle/>
+                    <a:p>
+                      <a:endParaRPr lang="en-SG" sz="1200"/>
+                    </a:p>
+                  </a:txBody>
+                  <a:tcPr/>
+                </a:tc>
+                <a:tc>
+                  <a:txBody>
+                    <a:bodyPr/>
+                    <a:lstStyle/>
+                    <a:p>
+                      <a:endParaRPr lang="en-SG" sz="1200" dirty="0"/>
+                    </a:p>
+                  </a:txBody>
+                  <a:tcPr/>
+                </a:tc>
+                <a:extLst>
+                  <a:ext uri="{0D108BD9-81ED-4DB2-BD59-A6C34878D82A}">
+                    <a16:rowId xmlns:a16="http://schemas.microsoft.com/office/drawing/2014/main" val="2608334889"/>
+                  </a:ext>
+                </a:extLst>
+              </a:tr>
+              <a:tr h="324000">
+                <a:tc>
+                  <a:txBody>
+                    <a:bodyPr/>
+                    <a:lstStyle/>
+                    <a:p>
+                      <a:r>
+                        <a:rPr lang="en-SG" sz="1200" dirty="0"/>
+                        <a:t>B</a:t>
+                      </a:r>
+                    </a:p>
+                  </a:txBody>
+                  <a:tcPr/>
+                </a:tc>
+                <a:tc>
+                  <a:txBody>
+                    <a:bodyPr/>
+                    <a:lstStyle/>
+                    <a:p>
+                      <a:r>
+                        <a:rPr lang="en-SG" sz="1200" dirty="0"/>
+                        <a:t>2016-10-31</a:t>
+                      </a:r>
+                    </a:p>
+                  </a:txBody>
+                  <a:tcPr/>
+                </a:tc>
+                <a:tc>
+                  <a:txBody>
+                    <a:bodyPr/>
+                    <a:lstStyle/>
+                    <a:p>
+                      <a:endParaRPr lang="en-SG" sz="1200"/>
+                    </a:p>
+                  </a:txBody>
+                  <a:tcPr/>
+                </a:tc>
+                <a:tc>
+                  <a:txBody>
+                    <a:bodyPr/>
+                    <a:lstStyle/>
+                    <a:p>
+                      <a:endParaRPr lang="en-SG" sz="1200"/>
+                    </a:p>
+                  </a:txBody>
+                  <a:tcPr/>
+                </a:tc>
+                <a:tc>
+                  <a:txBody>
+                    <a:bodyPr/>
+                    <a:lstStyle/>
+                    <a:p>
+                      <a:endParaRPr lang="en-SG" sz="1200"/>
+                    </a:p>
+                  </a:txBody>
+                  <a:tcPr/>
+                </a:tc>
+                <a:tc>
+                  <a:txBody>
+                    <a:bodyPr/>
+                    <a:lstStyle/>
+                    <a:p>
+                      <a:endParaRPr lang="en-SG" sz="1200" dirty="0"/>
+                    </a:p>
+                  </a:txBody>
+                  <a:tcPr/>
+                </a:tc>
+                <a:tc>
+                  <a:txBody>
+                    <a:bodyPr/>
+                    <a:lstStyle/>
+                    <a:p>
+                      <a:endParaRPr lang="en-SG" sz="1200" dirty="0"/>
+                    </a:p>
+                  </a:txBody>
+                  <a:tcPr/>
+                </a:tc>
+                <a:extLst>
+                  <a:ext uri="{0D108BD9-81ED-4DB2-BD59-A6C34878D82A}">
+                    <a16:rowId xmlns:a16="http://schemas.microsoft.com/office/drawing/2014/main" val="1109806333"/>
+                  </a:ext>
+                </a:extLst>
+              </a:tr>
+              <a:tr h="324000">
+                <a:tc>
+                  <a:txBody>
+                    <a:bodyPr/>
+                    <a:lstStyle/>
+                    <a:p>
+                      <a:r>
+                        <a:rPr lang="en-SG" sz="1200" dirty="0"/>
+                        <a:t>B</a:t>
+                      </a:r>
+                    </a:p>
+                  </a:txBody>
+                  <a:tcPr/>
+                </a:tc>
+                <a:tc>
+                  <a:txBody>
+                    <a:bodyPr/>
+                    <a:lstStyle/>
+                    <a:p>
+                      <a:r>
+                        <a:rPr lang="en-SG" sz="1200" dirty="0"/>
+                        <a:t>2017-01-31</a:t>
+                      </a:r>
+                    </a:p>
+                  </a:txBody>
+                  <a:tcPr/>
+                </a:tc>
+                <a:tc>
+                  <a:txBody>
+                    <a:bodyPr/>
+                    <a:lstStyle/>
+                    <a:p>
+                      <a:endParaRPr lang="en-SG" sz="1200"/>
+                    </a:p>
+                  </a:txBody>
+                  <a:tcPr/>
+                </a:tc>
+                <a:tc>
+                  <a:txBody>
+                    <a:bodyPr/>
+                    <a:lstStyle/>
+                    <a:p>
+                      <a:endParaRPr lang="en-SG" sz="1200"/>
+                    </a:p>
+                  </a:txBody>
+                  <a:tcPr/>
+                </a:tc>
+                <a:tc>
+                  <a:txBody>
+                    <a:bodyPr/>
+                    <a:lstStyle/>
+                    <a:p>
+                      <a:endParaRPr lang="en-SG" sz="1200"/>
+                    </a:p>
+                  </a:txBody>
+                  <a:tcPr/>
+                </a:tc>
+                <a:tc>
+                  <a:txBody>
+                    <a:bodyPr/>
+                    <a:lstStyle/>
+                    <a:p>
+                      <a:endParaRPr lang="en-SG" sz="1200" dirty="0"/>
+                    </a:p>
+                  </a:txBody>
+                  <a:tcPr/>
+                </a:tc>
+                <a:tc>
+                  <a:txBody>
+                    <a:bodyPr/>
+                    <a:lstStyle/>
+                    <a:p>
+                      <a:endParaRPr lang="en-SG" sz="1200" dirty="0"/>
+                    </a:p>
+                  </a:txBody>
+                  <a:tcPr/>
+                </a:tc>
+                <a:extLst>
+                  <a:ext uri="{0D108BD9-81ED-4DB2-BD59-A6C34878D82A}">
+                    <a16:rowId xmlns:a16="http://schemas.microsoft.com/office/drawing/2014/main" val="168027370"/>
+                  </a:ext>
+                </a:extLst>
+              </a:tr>
+              <a:tr h="324000">
+                <a:tc>
+                  <a:txBody>
+                    <a:bodyPr/>
+                    <a:lstStyle/>
+                    <a:p>
+                      <a:r>
+                        <a:rPr lang="en-SG" sz="1200" dirty="0"/>
+                        <a:t>C</a:t>
+                      </a:r>
+                    </a:p>
+                  </a:txBody>
+                  <a:tcPr/>
+                </a:tc>
+                <a:tc>
+                  <a:txBody>
+                    <a:bodyPr/>
+                    <a:lstStyle/>
+                    <a:p>
+                      <a:r>
+                        <a:rPr lang="en-SG" sz="1200" dirty="0"/>
+                        <a:t>2016-10-31</a:t>
+                      </a:r>
+                    </a:p>
+                  </a:txBody>
+                  <a:tcPr/>
+                </a:tc>
+                <a:tc>
+                  <a:txBody>
+                    <a:bodyPr/>
+                    <a:lstStyle/>
+                    <a:p>
+                      <a:endParaRPr lang="en-SG" sz="1200"/>
+                    </a:p>
+                  </a:txBody>
+                  <a:tcPr/>
+                </a:tc>
+                <a:tc>
+                  <a:txBody>
+                    <a:bodyPr/>
+                    <a:lstStyle/>
+                    <a:p>
+                      <a:endParaRPr lang="en-SG" sz="1200" dirty="0"/>
+                    </a:p>
+                  </a:txBody>
+                  <a:tcPr/>
+                </a:tc>
+                <a:tc>
+                  <a:txBody>
+                    <a:bodyPr/>
+                    <a:lstStyle/>
+                    <a:p>
+                      <a:endParaRPr lang="en-SG" sz="1200"/>
+                    </a:p>
+                  </a:txBody>
+                  <a:tcPr/>
+                </a:tc>
+                <a:tc>
+                  <a:txBody>
+                    <a:bodyPr/>
+                    <a:lstStyle/>
+                    <a:p>
+                      <a:endParaRPr lang="en-SG" sz="1200" dirty="0"/>
+                    </a:p>
+                  </a:txBody>
+                  <a:tcPr/>
+                </a:tc>
+                <a:tc>
+                  <a:txBody>
+                    <a:bodyPr/>
+                    <a:lstStyle/>
+                    <a:p>
+                      <a:endParaRPr lang="en-SG" sz="1200" dirty="0"/>
+                    </a:p>
+                  </a:txBody>
+                  <a:tcPr/>
+                </a:tc>
+                <a:extLst>
+                  <a:ext uri="{0D108BD9-81ED-4DB2-BD59-A6C34878D82A}">
+                    <a16:rowId xmlns:a16="http://schemas.microsoft.com/office/drawing/2014/main" val="3689786999"/>
+                  </a:ext>
+                </a:extLst>
+              </a:tr>
+            </a:tbl>
+          </a:graphicData>
+        </a:graphic>
+      </p:graphicFrame>
+    </p:spTree>
+    <p:extLst>
+      <p:ext uri="{BB962C8B-B14F-4D97-AF65-F5344CB8AC3E}">
+        <p14:creationId xmlns:p14="http://schemas.microsoft.com/office/powerpoint/2010/main" val="2085370447"/>
+      </p:ext>
+    </p:extLst>
+  </p:cSld>
+  <p:clrMapOvr>
+    <a:masterClrMapping/>
+  </p:clrMapOvr>
+</p:sld>
+</file>
+
+<file path=ppt/slides/slide8.xml><?xml version="1.0" encoding="utf-8"?>
+<p:sld xmlns:a="http://schemas.openxmlformats.org/drawingml/2006/main" xmlns:r="http://schemas.openxmlformats.org/officeDocument/2006/relationships" xmlns:p="http://schemas.openxmlformats.org/presentationml/2006/main">
+  <p:cSld>
+    <p:spTree>
+      <p:nvGrpSpPr>
+        <p:cNvPr id="1" name=""/>
+        <p:cNvGrpSpPr/>
+        <p:nvPr/>
+      </p:nvGrpSpPr>
+      <p:grpSpPr>
+        <a:xfrm>
+          <a:off x="0" y="0"/>
+          <a:ext cx="0" cy="0"/>
+          <a:chOff x="0" y="0"/>
+          <a:chExt cx="0" cy="0"/>
+        </a:xfrm>
+      </p:grpSpPr>
+      <p:sp>
+        <p:nvSpPr>
+          <p:cNvPr id="2" name="Title 1">
+            <a:extLst>
+              <a:ext uri="{FF2B5EF4-FFF2-40B4-BE49-F238E27FC236}">
+                <a16:creationId xmlns:a16="http://schemas.microsoft.com/office/drawing/2014/main" id="{86C17E2C-74FA-FA93-8FA0-16CF4143C1CC}"/>
+              </a:ext>
+            </a:extLst>
+          </p:cNvPr>
+          <p:cNvSpPr>
+            <a:spLocks noGrp="1"/>
+          </p:cNvSpPr>
+          <p:nvPr>
+            <p:ph type="title"/>
+          </p:nvPr>
+        </p:nvSpPr>
+        <p:spPr/>
+        <p:txBody>
+          <a:bodyPr/>
+          <a:lstStyle/>
+          <a:p>
+            <a:r>
+              <a:rPr lang="en-SG" dirty="0"/>
+              <a:t>Price dataset</a:t>
+            </a:r>
+            <a:br>
+              <a:rPr lang="en-SG" dirty="0"/>
+            </a:br>
+            <a:r>
+              <a:rPr lang="en-SG" dirty="0"/>
+              <a:t>Contains 5 years of price information</a:t>
+            </a:r>
+          </a:p>
+        </p:txBody>
+      </p:sp>
+      <p:graphicFrame>
+        <p:nvGraphicFramePr>
+          <p:cNvPr id="4" name="Table 4">
+            <a:extLst>
+              <a:ext uri="{FF2B5EF4-FFF2-40B4-BE49-F238E27FC236}">
+                <a16:creationId xmlns:a16="http://schemas.microsoft.com/office/drawing/2014/main" id="{D904B7C3-9D77-723F-082B-CB0F61D8792F}"/>
+              </a:ext>
+            </a:extLst>
+          </p:cNvPr>
+          <p:cNvGraphicFramePr>
+            <a:graphicFrameLocks noGrp="1"/>
+          </p:cNvGraphicFramePr>
+          <p:nvPr>
+            <p:extLst>
+              <p:ext uri="{D42A27DB-BD31-4B8C-83A1-F6EECF244321}">
+                <p14:modId xmlns:p14="http://schemas.microsoft.com/office/powerpoint/2010/main" val="1745984518"/>
+              </p:ext>
+            </p:extLst>
+          </p:nvPr>
+        </p:nvGraphicFramePr>
+        <p:xfrm>
+          <a:off x="741390" y="1918739"/>
+          <a:ext cx="9325638" cy="2271933"/>
+        </p:xfrm>
+        <a:graphic>
+          <a:graphicData uri="http://schemas.openxmlformats.org/drawingml/2006/table">
+            <a:tbl>
+              <a:tblPr firstRow="1" bandRow="1">
+                <a:tableStyleId>{5C22544A-7EE6-4342-B048-85BDC9FD1C3A}</a:tableStyleId>
+              </a:tblPr>
+              <a:tblGrid>
+                <a:gridCol w="1036182">
+                  <a:extLst>
+                    <a:ext uri="{9D8B030D-6E8A-4147-A177-3AD203B41FA5}">
+                      <a16:colId xmlns:a16="http://schemas.microsoft.com/office/drawing/2014/main" val="3814351907"/>
+                    </a:ext>
+                  </a:extLst>
+                </a:gridCol>
+                <a:gridCol w="1036182">
+                  <a:extLst>
+                    <a:ext uri="{9D8B030D-6E8A-4147-A177-3AD203B41FA5}">
+                      <a16:colId xmlns:a16="http://schemas.microsoft.com/office/drawing/2014/main" val="884477158"/>
+                    </a:ext>
+                  </a:extLst>
+                </a:gridCol>
+                <a:gridCol w="1036182">
+                  <a:extLst>
+                    <a:ext uri="{9D8B030D-6E8A-4147-A177-3AD203B41FA5}">
+                      <a16:colId xmlns:a16="http://schemas.microsoft.com/office/drawing/2014/main" val="2419652167"/>
+                    </a:ext>
+                  </a:extLst>
+                </a:gridCol>
+                <a:gridCol w="1036182">
+                  <a:extLst>
+                    <a:ext uri="{9D8B030D-6E8A-4147-A177-3AD203B41FA5}">
+                      <a16:colId xmlns:a16="http://schemas.microsoft.com/office/drawing/2014/main" val="450201316"/>
+                    </a:ext>
+                  </a:extLst>
+                </a:gridCol>
+                <a:gridCol w="1036182">
+                  <a:extLst>
+                    <a:ext uri="{9D8B030D-6E8A-4147-A177-3AD203B41FA5}">
+                      <a16:colId xmlns:a16="http://schemas.microsoft.com/office/drawing/2014/main" val="1655988978"/>
+                    </a:ext>
+                  </a:extLst>
+                </a:gridCol>
+                <a:gridCol w="1036182">
+                  <a:extLst>
+                    <a:ext uri="{9D8B030D-6E8A-4147-A177-3AD203B41FA5}">
+                      <a16:colId xmlns:a16="http://schemas.microsoft.com/office/drawing/2014/main" val="4128006171"/>
+                    </a:ext>
+                  </a:extLst>
+                </a:gridCol>
+                <a:gridCol w="1036182">
+                  <a:extLst>
+                    <a:ext uri="{9D8B030D-6E8A-4147-A177-3AD203B41FA5}">
+                      <a16:colId xmlns:a16="http://schemas.microsoft.com/office/drawing/2014/main" val="2729079198"/>
+                    </a:ext>
+                  </a:extLst>
+                </a:gridCol>
+                <a:gridCol w="1036182">
+                  <a:extLst>
+                    <a:ext uri="{9D8B030D-6E8A-4147-A177-3AD203B41FA5}">
+                      <a16:colId xmlns:a16="http://schemas.microsoft.com/office/drawing/2014/main" val="3532494266"/>
+                    </a:ext>
+                  </a:extLst>
+                </a:gridCol>
+                <a:gridCol w="1036182">
+                  <a:extLst>
+                    <a:ext uri="{9D8B030D-6E8A-4147-A177-3AD203B41FA5}">
+                      <a16:colId xmlns:a16="http://schemas.microsoft.com/office/drawing/2014/main" val="689054234"/>
+                    </a:ext>
+                  </a:extLst>
+                </a:gridCol>
+              </a:tblGrid>
+              <a:tr h="651933">
+                <a:tc>
+                  <a:txBody>
+                    <a:bodyPr/>
+                    <a:lstStyle/>
+                    <a:p>
+                      <a:r>
+                        <a:rPr lang="en-SG" sz="1200" dirty="0"/>
+                        <a:t>Ticker</a:t>
+                      </a:r>
+                    </a:p>
+                  </a:txBody>
+                  <a:tcPr/>
+                </a:tc>
+                <a:tc>
+                  <a:txBody>
+                    <a:bodyPr/>
+                    <a:lstStyle/>
+                    <a:p>
+                      <a:r>
+                        <a:rPr lang="en-SG" sz="1200" dirty="0"/>
+                        <a:t>Date</a:t>
+                      </a:r>
+                    </a:p>
+                  </a:txBody>
+                  <a:tcPr/>
+                </a:tc>
+                <a:tc>
+                  <a:txBody>
+                    <a:bodyPr/>
+                    <a:lstStyle/>
+                    <a:p>
+                      <a:r>
+                        <a:rPr lang="en-SG" sz="1200" dirty="0"/>
+                        <a:t>Open</a:t>
+                      </a:r>
+                    </a:p>
+                  </a:txBody>
+                  <a:tcPr/>
+                </a:tc>
+                <a:tc>
+                  <a:txBody>
+                    <a:bodyPr/>
+                    <a:lstStyle/>
+                    <a:p>
+                      <a:r>
+                        <a:rPr lang="en-SG" sz="1200" dirty="0"/>
+                        <a:t>Low</a:t>
+                      </a:r>
+                    </a:p>
+                  </a:txBody>
+                  <a:tcPr/>
+                </a:tc>
+                <a:tc>
+                  <a:txBody>
+                    <a:bodyPr/>
+                    <a:lstStyle/>
+                    <a:p>
+                      <a:r>
+                        <a:rPr lang="en-SG" sz="1200" dirty="0"/>
+                        <a:t>High</a:t>
+                      </a:r>
+                    </a:p>
+                  </a:txBody>
+                  <a:tcPr/>
+                </a:tc>
+                <a:tc>
+                  <a:txBody>
+                    <a:bodyPr/>
+                    <a:lstStyle/>
+                    <a:p>
+                      <a:r>
+                        <a:rPr lang="en-SG" sz="1200" dirty="0"/>
+                        <a:t>Close</a:t>
+                      </a:r>
+                    </a:p>
+                  </a:txBody>
+                  <a:tcPr/>
+                </a:tc>
+                <a:tc>
+                  <a:txBody>
+                    <a:bodyPr/>
+                    <a:lstStyle/>
+                    <a:p>
+                      <a:r>
+                        <a:rPr lang="en-SG" sz="1200" dirty="0"/>
+                        <a:t>Dividend</a:t>
+                      </a:r>
+                    </a:p>
+                  </a:txBody>
+                  <a:tcPr/>
+                </a:tc>
+                <a:tc>
+                  <a:txBody>
+                    <a:bodyPr/>
+                    <a:lstStyle/>
+                    <a:p>
+                      <a:r>
+                        <a:rPr lang="en-SG" sz="1200" dirty="0"/>
+                        <a:t>Volume</a:t>
+                      </a:r>
+                    </a:p>
+                  </a:txBody>
+                  <a:tcPr/>
+                </a:tc>
+                <a:tc>
+                  <a:txBody>
+                    <a:bodyPr/>
+                    <a:lstStyle/>
+                    <a:p>
+                      <a:r>
+                        <a:rPr lang="en-SG" sz="1200" dirty="0"/>
+                        <a:t>Shares Outstanding</a:t>
+                      </a:r>
+                    </a:p>
+                  </a:txBody>
+                  <a:tcPr/>
+                </a:tc>
+                <a:extLst>
+                  <a:ext uri="{0D108BD9-81ED-4DB2-BD59-A6C34878D82A}">
+                    <a16:rowId xmlns:a16="http://schemas.microsoft.com/office/drawing/2014/main" val="3840214945"/>
+                  </a:ext>
+                </a:extLst>
+              </a:tr>
+              <a:tr h="324000">
+                <a:tc>
+                  <a:txBody>
+                    <a:bodyPr/>
+                    <a:lstStyle/>
+                    <a:p>
+                      <a:r>
+                        <a:rPr lang="en-SG" sz="1200" dirty="0"/>
+                        <a:t>A</a:t>
+                      </a:r>
+                    </a:p>
+                  </a:txBody>
+                  <a:tcPr/>
+                </a:tc>
+                <a:tc>
+                  <a:txBody>
+                    <a:bodyPr/>
+                    <a:lstStyle/>
+                    <a:p>
+                      <a:r>
+                        <a:rPr lang="en-SG" sz="1200" dirty="0"/>
+                        <a:t>2016-10-31</a:t>
+                      </a:r>
+                    </a:p>
+                  </a:txBody>
+                  <a:tcPr/>
+                </a:tc>
+                <a:tc>
+                  <a:txBody>
+                    <a:bodyPr/>
+                    <a:lstStyle/>
+                    <a:p>
+                      <a:endParaRPr lang="en-SG" sz="1200" dirty="0"/>
+                    </a:p>
+                  </a:txBody>
+                  <a:tcPr/>
+                </a:tc>
+                <a:tc>
+                  <a:txBody>
+                    <a:bodyPr/>
+                    <a:lstStyle/>
+                    <a:p>
+                      <a:endParaRPr lang="en-SG" sz="1200" dirty="0"/>
+                    </a:p>
+                  </a:txBody>
+                  <a:tcPr/>
+                </a:tc>
+                <a:tc>
+                  <a:txBody>
+                    <a:bodyPr/>
+                    <a:lstStyle/>
+                    <a:p>
+                      <a:endParaRPr lang="en-SG" sz="1200" dirty="0"/>
+                    </a:p>
+                  </a:txBody>
+                  <a:tcPr/>
+                </a:tc>
+                <a:tc>
+                  <a:txBody>
+                    <a:bodyPr/>
+                    <a:lstStyle/>
+                    <a:p>
+                      <a:endParaRPr lang="en-SG" sz="1200" dirty="0"/>
+                    </a:p>
+                  </a:txBody>
+                  <a:tcPr/>
+                </a:tc>
+                <a:tc>
+                  <a:txBody>
+                    <a:bodyPr/>
+                    <a:lstStyle/>
+                    <a:p>
+                      <a:endParaRPr lang="en-SG" sz="1200" dirty="0"/>
+                    </a:p>
+                  </a:txBody>
+                  <a:tcPr/>
+                </a:tc>
+                <a:tc>
+                  <a:txBody>
+                    <a:bodyPr/>
+                    <a:lstStyle/>
+                    <a:p>
+                      <a:endParaRPr lang="en-SG" sz="1200" dirty="0"/>
+                    </a:p>
+                  </a:txBody>
+                  <a:tcPr/>
+                </a:tc>
+                <a:tc>
+                  <a:txBody>
+                    <a:bodyPr/>
+                    <a:lstStyle/>
+                    <a:p>
+                      <a:endParaRPr lang="en-SG" sz="1200" dirty="0"/>
+                    </a:p>
+                  </a:txBody>
+                  <a:tcPr/>
+                </a:tc>
+                <a:extLst>
+                  <a:ext uri="{0D108BD9-81ED-4DB2-BD59-A6C34878D82A}">
+                    <a16:rowId xmlns:a16="http://schemas.microsoft.com/office/drawing/2014/main" val="1244702841"/>
+                  </a:ext>
+                </a:extLst>
+              </a:tr>
+              <a:tr h="324000">
+                <a:tc>
+                  <a:txBody>
+                    <a:bodyPr/>
+                    <a:lstStyle/>
+                    <a:p>
+                      <a:r>
+                        <a:rPr lang="en-SG" sz="1200" dirty="0"/>
+                        <a:t>A</a:t>
+                      </a:r>
+                    </a:p>
+                  </a:txBody>
+                  <a:tcPr/>
+                </a:tc>
+                <a:tc>
+                  <a:txBody>
+                    <a:bodyPr/>
+                    <a:lstStyle/>
+                    <a:p>
+                      <a:r>
+                        <a:rPr lang="en-SG" sz="1200" dirty="0"/>
+                        <a:t>2016-11-01</a:t>
+                      </a:r>
+                    </a:p>
+                  </a:txBody>
+                  <a:tcPr/>
+                </a:tc>
+                <a:tc>
+                  <a:txBody>
+                    <a:bodyPr/>
+                    <a:lstStyle/>
+                    <a:p>
+                      <a:endParaRPr lang="en-SG" sz="1200"/>
+                    </a:p>
+                  </a:txBody>
+                  <a:tcPr/>
+                </a:tc>
+                <a:tc>
+                  <a:txBody>
+                    <a:bodyPr/>
+                    <a:lstStyle/>
+                    <a:p>
+                      <a:endParaRPr lang="en-SG" sz="1200"/>
+                    </a:p>
+                  </a:txBody>
+                  <a:tcPr/>
+                </a:tc>
+                <a:tc>
+                  <a:txBody>
+                    <a:bodyPr/>
+                    <a:lstStyle/>
+                    <a:p>
+                      <a:endParaRPr lang="en-SG" sz="1200" dirty="0"/>
+                    </a:p>
+                  </a:txBody>
+                  <a:tcPr/>
+                </a:tc>
+                <a:tc>
+                  <a:txBody>
+                    <a:bodyPr/>
+                    <a:lstStyle/>
+                    <a:p>
+                      <a:endParaRPr lang="en-SG" sz="1200"/>
+                    </a:p>
+                  </a:txBody>
+                  <a:tcPr/>
+                </a:tc>
+                <a:tc>
+                  <a:txBody>
+                    <a:bodyPr/>
+                    <a:lstStyle/>
+                    <a:p>
+                      <a:endParaRPr lang="en-SG" sz="1200" dirty="0"/>
+                    </a:p>
+                  </a:txBody>
+                  <a:tcPr/>
+                </a:tc>
+                <a:tc>
+                  <a:txBody>
+                    <a:bodyPr/>
+                    <a:lstStyle/>
+                    <a:p>
+                      <a:endParaRPr lang="en-SG" sz="1200" dirty="0"/>
+                    </a:p>
+                  </a:txBody>
+                  <a:tcPr/>
+                </a:tc>
+                <a:tc>
+                  <a:txBody>
+                    <a:bodyPr/>
+                    <a:lstStyle/>
+                    <a:p>
+                      <a:endParaRPr lang="en-SG" sz="1200" dirty="0"/>
+                    </a:p>
+                  </a:txBody>
+                  <a:tcPr/>
+                </a:tc>
+                <a:extLst>
+                  <a:ext uri="{0D108BD9-81ED-4DB2-BD59-A6C34878D82A}">
+                    <a16:rowId xmlns:a16="http://schemas.microsoft.com/office/drawing/2014/main" val="2608334889"/>
+                  </a:ext>
+                </a:extLst>
+              </a:tr>
+              <a:tr h="324000">
+                <a:tc>
+                  <a:txBody>
+                    <a:bodyPr/>
+                    <a:lstStyle/>
+                    <a:p>
+                      <a:r>
+                        <a:rPr lang="en-SG" sz="1200" dirty="0"/>
+                        <a:t>…</a:t>
+                      </a:r>
+                    </a:p>
+                  </a:txBody>
+                  <a:tcPr/>
+                </a:tc>
+                <a:tc>
+                  <a:txBody>
+                    <a:bodyPr/>
+                    <a:lstStyle/>
+                    <a:p>
+                      <a:endParaRPr lang="en-SG" sz="1200" dirty="0"/>
+                    </a:p>
+                  </a:txBody>
+                  <a:tcPr/>
+                </a:tc>
+                <a:tc>
+                  <a:txBody>
+                    <a:bodyPr/>
+                    <a:lstStyle/>
+                    <a:p>
+                      <a:endParaRPr lang="en-SG" sz="1200"/>
+                    </a:p>
+                  </a:txBody>
+                  <a:tcPr/>
+                </a:tc>
+                <a:tc>
+                  <a:txBody>
+                    <a:bodyPr/>
+                    <a:lstStyle/>
+                    <a:p>
+                      <a:endParaRPr lang="en-SG" sz="1200"/>
+                    </a:p>
+                  </a:txBody>
+                  <a:tcPr/>
+                </a:tc>
+                <a:tc>
+                  <a:txBody>
+                    <a:bodyPr/>
+                    <a:lstStyle/>
+                    <a:p>
+                      <a:endParaRPr lang="en-SG" sz="1200"/>
+                    </a:p>
+                  </a:txBody>
+                  <a:tcPr/>
+                </a:tc>
+                <a:tc>
+                  <a:txBody>
+                    <a:bodyPr/>
+                    <a:lstStyle/>
+                    <a:p>
+                      <a:endParaRPr lang="en-SG" sz="1200" dirty="0"/>
+                    </a:p>
+                  </a:txBody>
+                  <a:tcPr/>
+                </a:tc>
+                <a:tc>
+                  <a:txBody>
+                    <a:bodyPr/>
+                    <a:lstStyle/>
+                    <a:p>
+                      <a:endParaRPr lang="en-SG" sz="1200" dirty="0"/>
+                    </a:p>
+                  </a:txBody>
+                  <a:tcPr/>
+                </a:tc>
+                <a:tc>
+                  <a:txBody>
+                    <a:bodyPr/>
+                    <a:lstStyle/>
+                    <a:p>
+                      <a:endParaRPr lang="en-SG" sz="1200" dirty="0"/>
+                    </a:p>
+                  </a:txBody>
+                  <a:tcPr/>
+                </a:tc>
+                <a:tc>
+                  <a:txBody>
+                    <a:bodyPr/>
+                    <a:lstStyle/>
+                    <a:p>
+                      <a:endParaRPr lang="en-SG" sz="1200" dirty="0"/>
+                    </a:p>
+                  </a:txBody>
+                  <a:tcPr/>
+                </a:tc>
+                <a:extLst>
+                  <a:ext uri="{0D108BD9-81ED-4DB2-BD59-A6C34878D82A}">
+                    <a16:rowId xmlns:a16="http://schemas.microsoft.com/office/drawing/2014/main" val="1109806333"/>
+                  </a:ext>
+                </a:extLst>
+              </a:tr>
+              <a:tr h="324000">
+                <a:tc>
+                  <a:txBody>
+                    <a:bodyPr/>
+                    <a:lstStyle/>
+                    <a:p>
+                      <a:r>
+                        <a:rPr lang="en-SG" sz="1200" dirty="0"/>
+                        <a:t>B</a:t>
+                      </a:r>
+                    </a:p>
+                  </a:txBody>
+                  <a:tcPr/>
+                </a:tc>
+                <a:tc>
+                  <a:txBody>
+                    <a:bodyPr/>
+                    <a:lstStyle/>
+                    <a:p>
+                      <a:r>
+                        <a:rPr lang="en-SG" sz="1200" dirty="0"/>
+                        <a:t>2016-10-31</a:t>
+                      </a:r>
+                    </a:p>
+                  </a:txBody>
+                  <a:tcPr/>
+                </a:tc>
+                <a:tc>
+                  <a:txBody>
+                    <a:bodyPr/>
+                    <a:lstStyle/>
+                    <a:p>
+                      <a:endParaRPr lang="en-SG" sz="1200"/>
+                    </a:p>
+                  </a:txBody>
+                  <a:tcPr/>
+                </a:tc>
+                <a:tc>
+                  <a:txBody>
+                    <a:bodyPr/>
+                    <a:lstStyle/>
+                    <a:p>
+                      <a:endParaRPr lang="en-SG" sz="1200"/>
+                    </a:p>
+                  </a:txBody>
+                  <a:tcPr/>
+                </a:tc>
+                <a:tc>
+                  <a:txBody>
+                    <a:bodyPr/>
+                    <a:lstStyle/>
+                    <a:p>
+                      <a:endParaRPr lang="en-SG" sz="1200"/>
+                    </a:p>
+                  </a:txBody>
+                  <a:tcPr/>
+                </a:tc>
+                <a:tc>
+                  <a:txBody>
+                    <a:bodyPr/>
+                    <a:lstStyle/>
+                    <a:p>
+                      <a:endParaRPr lang="en-SG" sz="1200" dirty="0"/>
+                    </a:p>
+                  </a:txBody>
+                  <a:tcPr/>
+                </a:tc>
+                <a:tc>
+                  <a:txBody>
+                    <a:bodyPr/>
+                    <a:lstStyle/>
+                    <a:p>
+                      <a:endParaRPr lang="en-SG" sz="1200" dirty="0"/>
+                    </a:p>
+                  </a:txBody>
+                  <a:tcPr/>
+                </a:tc>
+                <a:tc>
+                  <a:txBody>
+                    <a:bodyPr/>
+                    <a:lstStyle/>
+                    <a:p>
+                      <a:endParaRPr lang="en-SG" sz="1200" dirty="0"/>
+                    </a:p>
+                  </a:txBody>
+                  <a:tcPr/>
+                </a:tc>
+                <a:tc>
+                  <a:txBody>
+                    <a:bodyPr/>
+                    <a:lstStyle/>
+                    <a:p>
+                      <a:endParaRPr lang="en-SG" sz="1200" dirty="0"/>
+                    </a:p>
+                  </a:txBody>
+                  <a:tcPr/>
+                </a:tc>
+                <a:extLst>
+                  <a:ext uri="{0D108BD9-81ED-4DB2-BD59-A6C34878D82A}">
+                    <a16:rowId xmlns:a16="http://schemas.microsoft.com/office/drawing/2014/main" val="168027370"/>
+                  </a:ext>
+                </a:extLst>
+              </a:tr>
+              <a:tr h="324000">
+                <a:tc>
+                  <a:txBody>
+                    <a:bodyPr/>
+                    <a:lstStyle/>
+                    <a:p>
+                      <a:r>
+                        <a:rPr lang="en-SG" sz="1200" dirty="0"/>
+                        <a:t>B</a:t>
+                      </a:r>
+                    </a:p>
+                  </a:txBody>
+                  <a:tcPr/>
+                </a:tc>
+                <a:tc>
+                  <a:txBody>
+                    <a:bodyPr/>
+                    <a:lstStyle/>
+                    <a:p>
+                      <a:r>
+                        <a:rPr lang="en-SG" sz="1200" dirty="0"/>
+                        <a:t>2016-11-01</a:t>
+                      </a:r>
+                    </a:p>
+                  </a:txBody>
+                  <a:tcPr/>
+                </a:tc>
+                <a:tc>
+                  <a:txBody>
+                    <a:bodyPr/>
+                    <a:lstStyle/>
+                    <a:p>
+                      <a:endParaRPr lang="en-SG" sz="1200"/>
+                    </a:p>
+                  </a:txBody>
+                  <a:tcPr/>
+                </a:tc>
+                <a:tc>
+                  <a:txBody>
+                    <a:bodyPr/>
+                    <a:lstStyle/>
+                    <a:p>
+                      <a:endParaRPr lang="en-SG" sz="1200"/>
+                    </a:p>
+                  </a:txBody>
+                  <a:tcPr/>
+                </a:tc>
+                <a:tc>
+                  <a:txBody>
+                    <a:bodyPr/>
+                    <a:lstStyle/>
+                    <a:p>
+                      <a:endParaRPr lang="en-SG" sz="1200"/>
+                    </a:p>
+                  </a:txBody>
+                  <a:tcPr/>
+                </a:tc>
+                <a:tc>
+                  <a:txBody>
+                    <a:bodyPr/>
+                    <a:lstStyle/>
+                    <a:p>
+                      <a:endParaRPr lang="en-SG" sz="1200" dirty="0"/>
+                    </a:p>
+                  </a:txBody>
+                  <a:tcPr/>
+                </a:tc>
+                <a:tc>
+                  <a:txBody>
+                    <a:bodyPr/>
+                    <a:lstStyle/>
+                    <a:p>
+                      <a:endParaRPr lang="en-SG" sz="1200" dirty="0"/>
+                    </a:p>
+                  </a:txBody>
+                  <a:tcPr/>
+                </a:tc>
+                <a:tc>
+                  <a:txBody>
+                    <a:bodyPr/>
+                    <a:lstStyle/>
+                    <a:p>
+                      <a:endParaRPr lang="en-SG" sz="1200" dirty="0"/>
+                    </a:p>
+                  </a:txBody>
+                  <a:tcPr/>
+                </a:tc>
+                <a:tc>
+                  <a:txBody>
+                    <a:bodyPr/>
+                    <a:lstStyle/>
+                    <a:p>
+                      <a:endParaRPr lang="en-SG" sz="1200" dirty="0"/>
+                    </a:p>
+                  </a:txBody>
+                  <a:tcPr/>
+                </a:tc>
+                <a:extLst>
+                  <a:ext uri="{0D108BD9-81ED-4DB2-BD59-A6C34878D82A}">
+                    <a16:rowId xmlns:a16="http://schemas.microsoft.com/office/drawing/2014/main" val="3689786999"/>
+                  </a:ext>
+                </a:extLst>
+              </a:tr>
+            </a:tbl>
+          </a:graphicData>
+        </a:graphic>
+      </p:graphicFrame>
+    </p:spTree>
+    <p:extLst>
+      <p:ext uri="{BB962C8B-B14F-4D97-AF65-F5344CB8AC3E}">
+        <p14:creationId xmlns:p14="http://schemas.microsoft.com/office/powerpoint/2010/main" val="1268478508"/>
+      </p:ext>
+    </p:extLst>
+  </p:cSld>
+  <p:clrMapOvr>
+    <a:masterClrMapping/>
+  </p:clrMapOvr>
+</p:sld>
+</file>
+
+<file path=ppt/slides/slide9.xml><?xml version="1.0" encoding="utf-8"?>
+<p:sld xmlns:a="http://schemas.openxmlformats.org/drawingml/2006/main" xmlns:r="http://schemas.openxmlformats.org/officeDocument/2006/relationships" xmlns:p="http://schemas.openxmlformats.org/presentationml/2006/main">
+  <p:cSld>
+    <p:spTree>
+      <p:nvGrpSpPr>
+        <p:cNvPr id="1" name=""/>
+        <p:cNvGrpSpPr/>
+        <p:nvPr/>
+      </p:nvGrpSpPr>
+      <p:grpSpPr>
+        <a:xfrm>
+          <a:off x="0" y="0"/>
+          <a:ext cx="0" cy="0"/>
+          <a:chOff x="0" y="0"/>
+          <a:chExt cx="0" cy="0"/>
+        </a:xfrm>
+      </p:grpSpPr>
+      <p:sp>
+        <p:nvSpPr>
+          <p:cNvPr id="2" name="Title 1">
+            <a:extLst>
+              <a:ext uri="{FF2B5EF4-FFF2-40B4-BE49-F238E27FC236}">
+                <a16:creationId xmlns:a16="http://schemas.microsoft.com/office/drawing/2014/main" id="{86C17E2C-74FA-FA93-8FA0-16CF4143C1CC}"/>
+              </a:ext>
+            </a:extLst>
+          </p:cNvPr>
+          <p:cNvSpPr>
+            <a:spLocks noGrp="1"/>
+          </p:cNvSpPr>
+          <p:nvPr>
+            <p:ph type="title"/>
+          </p:nvPr>
+        </p:nvSpPr>
+        <p:spPr/>
+        <p:txBody>
+          <a:bodyPr/>
+          <a:lstStyle/>
+          <a:p>
+            <a:r>
+              <a:rPr lang="en-SG" dirty="0"/>
+              <a:t>How to match up?</a:t>
+            </a:r>
+          </a:p>
+        </p:txBody>
+      </p:sp>
+      <p:graphicFrame>
+        <p:nvGraphicFramePr>
+          <p:cNvPr id="4" name="Table 4">
+            <a:extLst>
+              <a:ext uri="{FF2B5EF4-FFF2-40B4-BE49-F238E27FC236}">
+                <a16:creationId xmlns:a16="http://schemas.microsoft.com/office/drawing/2014/main" id="{D904B7C3-9D77-723F-082B-CB0F61D8792F}"/>
+              </a:ext>
+            </a:extLst>
+          </p:cNvPr>
+          <p:cNvGraphicFramePr>
+            <a:graphicFrameLocks noGrp="1"/>
+          </p:cNvGraphicFramePr>
+          <p:nvPr>
+            <p:extLst>
+              <p:ext uri="{D42A27DB-BD31-4B8C-83A1-F6EECF244321}">
+                <p14:modId xmlns:p14="http://schemas.microsoft.com/office/powerpoint/2010/main" val="1567618354"/>
+              </p:ext>
+            </p:extLst>
+          </p:nvPr>
+        </p:nvGraphicFramePr>
+        <p:xfrm>
+          <a:off x="672379" y="1401154"/>
+          <a:ext cx="9325638" cy="2271933"/>
+        </p:xfrm>
+        <a:graphic>
+          <a:graphicData uri="http://schemas.openxmlformats.org/drawingml/2006/table">
+            <a:tbl>
+              <a:tblPr firstRow="1" bandRow="1">
+                <a:tableStyleId>{5C22544A-7EE6-4342-B048-85BDC9FD1C3A}</a:tableStyleId>
+              </a:tblPr>
+              <a:tblGrid>
+                <a:gridCol w="1036182">
+                  <a:extLst>
+                    <a:ext uri="{9D8B030D-6E8A-4147-A177-3AD203B41FA5}">
+                      <a16:colId xmlns:a16="http://schemas.microsoft.com/office/drawing/2014/main" val="3814351907"/>
+                    </a:ext>
+                  </a:extLst>
+                </a:gridCol>
+                <a:gridCol w="1036182">
+                  <a:extLst>
+                    <a:ext uri="{9D8B030D-6E8A-4147-A177-3AD203B41FA5}">
+                      <a16:colId xmlns:a16="http://schemas.microsoft.com/office/drawing/2014/main" val="884477158"/>
+                    </a:ext>
+                  </a:extLst>
+                </a:gridCol>
+                <a:gridCol w="1036182">
+                  <a:extLst>
+                    <a:ext uri="{9D8B030D-6E8A-4147-A177-3AD203B41FA5}">
+                      <a16:colId xmlns:a16="http://schemas.microsoft.com/office/drawing/2014/main" val="2419652167"/>
+                    </a:ext>
+                  </a:extLst>
+                </a:gridCol>
+                <a:gridCol w="1036182">
+                  <a:extLst>
+                    <a:ext uri="{9D8B030D-6E8A-4147-A177-3AD203B41FA5}">
+                      <a16:colId xmlns:a16="http://schemas.microsoft.com/office/drawing/2014/main" val="450201316"/>
+                    </a:ext>
+                  </a:extLst>
+                </a:gridCol>
+                <a:gridCol w="1036182">
+                  <a:extLst>
+                    <a:ext uri="{9D8B030D-6E8A-4147-A177-3AD203B41FA5}">
+                      <a16:colId xmlns:a16="http://schemas.microsoft.com/office/drawing/2014/main" val="1655988978"/>
+                    </a:ext>
+                  </a:extLst>
+                </a:gridCol>
+                <a:gridCol w="1036182">
+                  <a:extLst>
+                    <a:ext uri="{9D8B030D-6E8A-4147-A177-3AD203B41FA5}">
+                      <a16:colId xmlns:a16="http://schemas.microsoft.com/office/drawing/2014/main" val="4128006171"/>
+                    </a:ext>
+                  </a:extLst>
+                </a:gridCol>
+                <a:gridCol w="1036182">
+                  <a:extLst>
+                    <a:ext uri="{9D8B030D-6E8A-4147-A177-3AD203B41FA5}">
+                      <a16:colId xmlns:a16="http://schemas.microsoft.com/office/drawing/2014/main" val="2729079198"/>
+                    </a:ext>
+                  </a:extLst>
+                </a:gridCol>
+                <a:gridCol w="1036182">
+                  <a:extLst>
+                    <a:ext uri="{9D8B030D-6E8A-4147-A177-3AD203B41FA5}">
+                      <a16:colId xmlns:a16="http://schemas.microsoft.com/office/drawing/2014/main" val="3532494266"/>
+                    </a:ext>
+                  </a:extLst>
+                </a:gridCol>
+                <a:gridCol w="1036182">
+                  <a:extLst>
+                    <a:ext uri="{9D8B030D-6E8A-4147-A177-3AD203B41FA5}">
+                      <a16:colId xmlns:a16="http://schemas.microsoft.com/office/drawing/2014/main" val="689054234"/>
+                    </a:ext>
+                  </a:extLst>
+                </a:gridCol>
+              </a:tblGrid>
+              <a:tr h="651933">
+                <a:tc>
+                  <a:txBody>
+                    <a:bodyPr/>
+                    <a:lstStyle/>
+                    <a:p>
+                      <a:r>
+                        <a:rPr lang="en-SG" sz="1200" dirty="0"/>
+                        <a:t>Ticker</a:t>
+                      </a:r>
+                    </a:p>
+                  </a:txBody>
+                  <a:tcPr/>
+                </a:tc>
+                <a:tc>
+                  <a:txBody>
+                    <a:bodyPr/>
+                    <a:lstStyle/>
+                    <a:p>
+                      <a:r>
+                        <a:rPr lang="en-SG" sz="1200" dirty="0"/>
+                        <a:t>Date</a:t>
+                      </a:r>
+                    </a:p>
+                  </a:txBody>
+                  <a:tcPr/>
+                </a:tc>
+                <a:tc>
+                  <a:txBody>
+                    <a:bodyPr/>
+                    <a:lstStyle/>
+                    <a:p>
+                      <a:r>
+                        <a:rPr lang="en-SG" sz="1200" dirty="0"/>
+                        <a:t>Open</a:t>
+                      </a:r>
+                    </a:p>
+                  </a:txBody>
+                  <a:tcPr/>
+                </a:tc>
+                <a:tc>
+                  <a:txBody>
+                    <a:bodyPr/>
+                    <a:lstStyle/>
+                    <a:p>
+                      <a:r>
+                        <a:rPr lang="en-SG" sz="1200" dirty="0"/>
+                        <a:t>Low</a:t>
+                      </a:r>
+                    </a:p>
+                  </a:txBody>
+                  <a:tcPr/>
+                </a:tc>
+                <a:tc>
+                  <a:txBody>
+                    <a:bodyPr/>
+                    <a:lstStyle/>
+                    <a:p>
+                      <a:r>
+                        <a:rPr lang="en-SG" sz="1200" dirty="0"/>
+                        <a:t>High</a:t>
+                      </a:r>
+                    </a:p>
+                  </a:txBody>
+                  <a:tcPr/>
+                </a:tc>
+                <a:tc>
+                  <a:txBody>
+                    <a:bodyPr/>
+                    <a:lstStyle/>
+                    <a:p>
+                      <a:r>
+                        <a:rPr lang="en-SG" sz="1200" dirty="0"/>
+                        <a:t>Close</a:t>
+                      </a:r>
+                    </a:p>
+                  </a:txBody>
+                  <a:tcPr/>
+                </a:tc>
+                <a:tc>
+                  <a:txBody>
+                    <a:bodyPr/>
+                    <a:lstStyle/>
+                    <a:p>
+                      <a:r>
+                        <a:rPr lang="en-SG" sz="1200" dirty="0"/>
+                        <a:t>Dividend</a:t>
+                      </a:r>
+                    </a:p>
+                  </a:txBody>
+                  <a:tcPr/>
+                </a:tc>
+                <a:tc>
+                  <a:txBody>
+                    <a:bodyPr/>
+                    <a:lstStyle/>
+                    <a:p>
+                      <a:r>
+                        <a:rPr lang="en-SG" sz="1200" dirty="0"/>
+                        <a:t>Volume</a:t>
+                      </a:r>
+                    </a:p>
+                  </a:txBody>
+                  <a:tcPr/>
+                </a:tc>
+                <a:tc>
+                  <a:txBody>
+                    <a:bodyPr/>
+                    <a:lstStyle/>
+                    <a:p>
+                      <a:r>
+                        <a:rPr lang="en-SG" sz="1200" dirty="0"/>
+                        <a:t>Shares Outstanding</a:t>
+                      </a:r>
+                    </a:p>
+                  </a:txBody>
+                  <a:tcPr/>
+                </a:tc>
+                <a:extLst>
+                  <a:ext uri="{0D108BD9-81ED-4DB2-BD59-A6C34878D82A}">
+                    <a16:rowId xmlns:a16="http://schemas.microsoft.com/office/drawing/2014/main" val="3840214945"/>
+                  </a:ext>
+                </a:extLst>
+              </a:tr>
+              <a:tr h="324000">
+                <a:tc>
+                  <a:txBody>
+                    <a:bodyPr/>
+                    <a:lstStyle/>
+                    <a:p>
+                      <a:r>
+                        <a:rPr lang="en-SG" sz="1200" dirty="0"/>
+                        <a:t>A</a:t>
+                      </a:r>
+                    </a:p>
+                  </a:txBody>
+                  <a:tcPr/>
+                </a:tc>
+                <a:tc>
+                  <a:txBody>
+                    <a:bodyPr/>
+                    <a:lstStyle/>
+                    <a:p>
+                      <a:r>
+                        <a:rPr lang="en-SG" sz="1200" dirty="0"/>
+                        <a:t>2016-10-31</a:t>
+                      </a:r>
+                    </a:p>
+                  </a:txBody>
+                  <a:tcPr/>
+                </a:tc>
+                <a:tc>
+                  <a:txBody>
+                    <a:bodyPr/>
+                    <a:lstStyle/>
+                    <a:p>
+                      <a:endParaRPr lang="en-SG" sz="1200" dirty="0"/>
+                    </a:p>
+                  </a:txBody>
+                  <a:tcPr/>
+                </a:tc>
+                <a:tc>
+                  <a:txBody>
+                    <a:bodyPr/>
+                    <a:lstStyle/>
+                    <a:p>
+                      <a:endParaRPr lang="en-SG" sz="1200" dirty="0"/>
+                    </a:p>
+                  </a:txBody>
+                  <a:tcPr/>
+                </a:tc>
+                <a:tc>
+                  <a:txBody>
+                    <a:bodyPr/>
+                    <a:lstStyle/>
+                    <a:p>
+                      <a:endParaRPr lang="en-SG" sz="1200" dirty="0"/>
+                    </a:p>
+                  </a:txBody>
+                  <a:tcPr/>
+                </a:tc>
+                <a:tc>
+                  <a:txBody>
+                    <a:bodyPr/>
+                    <a:lstStyle/>
+                    <a:p>
+                      <a:endParaRPr lang="en-SG" sz="1200" dirty="0"/>
+                    </a:p>
+                  </a:txBody>
+                  <a:tcPr/>
+                </a:tc>
+                <a:tc>
+                  <a:txBody>
+                    <a:bodyPr/>
+                    <a:lstStyle/>
+                    <a:p>
+                      <a:endParaRPr lang="en-SG" sz="1200" dirty="0"/>
+                    </a:p>
+                  </a:txBody>
+                  <a:tcPr/>
+                </a:tc>
+                <a:tc>
+                  <a:txBody>
+                    <a:bodyPr/>
+                    <a:lstStyle/>
+                    <a:p>
+                      <a:endParaRPr lang="en-SG" sz="1200" dirty="0"/>
+                    </a:p>
+                  </a:txBody>
+                  <a:tcPr/>
+                </a:tc>
+                <a:tc>
+                  <a:txBody>
+                    <a:bodyPr/>
+                    <a:lstStyle/>
+                    <a:p>
+                      <a:endParaRPr lang="en-SG" sz="1200" dirty="0"/>
+                    </a:p>
+                  </a:txBody>
+                  <a:tcPr/>
+                </a:tc>
+                <a:extLst>
+                  <a:ext uri="{0D108BD9-81ED-4DB2-BD59-A6C34878D82A}">
+                    <a16:rowId xmlns:a16="http://schemas.microsoft.com/office/drawing/2014/main" val="1244702841"/>
+                  </a:ext>
+                </a:extLst>
+              </a:tr>
+              <a:tr h="324000">
+                <a:tc>
+                  <a:txBody>
+                    <a:bodyPr/>
+                    <a:lstStyle/>
+                    <a:p>
+                      <a:r>
+                        <a:rPr lang="en-SG" sz="1200" dirty="0"/>
+                        <a:t>A</a:t>
+                      </a:r>
+                    </a:p>
+                  </a:txBody>
+                  <a:tcPr/>
+                </a:tc>
+                <a:tc>
+                  <a:txBody>
+                    <a:bodyPr/>
+                    <a:lstStyle/>
+                    <a:p>
+                      <a:r>
+                        <a:rPr lang="en-SG" sz="1200" dirty="0"/>
+                        <a:t>2016-11-01</a:t>
+                      </a:r>
+                    </a:p>
+                  </a:txBody>
+                  <a:tcPr/>
+                </a:tc>
+                <a:tc>
+                  <a:txBody>
+                    <a:bodyPr/>
+                    <a:lstStyle/>
+                    <a:p>
+                      <a:endParaRPr lang="en-SG" sz="1200"/>
+                    </a:p>
+                  </a:txBody>
+                  <a:tcPr/>
+                </a:tc>
+                <a:tc>
+                  <a:txBody>
+                    <a:bodyPr/>
+                    <a:lstStyle/>
+                    <a:p>
+                      <a:endParaRPr lang="en-SG" sz="1200"/>
+                    </a:p>
+                  </a:txBody>
+                  <a:tcPr/>
+                </a:tc>
+                <a:tc>
+                  <a:txBody>
+                    <a:bodyPr/>
+                    <a:lstStyle/>
+                    <a:p>
+                      <a:endParaRPr lang="en-SG" sz="1200" dirty="0"/>
+                    </a:p>
+                  </a:txBody>
+                  <a:tcPr/>
+                </a:tc>
+                <a:tc>
+                  <a:txBody>
+                    <a:bodyPr/>
+                    <a:lstStyle/>
+                    <a:p>
+                      <a:endParaRPr lang="en-SG" sz="1200"/>
+                    </a:p>
+                  </a:txBody>
+                  <a:tcPr/>
+                </a:tc>
+                <a:tc>
+                  <a:txBody>
+                    <a:bodyPr/>
+                    <a:lstStyle/>
+                    <a:p>
+                      <a:endParaRPr lang="en-SG" sz="1200" dirty="0"/>
+                    </a:p>
+                  </a:txBody>
+                  <a:tcPr/>
+                </a:tc>
+                <a:tc>
+                  <a:txBody>
+                    <a:bodyPr/>
+                    <a:lstStyle/>
+                    <a:p>
+                      <a:endParaRPr lang="en-SG" sz="1200" dirty="0"/>
+                    </a:p>
+                  </a:txBody>
+                  <a:tcPr/>
+                </a:tc>
+                <a:tc>
+                  <a:txBody>
+                    <a:bodyPr/>
+                    <a:lstStyle/>
+                    <a:p>
+                      <a:endParaRPr lang="en-SG" sz="1200" dirty="0"/>
+                    </a:p>
+                  </a:txBody>
+                  <a:tcPr/>
+                </a:tc>
+                <a:extLst>
+                  <a:ext uri="{0D108BD9-81ED-4DB2-BD59-A6C34878D82A}">
+                    <a16:rowId xmlns:a16="http://schemas.microsoft.com/office/drawing/2014/main" val="2608334889"/>
+                  </a:ext>
+                </a:extLst>
+              </a:tr>
+              <a:tr h="324000">
+                <a:tc>
+                  <a:txBody>
+                    <a:bodyPr/>
+                    <a:lstStyle/>
+                    <a:p>
+                      <a:r>
+                        <a:rPr lang="en-SG" sz="1200" dirty="0"/>
+                        <a:t>…</a:t>
+                      </a:r>
+                    </a:p>
+                  </a:txBody>
+                  <a:tcPr/>
+                </a:tc>
+                <a:tc>
+                  <a:txBody>
+                    <a:bodyPr/>
+                    <a:lstStyle/>
+                    <a:p>
+                      <a:endParaRPr lang="en-SG" sz="1200" dirty="0"/>
+                    </a:p>
+                  </a:txBody>
+                  <a:tcPr/>
+                </a:tc>
+                <a:tc>
+                  <a:txBody>
+                    <a:bodyPr/>
+                    <a:lstStyle/>
+                    <a:p>
+                      <a:endParaRPr lang="en-SG" sz="1200"/>
+                    </a:p>
+                  </a:txBody>
+                  <a:tcPr/>
+                </a:tc>
+                <a:tc>
+                  <a:txBody>
+                    <a:bodyPr/>
+                    <a:lstStyle/>
+                    <a:p>
+                      <a:endParaRPr lang="en-SG" sz="1200"/>
+                    </a:p>
+                  </a:txBody>
+                  <a:tcPr/>
+                </a:tc>
+                <a:tc>
+                  <a:txBody>
+                    <a:bodyPr/>
+                    <a:lstStyle/>
+                    <a:p>
+                      <a:endParaRPr lang="en-SG" sz="1200"/>
+                    </a:p>
+                  </a:txBody>
+                  <a:tcPr/>
+                </a:tc>
+                <a:tc>
+                  <a:txBody>
+                    <a:bodyPr/>
+                    <a:lstStyle/>
+                    <a:p>
+                      <a:endParaRPr lang="en-SG" sz="1200" dirty="0"/>
+                    </a:p>
+                  </a:txBody>
+                  <a:tcPr/>
+                </a:tc>
+                <a:tc>
+                  <a:txBody>
+                    <a:bodyPr/>
+                    <a:lstStyle/>
+                    <a:p>
+                      <a:endParaRPr lang="en-SG" sz="1200" dirty="0"/>
+                    </a:p>
+                  </a:txBody>
+                  <a:tcPr/>
+                </a:tc>
+                <a:tc>
+                  <a:txBody>
+                    <a:bodyPr/>
+                    <a:lstStyle/>
+                    <a:p>
+                      <a:endParaRPr lang="en-SG" sz="1200" dirty="0"/>
+                    </a:p>
+                  </a:txBody>
+                  <a:tcPr/>
+                </a:tc>
+                <a:tc>
+                  <a:txBody>
+                    <a:bodyPr/>
+                    <a:lstStyle/>
+                    <a:p>
+                      <a:endParaRPr lang="en-SG" sz="1200" dirty="0"/>
+                    </a:p>
+                  </a:txBody>
+                  <a:tcPr/>
+                </a:tc>
+                <a:extLst>
+                  <a:ext uri="{0D108BD9-81ED-4DB2-BD59-A6C34878D82A}">
+                    <a16:rowId xmlns:a16="http://schemas.microsoft.com/office/drawing/2014/main" val="1109806333"/>
+                  </a:ext>
+                </a:extLst>
+              </a:tr>
+              <a:tr h="324000">
+                <a:tc>
+                  <a:txBody>
+                    <a:bodyPr/>
+                    <a:lstStyle/>
+                    <a:p>
+                      <a:r>
+                        <a:rPr lang="en-SG" sz="1200" dirty="0"/>
+                        <a:t>B</a:t>
+                      </a:r>
+                    </a:p>
+                  </a:txBody>
+                  <a:tcPr/>
+                </a:tc>
+                <a:tc>
+                  <a:txBody>
+                    <a:bodyPr/>
+                    <a:lstStyle/>
+                    <a:p>
+                      <a:r>
+                        <a:rPr lang="en-SG" sz="1200" dirty="0"/>
+                        <a:t>2016-10-31</a:t>
+                      </a:r>
+                    </a:p>
+                  </a:txBody>
+                  <a:tcPr/>
+                </a:tc>
+                <a:tc>
+                  <a:txBody>
+                    <a:bodyPr/>
+                    <a:lstStyle/>
+                    <a:p>
+                      <a:endParaRPr lang="en-SG" sz="1200"/>
+                    </a:p>
+                  </a:txBody>
+                  <a:tcPr/>
+                </a:tc>
+                <a:tc>
+                  <a:txBody>
+                    <a:bodyPr/>
+                    <a:lstStyle/>
+                    <a:p>
+                      <a:endParaRPr lang="en-SG" sz="1200"/>
+                    </a:p>
+                  </a:txBody>
+                  <a:tcPr/>
+                </a:tc>
+                <a:tc>
+                  <a:txBody>
+                    <a:bodyPr/>
+                    <a:lstStyle/>
+                    <a:p>
+                      <a:endParaRPr lang="en-SG" sz="1200"/>
+                    </a:p>
+                  </a:txBody>
+                  <a:tcPr/>
+                </a:tc>
+                <a:tc>
+                  <a:txBody>
+                    <a:bodyPr/>
+                    <a:lstStyle/>
+                    <a:p>
+                      <a:endParaRPr lang="en-SG" sz="1200" dirty="0"/>
+                    </a:p>
+                  </a:txBody>
+                  <a:tcPr/>
+                </a:tc>
+                <a:tc>
+                  <a:txBody>
+                    <a:bodyPr/>
+                    <a:lstStyle/>
+                    <a:p>
+                      <a:endParaRPr lang="en-SG" sz="1200" dirty="0"/>
+                    </a:p>
+                  </a:txBody>
+                  <a:tcPr/>
+                </a:tc>
+                <a:tc>
+                  <a:txBody>
+                    <a:bodyPr/>
+                    <a:lstStyle/>
+                    <a:p>
+                      <a:endParaRPr lang="en-SG" sz="1200" dirty="0"/>
+                    </a:p>
+                  </a:txBody>
+                  <a:tcPr/>
+                </a:tc>
+                <a:tc>
+                  <a:txBody>
+                    <a:bodyPr/>
+                    <a:lstStyle/>
+                    <a:p>
+                      <a:endParaRPr lang="en-SG" sz="1200" dirty="0"/>
+                    </a:p>
+                  </a:txBody>
+                  <a:tcPr/>
+                </a:tc>
+                <a:extLst>
+                  <a:ext uri="{0D108BD9-81ED-4DB2-BD59-A6C34878D82A}">
+                    <a16:rowId xmlns:a16="http://schemas.microsoft.com/office/drawing/2014/main" val="168027370"/>
+                  </a:ext>
+                </a:extLst>
+              </a:tr>
+              <a:tr h="324000">
+                <a:tc>
+                  <a:txBody>
+                    <a:bodyPr/>
+                    <a:lstStyle/>
+                    <a:p>
+                      <a:r>
+                        <a:rPr lang="en-SG" sz="1200" dirty="0"/>
+                        <a:t>B</a:t>
+                      </a:r>
+                    </a:p>
+                  </a:txBody>
+                  <a:tcPr/>
+                </a:tc>
+                <a:tc>
+                  <a:txBody>
+                    <a:bodyPr/>
+                    <a:lstStyle/>
+                    <a:p>
+                      <a:r>
+                        <a:rPr lang="en-SG" sz="1200" dirty="0"/>
+                        <a:t>2016-11-01</a:t>
+                      </a:r>
+                    </a:p>
+                  </a:txBody>
+                  <a:tcPr/>
+                </a:tc>
+                <a:tc>
+                  <a:txBody>
+                    <a:bodyPr/>
+                    <a:lstStyle/>
+                    <a:p>
+                      <a:endParaRPr lang="en-SG" sz="1200"/>
+                    </a:p>
+                  </a:txBody>
+                  <a:tcPr/>
+                </a:tc>
+                <a:tc>
+                  <a:txBody>
+                    <a:bodyPr/>
+                    <a:lstStyle/>
+                    <a:p>
+                      <a:endParaRPr lang="en-SG" sz="1200"/>
+                    </a:p>
+                  </a:txBody>
+                  <a:tcPr/>
+                </a:tc>
+                <a:tc>
+                  <a:txBody>
+                    <a:bodyPr/>
+                    <a:lstStyle/>
+                    <a:p>
+                      <a:endParaRPr lang="en-SG" sz="1200"/>
+                    </a:p>
+                  </a:txBody>
+                  <a:tcPr/>
+                </a:tc>
+                <a:tc>
+                  <a:txBody>
+                    <a:bodyPr/>
+                    <a:lstStyle/>
+                    <a:p>
+                      <a:endParaRPr lang="en-SG" sz="1200" dirty="0"/>
+                    </a:p>
+                  </a:txBody>
+                  <a:tcPr/>
+                </a:tc>
+                <a:tc>
+                  <a:txBody>
+                    <a:bodyPr/>
+                    <a:lstStyle/>
+                    <a:p>
+                      <a:endParaRPr lang="en-SG" sz="1200" dirty="0"/>
+                    </a:p>
+                  </a:txBody>
+                  <a:tcPr/>
+                </a:tc>
+                <a:tc>
+                  <a:txBody>
+                    <a:bodyPr/>
+                    <a:lstStyle/>
+                    <a:p>
+                      <a:endParaRPr lang="en-SG" sz="1200" dirty="0"/>
+                    </a:p>
+                  </a:txBody>
+                  <a:tcPr/>
+                </a:tc>
+                <a:tc>
+                  <a:txBody>
+                    <a:bodyPr/>
+                    <a:lstStyle/>
+                    <a:p>
+                      <a:endParaRPr lang="en-SG" sz="1200" dirty="0"/>
+                    </a:p>
+                  </a:txBody>
+                  <a:tcPr/>
+                </a:tc>
+                <a:extLst>
+                  <a:ext uri="{0D108BD9-81ED-4DB2-BD59-A6C34878D82A}">
+                    <a16:rowId xmlns:a16="http://schemas.microsoft.com/office/drawing/2014/main" val="3689786999"/>
+                  </a:ext>
+                </a:extLst>
+              </a:tr>
+            </a:tbl>
+          </a:graphicData>
+        </a:graphic>
+      </p:graphicFrame>
+      <p:sp>
+        <p:nvSpPr>
+          <p:cNvPr id="3" name="Arrow: Down 2">
+            <a:extLst>
+              <a:ext uri="{FF2B5EF4-FFF2-40B4-BE49-F238E27FC236}">
+                <a16:creationId xmlns:a16="http://schemas.microsoft.com/office/drawing/2014/main" id="{BFB9A25F-B7D5-E568-9C7A-1D0502D66F58}"/>
+              </a:ext>
+            </a:extLst>
+          </p:cNvPr>
+          <p:cNvSpPr/>
+          <p:nvPr/>
+        </p:nvSpPr>
+        <p:spPr>
+          <a:xfrm>
+            <a:off x="2182483" y="3673087"/>
+            <a:ext cx="267419" cy="700505"/>
+          </a:xfrm>
+          <a:prstGeom prst="downArrow">
+            <a:avLst/>
+          </a:prstGeom>
+        </p:spPr>
+        <p:style>
+          <a:lnRef idx="2">
+            <a:schemeClr val="accent1">
+              <a:shade val="50000"/>
+            </a:schemeClr>
+          </a:lnRef>
+          <a:fillRef idx="1">
+            <a:schemeClr val="accent1"/>
+          </a:fillRef>
+          <a:effectRef idx="0">
+            <a:schemeClr val="accent1"/>
+          </a:effectRef>
+          <a:fontRef idx="minor">
+            <a:schemeClr val="lt1"/>
+          </a:fontRef>
+        </p:style>
+        <p:txBody>
+          <a:bodyPr rtlCol="0" anchor="ctr"/>
+          <a:lstStyle/>
+          <a:p>
+            <a:pPr algn="ctr"/>
+            <a:endParaRPr lang="en-SG"/>
+          </a:p>
+        </p:txBody>
+      </p:sp>
+      <p:sp>
+        <p:nvSpPr>
+          <p:cNvPr id="5" name="TextBox 4">
+            <a:extLst>
+              <a:ext uri="{FF2B5EF4-FFF2-40B4-BE49-F238E27FC236}">
+                <a16:creationId xmlns:a16="http://schemas.microsoft.com/office/drawing/2014/main" id="{06DF7FB3-FEEC-179C-CBED-06F453201511}"/>
+              </a:ext>
+            </a:extLst>
+          </p:cNvPr>
+          <p:cNvSpPr txBox="1"/>
+          <p:nvPr/>
+        </p:nvSpPr>
+        <p:spPr>
+          <a:xfrm>
+            <a:off x="1431985" y="3985404"/>
+            <a:ext cx="2760453" cy="369332"/>
+          </a:xfrm>
+          <a:prstGeom prst="rect">
+            <a:avLst/>
+          </a:prstGeom>
+          <a:noFill/>
+        </p:spPr>
+        <p:txBody>
+          <a:bodyPr wrap="square" rtlCol="0">
+            <a:spAutoFit/>
+          </a:bodyPr>
+          <a:lstStyle/>
+          <a:p>
+            <a:r>
+              <a:rPr lang="en-SG" dirty="0"/>
+              <a:t>Reporting Date</a:t>
+            </a:r>
+          </a:p>
+        </p:txBody>
+      </p:sp>
+    </p:spTree>
+    <p:extLst>
+      <p:ext uri="{BB962C8B-B14F-4D97-AF65-F5344CB8AC3E}">
+        <p14:creationId xmlns:p14="http://schemas.microsoft.com/office/powerpoint/2010/main" val="3412627430"/>
       </p:ext>
     </p:extLst>
   </p:cSld>

--- a/Building a portfolio that beats the market.pptx
+++ b/Building a portfolio that beats the market.pptx
@@ -3389,7 +3389,7 @@
           <a:p>
             <a:r>
               <a:rPr lang="en-SG" dirty="0"/>
-              <a:t>Building a one year portfolio that beats the market</a:t>
+              <a:t>Can Fundamental Ratios help to outperform the market?</a:t>
             </a:r>
           </a:p>
         </p:txBody>
@@ -3416,121 +3416,6 @@
           <a:lstStyle/>
           <a:p>
             <a:endParaRPr lang="en-SG" dirty="0"/>
-          </a:p>
-        </p:txBody>
-      </p:sp>
-      <p:sp>
-        <p:nvSpPr>
-          <p:cNvPr id="4" name="Rectangle 1">
-            <a:extLst>
-              <a:ext uri="{FF2B5EF4-FFF2-40B4-BE49-F238E27FC236}">
-                <a16:creationId xmlns:a16="http://schemas.microsoft.com/office/drawing/2014/main" id="{717DF8D0-CB26-9774-7E27-19193EB25BE3}"/>
-              </a:ext>
-            </a:extLst>
-          </p:cNvPr>
-          <p:cNvSpPr>
-            <a:spLocks noChangeArrowheads="1"/>
-          </p:cNvSpPr>
-          <p:nvPr/>
-        </p:nvSpPr>
-        <p:spPr bwMode="auto">
-          <a:xfrm>
-            <a:off x="0" y="0"/>
-            <a:ext cx="12192000" cy="457200"/>
-          </a:xfrm>
-          <a:prstGeom prst="rect">
-            <a:avLst/>
-          </a:prstGeom>
-          <a:solidFill>
-            <a:srgbClr val="181A1B"/>
-          </a:solidFill>
-          <a:ln>
-            <a:noFill/>
-          </a:ln>
-          <a:effectLst/>
-          <a:extLst>
-            <a:ext uri="{91240B29-F687-4F45-9708-019B960494DF}">
-              <a14:hiddenLine xmlns:a14="http://schemas.microsoft.com/office/drawing/2010/main" w="9525">
-                <a:solidFill>
-                  <a:schemeClr val="tx1"/>
-                </a:solidFill>
-                <a:miter lim="800000"/>
-                <a:headEnd/>
-                <a:tailEnd/>
-              </a14:hiddenLine>
-            </a:ext>
-            <a:ext uri="{AF507438-7753-43E0-B8FC-AC1667EBCBE1}">
-              <a14:hiddenEffects xmlns:a14="http://schemas.microsoft.com/office/drawing/2010/main">
-                <a:effectLst>
-                  <a:outerShdw dist="35921" dir="2700000" algn="ctr" rotWithShape="0">
-                    <a:schemeClr val="bg2"/>
-                  </a:outerShdw>
-                </a:effectLst>
-              </a14:hiddenEffects>
-            </a:ext>
-          </a:extLst>
-        </p:spPr>
-        <p:txBody>
-          <a:bodyPr vert="horz" wrap="none" lIns="0" tIns="0" rIns="0" bIns="0" numCol="1" anchor="ctr" anchorCtr="0" compatLnSpc="1">
-            <a:prstTxWarp prst="textNoShape">
-              <a:avLst/>
-            </a:prstTxWarp>
-            <a:spAutoFit/>
-          </a:bodyPr>
-          <a:lstStyle/>
-          <a:p>
-            <a:pPr marL="0" marR="0" lvl="0" indent="0" algn="l" defTabSz="914400" rtl="0" eaLnBrk="0" fontAlgn="base" latinLnBrk="0" hangingPunct="0">
-              <a:lnSpc>
-                <a:spcPct val="100000"/>
-              </a:lnSpc>
-              <a:spcBef>
-                <a:spcPct val="0"/>
-              </a:spcBef>
-              <a:spcAft>
-                <a:spcPct val="0"/>
-              </a:spcAft>
-              <a:buClrTx/>
-              <a:buSzTx/>
-              <a:buFontTx/>
-              <a:buNone/>
-              <a:tabLst/>
-            </a:pPr>
-            <a:r>
-              <a:rPr kumimoji="0" lang="en-US" altLang="en-US" sz="1000" b="0" i="0" u="none" strike="noStrike" cap="none" normalizeH="0" baseline="0">
-                <a:ln>
-                  <a:noFill/>
-                </a:ln>
-                <a:solidFill>
-                  <a:srgbClr val="E8E6E3"/>
-                </a:solidFill>
-                <a:effectLst/>
-                <a:latin typeface="Arial Unicode MS"/>
-                <a:ea typeface="Courier New" panose="02070309020205020404" pitchFamily="49" charset="0"/>
-              </a:rPr>
-              <a:t>0.23172422345963195</a:t>
-            </a:r>
-            <a:r>
-              <a:rPr kumimoji="0" lang="en-US" altLang="en-US" sz="700" b="0" i="0" u="none" strike="noStrike" cap="none" normalizeH="0" baseline="0">
-                <a:ln>
-                  <a:noFill/>
-                </a:ln>
-                <a:solidFill>
-                  <a:schemeClr val="tx1"/>
-                </a:solidFill>
-                <a:effectLst/>
-              </a:rPr>
-              <a:t> </a:t>
-            </a:r>
-            <a:endParaRPr kumimoji="0" lang="en-US" altLang="en-US" sz="1800" b="0" i="0" u="none" strike="noStrike" cap="none" normalizeH="0" baseline="0">
-              <a:ln>
-                <a:noFill/>
-              </a:ln>
-              <a:solidFill>
-                <a:schemeClr val="tx1"/>
-              </a:solidFill>
-              <a:effectLst/>
-              <a:latin typeface="Arial" panose="020B0604020202020204" pitchFamily="34" charset="0"/>
-            </a:endParaRPr>
           </a:p>
         </p:txBody>
       </p:sp>
@@ -5522,7 +5407,384 @@
           <a:p>
             <a:r>
               <a:rPr lang="en-SG" dirty="0"/>
-              <a:t>Using regression techniques to build a portfolio that can beat market returns</a:t>
+              <a:t>Finding out whether fundamental financial ratios during quarterly reporting can be a good predictor for future returns</a:t>
+            </a:r>
+          </a:p>
+          <a:p>
+            <a:endParaRPr lang="en-SG" dirty="0"/>
+          </a:p>
+          <a:p>
+            <a:endParaRPr lang="en-SG" dirty="0"/>
+          </a:p>
+        </p:txBody>
+      </p:sp>
+      <p:sp>
+        <p:nvSpPr>
+          <p:cNvPr id="4" name="Rectangle 3">
+            <a:extLst>
+              <a:ext uri="{FF2B5EF4-FFF2-40B4-BE49-F238E27FC236}">
+                <a16:creationId xmlns:a16="http://schemas.microsoft.com/office/drawing/2014/main" id="{245E1038-7EDF-71DA-6F27-2E253F2A8373}"/>
+              </a:ext>
+            </a:extLst>
+          </p:cNvPr>
+          <p:cNvSpPr/>
+          <p:nvPr/>
+        </p:nvSpPr>
+        <p:spPr>
+          <a:xfrm>
+            <a:off x="1487714" y="3429000"/>
+            <a:ext cx="9216571" cy="366486"/>
+          </a:xfrm>
+          <a:prstGeom prst="rect">
+            <a:avLst/>
+          </a:prstGeom>
+        </p:spPr>
+        <p:style>
+          <a:lnRef idx="2">
+            <a:schemeClr val="accent1">
+              <a:shade val="50000"/>
+            </a:schemeClr>
+          </a:lnRef>
+          <a:fillRef idx="1">
+            <a:schemeClr val="accent1"/>
+          </a:fillRef>
+          <a:effectRef idx="0">
+            <a:schemeClr val="accent1"/>
+          </a:effectRef>
+          <a:fontRef idx="minor">
+            <a:schemeClr val="lt1"/>
+          </a:fontRef>
+        </p:style>
+        <p:txBody>
+          <a:bodyPr rtlCol="0" anchor="ctr"/>
+          <a:lstStyle/>
+          <a:p>
+            <a:pPr algn="ctr"/>
+            <a:r>
+              <a:rPr lang="en-SG" dirty="0"/>
+              <a:t>Financial Statements available</a:t>
+            </a:r>
+          </a:p>
+        </p:txBody>
+      </p:sp>
+      <p:sp>
+        <p:nvSpPr>
+          <p:cNvPr id="6" name="TextBox 5">
+            <a:extLst>
+              <a:ext uri="{FF2B5EF4-FFF2-40B4-BE49-F238E27FC236}">
+                <a16:creationId xmlns:a16="http://schemas.microsoft.com/office/drawing/2014/main" id="{82D10540-2CAF-769C-A649-2B32AA17FE3F}"/>
+              </a:ext>
+            </a:extLst>
+          </p:cNvPr>
+          <p:cNvSpPr txBox="1"/>
+          <p:nvPr/>
+        </p:nvSpPr>
+        <p:spPr>
+          <a:xfrm>
+            <a:off x="4299856" y="4001294"/>
+            <a:ext cx="885372" cy="366486"/>
+          </a:xfrm>
+          <a:prstGeom prst="rect">
+            <a:avLst/>
+          </a:prstGeom>
+          <a:noFill/>
+        </p:spPr>
+        <p:txBody>
+          <a:bodyPr wrap="square" rtlCol="0">
+            <a:spAutoFit/>
+          </a:bodyPr>
+          <a:lstStyle/>
+          <a:p>
+            <a:r>
+              <a:rPr lang="en-SG" dirty="0"/>
+              <a:t>2018</a:t>
+            </a:r>
+          </a:p>
+        </p:txBody>
+      </p:sp>
+      <p:sp>
+        <p:nvSpPr>
+          <p:cNvPr id="7" name="TextBox 6">
+            <a:extLst>
+              <a:ext uri="{FF2B5EF4-FFF2-40B4-BE49-F238E27FC236}">
+                <a16:creationId xmlns:a16="http://schemas.microsoft.com/office/drawing/2014/main" id="{B341997D-3807-6EA7-96DA-05FDA66016BF}"/>
+              </a:ext>
+            </a:extLst>
+          </p:cNvPr>
+          <p:cNvSpPr txBox="1"/>
+          <p:nvPr/>
+        </p:nvSpPr>
+        <p:spPr>
+          <a:xfrm>
+            <a:off x="2427513" y="4001294"/>
+            <a:ext cx="885372" cy="366486"/>
+          </a:xfrm>
+          <a:prstGeom prst="rect">
+            <a:avLst/>
+          </a:prstGeom>
+          <a:noFill/>
+        </p:spPr>
+        <p:txBody>
+          <a:bodyPr wrap="square" rtlCol="0">
+            <a:spAutoFit/>
+          </a:bodyPr>
+          <a:lstStyle/>
+          <a:p>
+            <a:r>
+              <a:rPr lang="en-SG" dirty="0"/>
+              <a:t>2017</a:t>
+            </a:r>
+          </a:p>
+        </p:txBody>
+      </p:sp>
+      <p:sp>
+        <p:nvSpPr>
+          <p:cNvPr id="8" name="TextBox 7">
+            <a:extLst>
+              <a:ext uri="{FF2B5EF4-FFF2-40B4-BE49-F238E27FC236}">
+                <a16:creationId xmlns:a16="http://schemas.microsoft.com/office/drawing/2014/main" id="{6B4970BF-06DD-4D36-8211-5DDA144C665D}"/>
+              </a:ext>
+            </a:extLst>
+          </p:cNvPr>
+          <p:cNvSpPr txBox="1"/>
+          <p:nvPr/>
+        </p:nvSpPr>
+        <p:spPr>
+          <a:xfrm>
+            <a:off x="6095999" y="4001294"/>
+            <a:ext cx="885372" cy="366486"/>
+          </a:xfrm>
+          <a:prstGeom prst="rect">
+            <a:avLst/>
+          </a:prstGeom>
+          <a:noFill/>
+        </p:spPr>
+        <p:txBody>
+          <a:bodyPr wrap="square" rtlCol="0">
+            <a:spAutoFit/>
+          </a:bodyPr>
+          <a:lstStyle/>
+          <a:p>
+            <a:r>
+              <a:rPr lang="en-SG" dirty="0"/>
+              <a:t>2019</a:t>
+            </a:r>
+          </a:p>
+        </p:txBody>
+      </p:sp>
+      <p:sp>
+        <p:nvSpPr>
+          <p:cNvPr id="9" name="TextBox 8">
+            <a:extLst>
+              <a:ext uri="{FF2B5EF4-FFF2-40B4-BE49-F238E27FC236}">
+                <a16:creationId xmlns:a16="http://schemas.microsoft.com/office/drawing/2014/main" id="{F458E140-22B0-2DEC-CE85-A26D3A6E8CC9}"/>
+              </a:ext>
+            </a:extLst>
+          </p:cNvPr>
+          <p:cNvSpPr txBox="1"/>
+          <p:nvPr/>
+        </p:nvSpPr>
+        <p:spPr>
+          <a:xfrm>
+            <a:off x="7892142" y="4001294"/>
+            <a:ext cx="885372" cy="366486"/>
+          </a:xfrm>
+          <a:prstGeom prst="rect">
+            <a:avLst/>
+          </a:prstGeom>
+          <a:noFill/>
+        </p:spPr>
+        <p:txBody>
+          <a:bodyPr wrap="square" rtlCol="0">
+            <a:spAutoFit/>
+          </a:bodyPr>
+          <a:lstStyle/>
+          <a:p>
+            <a:r>
+              <a:rPr lang="en-SG" dirty="0"/>
+              <a:t>2020</a:t>
+            </a:r>
+          </a:p>
+        </p:txBody>
+      </p:sp>
+      <p:sp>
+        <p:nvSpPr>
+          <p:cNvPr id="10" name="TextBox 9">
+            <a:extLst>
+              <a:ext uri="{FF2B5EF4-FFF2-40B4-BE49-F238E27FC236}">
+                <a16:creationId xmlns:a16="http://schemas.microsoft.com/office/drawing/2014/main" id="{5F3CBFFF-D2E0-D247-F0E3-F39017F1BAEF}"/>
+              </a:ext>
+            </a:extLst>
+          </p:cNvPr>
+          <p:cNvSpPr txBox="1"/>
+          <p:nvPr/>
+        </p:nvSpPr>
+        <p:spPr>
+          <a:xfrm>
+            <a:off x="9622971" y="4001294"/>
+            <a:ext cx="885372" cy="366486"/>
+          </a:xfrm>
+          <a:prstGeom prst="rect">
+            <a:avLst/>
+          </a:prstGeom>
+          <a:noFill/>
+        </p:spPr>
+        <p:txBody>
+          <a:bodyPr wrap="square" rtlCol="0">
+            <a:spAutoFit/>
+          </a:bodyPr>
+          <a:lstStyle/>
+          <a:p>
+            <a:r>
+              <a:rPr lang="en-SG" dirty="0"/>
+              <a:t>2021</a:t>
+            </a:r>
+          </a:p>
+        </p:txBody>
+      </p:sp>
+      <p:sp>
+        <p:nvSpPr>
+          <p:cNvPr id="11" name="Rectangle 10">
+            <a:extLst>
+              <a:ext uri="{FF2B5EF4-FFF2-40B4-BE49-F238E27FC236}">
+                <a16:creationId xmlns:a16="http://schemas.microsoft.com/office/drawing/2014/main" id="{85567B39-A369-82FE-A80D-712BEB654EF9}"/>
+              </a:ext>
+            </a:extLst>
+          </p:cNvPr>
+          <p:cNvSpPr/>
+          <p:nvPr/>
+        </p:nvSpPr>
+        <p:spPr>
+          <a:xfrm>
+            <a:off x="2714171" y="4367780"/>
+            <a:ext cx="5529943" cy="366486"/>
+          </a:xfrm>
+          <a:prstGeom prst="rect">
+            <a:avLst/>
+          </a:prstGeom>
+        </p:spPr>
+        <p:style>
+          <a:lnRef idx="2">
+            <a:schemeClr val="accent1">
+              <a:shade val="50000"/>
+            </a:schemeClr>
+          </a:lnRef>
+          <a:fillRef idx="1">
+            <a:schemeClr val="accent1"/>
+          </a:fillRef>
+          <a:effectRef idx="0">
+            <a:schemeClr val="accent1"/>
+          </a:effectRef>
+          <a:fontRef idx="minor">
+            <a:schemeClr val="lt1"/>
+          </a:fontRef>
+        </p:style>
+        <p:txBody>
+          <a:bodyPr rtlCol="0" anchor="ctr"/>
+          <a:lstStyle/>
+          <a:p>
+            <a:pPr algn="ctr"/>
+            <a:r>
+              <a:rPr lang="en-SG" dirty="0"/>
+              <a:t>Used for train-test-split</a:t>
+            </a:r>
+          </a:p>
+        </p:txBody>
+      </p:sp>
+      <p:sp>
+        <p:nvSpPr>
+          <p:cNvPr id="12" name="Rectangle 11">
+            <a:extLst>
+              <a:ext uri="{FF2B5EF4-FFF2-40B4-BE49-F238E27FC236}">
+                <a16:creationId xmlns:a16="http://schemas.microsoft.com/office/drawing/2014/main" id="{5D36D2BB-A9A8-E77C-4FC2-5B37FC03198D}"/>
+              </a:ext>
+            </a:extLst>
+          </p:cNvPr>
+          <p:cNvSpPr/>
+          <p:nvPr/>
+        </p:nvSpPr>
+        <p:spPr>
+          <a:xfrm>
+            <a:off x="8244114" y="4940073"/>
+            <a:ext cx="1886857" cy="1371827"/>
+          </a:xfrm>
+          <a:prstGeom prst="rect">
+            <a:avLst/>
+          </a:prstGeom>
+        </p:spPr>
+        <p:style>
+          <a:lnRef idx="2">
+            <a:schemeClr val="accent1">
+              <a:shade val="50000"/>
+            </a:schemeClr>
+          </a:lnRef>
+          <a:fillRef idx="1">
+            <a:schemeClr val="accent1"/>
+          </a:fillRef>
+          <a:effectRef idx="0">
+            <a:schemeClr val="accent1"/>
+          </a:effectRef>
+          <a:fontRef idx="minor">
+            <a:schemeClr val="lt1"/>
+          </a:fontRef>
+        </p:style>
+        <p:txBody>
+          <a:bodyPr rtlCol="0" anchor="ctr"/>
+          <a:lstStyle/>
+          <a:p>
+            <a:pPr algn="ctr"/>
+            <a:r>
+              <a:rPr lang="en-SG" dirty="0"/>
+              <a:t>Used to forward test and see how it performs during volatile market conditions</a:t>
+            </a:r>
+          </a:p>
+        </p:txBody>
+      </p:sp>
+      <p:sp>
+        <p:nvSpPr>
+          <p:cNvPr id="13" name="Rectangle 12">
+            <a:extLst>
+              <a:ext uri="{FF2B5EF4-FFF2-40B4-BE49-F238E27FC236}">
+                <a16:creationId xmlns:a16="http://schemas.microsoft.com/office/drawing/2014/main" id="{BCD8872D-D955-6109-74A0-D688987026DB}"/>
+              </a:ext>
+            </a:extLst>
+          </p:cNvPr>
+          <p:cNvSpPr/>
+          <p:nvPr/>
+        </p:nvSpPr>
+        <p:spPr>
+          <a:xfrm>
+            <a:off x="10305143" y="4940074"/>
+            <a:ext cx="1698171" cy="1236890"/>
+          </a:xfrm>
+          <a:prstGeom prst="rect">
+            <a:avLst/>
+          </a:prstGeom>
+        </p:spPr>
+        <p:style>
+          <a:lnRef idx="2">
+            <a:schemeClr val="accent1">
+              <a:shade val="50000"/>
+            </a:schemeClr>
+          </a:lnRef>
+          <a:fillRef idx="1">
+            <a:schemeClr val="accent1"/>
+          </a:fillRef>
+          <a:effectRef idx="0">
+            <a:schemeClr val="accent1"/>
+          </a:effectRef>
+          <a:fontRef idx="minor">
+            <a:schemeClr val="lt1"/>
+          </a:fontRef>
+        </p:style>
+        <p:txBody>
+          <a:bodyPr rtlCol="0" anchor="ctr"/>
+          <a:lstStyle/>
+          <a:p>
+            <a:pPr algn="ctr"/>
+            <a:r>
+              <a:rPr lang="en-SG" dirty="0"/>
+              <a:t>Do a subset study for 2021 and 2022</a:t>
             </a:r>
           </a:p>
         </p:txBody>
